--- a/0 발표용 파워포인트/0417 3차발표/0417 project05 - 파워포인트 - 서희.pptx
+++ b/0 발표용 파워포인트/0417 3차발표/0417 project05 - 파워포인트 - 서희.pptx
@@ -5,10 +5,15 @@
     <p:sldMasterId id="2147483648" r:id="rId1"/>
   </p:sldMasterIdLst>
   <p:notesMasterIdLst>
-    <p:notesMasterId r:id="rId3"/>
+    <p:notesMasterId r:id="rId8"/>
   </p:notesMasterIdLst>
   <p:sldIdLst>
     <p:sldId id="256" r:id="rId2"/>
+    <p:sldId id="257" r:id="rId3"/>
+    <p:sldId id="258" r:id="rId4"/>
+    <p:sldId id="259" r:id="rId5"/>
+    <p:sldId id="260" r:id="rId6"/>
+    <p:sldId id="261" r:id="rId7"/>
   </p:sldIdLst>
   <p:sldSz cx="12192000" cy="6858000"/>
   <p:notesSz cx="6858000" cy="9144000"/>
@@ -109,7 +114,7 @@
   </p:defaultTextStyle>
   <p:extLst>
     <p:ext uri="{EFAFB233-063F-42B5-8137-9DF3F51BA10A}">
-      <p15:sldGuideLst xmlns:p15="http://schemas.microsoft.com/office/powerpoint/2012/main">
+      <p15:sldGuideLst xmlns:p15="http://schemas.microsoft.com/office/powerpoint/2012/main" xmlns="">
         <p15:guide id="1" orient="horz" pos="2160">
           <p15:clr>
             <a:srgbClr val="A4A3A4"/>
@@ -209,7 +214,7 @@
             <a:fld id="{EFE7F2A0-C7D9-4DBD-AE3B-C1A712DCE501}" type="datetimeFigureOut">
               <a:rPr lang="ko-KR" altLang="en-US" smtClean="0"/>
               <a:pPr/>
-              <a:t>2020-03-28</a:t>
+              <a:t>2020-04-16</a:t>
             </a:fld>
             <a:endParaRPr lang="ko-KR" altLang="en-US"/>
           </a:p>
@@ -610,7 +615,7 @@
             <a:fld id="{272C3D53-FEDF-49EC-8F65-FFFC138B637E}" type="datetimeFigureOut">
               <a:rPr lang="ko-KR" altLang="en-US" smtClean="0"/>
               <a:pPr/>
-              <a:t>2020-03-28</a:t>
+              <a:t>2020-04-16</a:t>
             </a:fld>
             <a:endParaRPr lang="ko-KR" altLang="en-US"/>
           </a:p>
@@ -782,7 +787,7 @@
             <a:fld id="{272C3D53-FEDF-49EC-8F65-FFFC138B637E}" type="datetimeFigureOut">
               <a:rPr lang="ko-KR" altLang="en-US" smtClean="0"/>
               <a:pPr/>
-              <a:t>2020-03-28</a:t>
+              <a:t>2020-04-16</a:t>
             </a:fld>
             <a:endParaRPr lang="ko-KR" altLang="en-US"/>
           </a:p>
@@ -964,7 +969,7 @@
             <a:fld id="{272C3D53-FEDF-49EC-8F65-FFFC138B637E}" type="datetimeFigureOut">
               <a:rPr lang="ko-KR" altLang="en-US" smtClean="0"/>
               <a:pPr/>
-              <a:t>2020-03-28</a:t>
+              <a:t>2020-04-16</a:t>
             </a:fld>
             <a:endParaRPr lang="ko-KR" altLang="en-US"/>
           </a:p>
@@ -1136,7 +1141,7 @@
             <a:fld id="{272C3D53-FEDF-49EC-8F65-FFFC138B637E}" type="datetimeFigureOut">
               <a:rPr lang="ko-KR" altLang="en-US" smtClean="0"/>
               <a:pPr/>
-              <a:t>2020-03-28</a:t>
+              <a:t>2020-04-16</a:t>
             </a:fld>
             <a:endParaRPr lang="ko-KR" altLang="en-US"/>
           </a:p>
@@ -1384,7 +1389,7 @@
             <a:fld id="{272C3D53-FEDF-49EC-8F65-FFFC138B637E}" type="datetimeFigureOut">
               <a:rPr lang="ko-KR" altLang="en-US" smtClean="0"/>
               <a:pPr/>
-              <a:t>2020-03-28</a:t>
+              <a:t>2020-04-16</a:t>
             </a:fld>
             <a:endParaRPr lang="ko-KR" altLang="en-US"/>
           </a:p>
@@ -1618,7 +1623,7 @@
             <a:fld id="{272C3D53-FEDF-49EC-8F65-FFFC138B637E}" type="datetimeFigureOut">
               <a:rPr lang="ko-KR" altLang="en-US" smtClean="0"/>
               <a:pPr/>
-              <a:t>2020-03-28</a:t>
+              <a:t>2020-04-16</a:t>
             </a:fld>
             <a:endParaRPr lang="ko-KR" altLang="en-US"/>
           </a:p>
@@ -1987,7 +1992,7 @@
             <a:fld id="{272C3D53-FEDF-49EC-8F65-FFFC138B637E}" type="datetimeFigureOut">
               <a:rPr lang="ko-KR" altLang="en-US" smtClean="0"/>
               <a:pPr/>
-              <a:t>2020-03-28</a:t>
+              <a:t>2020-04-16</a:t>
             </a:fld>
             <a:endParaRPr lang="ko-KR" altLang="en-US"/>
           </a:p>
@@ -2107,7 +2112,7 @@
             <a:fld id="{272C3D53-FEDF-49EC-8F65-FFFC138B637E}" type="datetimeFigureOut">
               <a:rPr lang="ko-KR" altLang="en-US" smtClean="0"/>
               <a:pPr/>
-              <a:t>2020-03-28</a:t>
+              <a:t>2020-04-16</a:t>
             </a:fld>
             <a:endParaRPr lang="ko-KR" altLang="en-US"/>
           </a:p>
@@ -2204,7 +2209,7 @@
             <a:fld id="{272C3D53-FEDF-49EC-8F65-FFFC138B637E}" type="datetimeFigureOut">
               <a:rPr lang="ko-KR" altLang="en-US" smtClean="0"/>
               <a:pPr/>
-              <a:t>2020-03-28</a:t>
+              <a:t>2020-04-16</a:t>
             </a:fld>
             <a:endParaRPr lang="ko-KR" altLang="en-US"/>
           </a:p>
@@ -2483,7 +2488,7 @@
             <a:fld id="{272C3D53-FEDF-49EC-8F65-FFFC138B637E}" type="datetimeFigureOut">
               <a:rPr lang="ko-KR" altLang="en-US" smtClean="0"/>
               <a:pPr/>
-              <a:t>2020-03-28</a:t>
+              <a:t>2020-04-16</a:t>
             </a:fld>
             <a:endParaRPr lang="ko-KR" altLang="en-US"/>
           </a:p>
@@ -2738,7 +2743,7 @@
             <a:fld id="{272C3D53-FEDF-49EC-8F65-FFFC138B637E}" type="datetimeFigureOut">
               <a:rPr lang="ko-KR" altLang="en-US" smtClean="0"/>
               <a:pPr/>
-              <a:t>2020-03-28</a:t>
+              <a:t>2020-04-16</a:t>
             </a:fld>
             <a:endParaRPr lang="ko-KR" altLang="en-US"/>
           </a:p>
@@ -2953,7 +2958,7 @@
             <a:fld id="{272C3D53-FEDF-49EC-8F65-FFFC138B637E}" type="datetimeFigureOut">
               <a:rPr lang="ko-KR" altLang="en-US" smtClean="0"/>
               <a:pPr/>
-              <a:t>2020-03-28</a:t>
+              <a:t>2020-04-16</a:t>
             </a:fld>
             <a:endParaRPr lang="ko-KR" altLang="en-US"/>
           </a:p>
@@ -3038,6 +3043,30 @@
           </a:p>
         </p:txBody>
       </p:sp>
+      <p:pic>
+        <p:nvPicPr>
+          <p:cNvPr id="7" name="그림 6"/>
+          <p:cNvPicPr>
+            <a:picLocks noChangeAspect="1"/>
+          </p:cNvPicPr>
+          <p:nvPr userDrawn="1"/>
+        </p:nvPicPr>
+        <p:blipFill>
+          <a:blip r:embed="rId13"/>
+          <a:stretch>
+            <a:fillRect/>
+          </a:stretch>
+        </p:blipFill>
+        <p:spPr>
+          <a:xfrm>
+            <a:off x="0" y="0"/>
+            <a:ext cx="12170885" cy="6858000"/>
+          </a:xfrm>
+          <a:prstGeom prst="rect">
+            <a:avLst/>
+          </a:prstGeom>
+        </p:spPr>
+      </p:pic>
     </p:spTree>
     <p:extLst>
       <p:ext uri="{BB962C8B-B14F-4D97-AF65-F5344CB8AC3E}">
@@ -3444,6 +3473,5211 @@
 </p:sld>
 </file>
 
+<file path=ppt/slides/slide2.xml><?xml version="1.0" encoding="utf-8"?>
+<p:sld xmlns:a="http://schemas.openxmlformats.org/drawingml/2006/main" xmlns:r="http://schemas.openxmlformats.org/officeDocument/2006/relationships" xmlns:p="http://schemas.openxmlformats.org/presentationml/2006/main">
+  <p:cSld>
+    <p:spTree>
+      <p:nvGrpSpPr>
+        <p:cNvPr id="1" name=""/>
+        <p:cNvGrpSpPr/>
+        <p:nvPr/>
+      </p:nvGrpSpPr>
+      <p:grpSpPr>
+        <a:xfrm>
+          <a:off x="0" y="0"/>
+          <a:ext cx="0" cy="0"/>
+          <a:chOff x="0" y="0"/>
+          <a:chExt cx="0" cy="0"/>
+        </a:xfrm>
+      </p:grpSpPr>
+      <p:graphicFrame>
+        <p:nvGraphicFramePr>
+          <p:cNvPr id="9" name="표 8"/>
+          <p:cNvGraphicFramePr>
+            <a:graphicFrameLocks noGrp="1"/>
+          </p:cNvGraphicFramePr>
+          <p:nvPr>
+            <p:extLst>
+              <p:ext uri="{D42A27DB-BD31-4B8C-83A1-F6EECF244321}">
+                <p14:modId xmlns:p14="http://schemas.microsoft.com/office/powerpoint/2010/main" val="4220915477"/>
+              </p:ext>
+            </p:extLst>
+          </p:nvPr>
+        </p:nvGraphicFramePr>
+        <p:xfrm>
+          <a:off x="131601" y="1283516"/>
+          <a:ext cx="8032096" cy="5347943"/>
+        </p:xfrm>
+        <a:graphic>
+          <a:graphicData uri="http://schemas.openxmlformats.org/drawingml/2006/table">
+            <a:tbl>
+              <a:tblPr firstRow="1" bandRow="1">
+                <a:tableStyleId>{5C22544A-7EE6-4342-B048-85BDC9FD1C3A}</a:tableStyleId>
+              </a:tblPr>
+              <a:tblGrid>
+                <a:gridCol w="8032096">
+                  <a:extLst>
+                    <a:ext uri="{9D8B030D-6E8A-4147-A177-3AD203B41FA5}">
+                      <a16:colId xmlns="" xmlns:a16="http://schemas.microsoft.com/office/drawing/2014/main" val="20000"/>
+                    </a:ext>
+                  </a:extLst>
+                </a:gridCol>
+              </a:tblGrid>
+              <a:tr h="569998">
+                <a:tc>
+                  <a:txBody>
+                    <a:bodyPr/>
+                    <a:lstStyle/>
+                    <a:p>
+                      <a:pPr latinLnBrk="1"/>
+                      <a:endParaRPr lang="ko-KR" altLang="en-US" dirty="0"/>
+                    </a:p>
+                  </a:txBody>
+                  <a:tcPr>
+                    <a:lnL w="12700" cap="flat" cmpd="sng" algn="ctr">
+                      <a:solidFill>
+                        <a:schemeClr val="tx1"/>
+                      </a:solidFill>
+                      <a:prstDash val="solid"/>
+                      <a:round/>
+                      <a:headEnd type="none" w="med" len="med"/>
+                      <a:tailEnd type="none" w="med" len="med"/>
+                    </a:lnL>
+                    <a:lnR w="12700" cap="flat" cmpd="sng" algn="ctr">
+                      <a:solidFill>
+                        <a:schemeClr val="tx1"/>
+                      </a:solidFill>
+                      <a:prstDash val="solid"/>
+                      <a:round/>
+                      <a:headEnd type="none" w="med" len="med"/>
+                      <a:tailEnd type="none" w="med" len="med"/>
+                    </a:lnR>
+                    <a:lnT w="12700" cap="flat" cmpd="sng" algn="ctr">
+                      <a:solidFill>
+                        <a:schemeClr val="tx1"/>
+                      </a:solidFill>
+                      <a:prstDash val="solid"/>
+                      <a:round/>
+                      <a:headEnd type="none" w="med" len="med"/>
+                      <a:tailEnd type="none" w="med" len="med"/>
+                    </a:lnT>
+                    <a:lnB w="12700" cap="flat" cmpd="sng" algn="ctr">
+                      <a:noFill/>
+                      <a:prstDash val="solid"/>
+                      <a:round/>
+                      <a:headEnd type="none" w="med" len="med"/>
+                      <a:tailEnd type="none" w="med" len="med"/>
+                    </a:lnB>
+                    <a:lnTlToBr w="12700" cmpd="sng">
+                      <a:noFill/>
+                      <a:prstDash val="solid"/>
+                    </a:lnTlToBr>
+                    <a:lnBlToTr w="12700" cmpd="sng">
+                      <a:noFill/>
+                      <a:prstDash val="solid"/>
+                    </a:lnBlToTr>
+                    <a:solidFill>
+                      <a:schemeClr val="bg1"/>
+                    </a:solidFill>
+                  </a:tcPr>
+                </a:tc>
+                <a:extLst>
+                  <a:ext uri="{0D108BD9-81ED-4DB2-BD59-A6C34878D82A}">
+                    <a16:rowId xmlns="" xmlns:a16="http://schemas.microsoft.com/office/drawing/2014/main" val="10000"/>
+                  </a:ext>
+                </a:extLst>
+              </a:tr>
+              <a:tr h="4777945">
+                <a:tc>
+                  <a:txBody>
+                    <a:bodyPr/>
+                    <a:lstStyle/>
+                    <a:p>
+                      <a:pPr latinLnBrk="1"/>
+                      <a:endParaRPr lang="ko-KR" altLang="en-US" sz="1500" dirty="0"/>
+                    </a:p>
+                  </a:txBody>
+                  <a:tcPr>
+                    <a:lnL w="12700" cap="flat" cmpd="sng" algn="ctr">
+                      <a:solidFill>
+                        <a:schemeClr val="tx1"/>
+                      </a:solidFill>
+                      <a:prstDash val="solid"/>
+                      <a:round/>
+                      <a:headEnd type="none" w="med" len="med"/>
+                      <a:tailEnd type="none" w="med" len="med"/>
+                    </a:lnL>
+                    <a:lnR w="12700" cap="flat" cmpd="sng" algn="ctr">
+                      <a:solidFill>
+                        <a:schemeClr val="tx1"/>
+                      </a:solidFill>
+                      <a:prstDash val="solid"/>
+                      <a:round/>
+                      <a:headEnd type="none" w="med" len="med"/>
+                      <a:tailEnd type="none" w="med" len="med"/>
+                    </a:lnR>
+                    <a:lnT w="12700" cap="flat" cmpd="sng" algn="ctr">
+                      <a:noFill/>
+                      <a:prstDash val="solid"/>
+                      <a:round/>
+                      <a:headEnd type="none" w="med" len="med"/>
+                      <a:tailEnd type="none" w="med" len="med"/>
+                    </a:lnT>
+                    <a:lnB w="12700" cap="flat" cmpd="sng" algn="ctr">
+                      <a:solidFill>
+                        <a:schemeClr val="tx1"/>
+                      </a:solidFill>
+                      <a:prstDash val="solid"/>
+                      <a:round/>
+                      <a:headEnd type="none" w="med" len="med"/>
+                      <a:tailEnd type="none" w="med" len="med"/>
+                    </a:lnB>
+                    <a:lnTlToBr w="12700" cmpd="sng">
+                      <a:noFill/>
+                      <a:prstDash val="solid"/>
+                    </a:lnTlToBr>
+                    <a:lnBlToTr w="12700" cmpd="sng">
+                      <a:noFill/>
+                      <a:prstDash val="solid"/>
+                    </a:lnBlToTr>
+                    <a:solidFill>
+                      <a:srgbClr val="F6F6F6"/>
+                    </a:solidFill>
+                  </a:tcPr>
+                </a:tc>
+                <a:extLst>
+                  <a:ext uri="{0D108BD9-81ED-4DB2-BD59-A6C34878D82A}">
+                    <a16:rowId xmlns="" xmlns:a16="http://schemas.microsoft.com/office/drawing/2014/main" val="10001"/>
+                  </a:ext>
+                </a:extLst>
+              </a:tr>
+            </a:tbl>
+          </a:graphicData>
+        </a:graphic>
+      </p:graphicFrame>
+      <p:grpSp>
+        <p:nvGrpSpPr>
+          <p:cNvPr id="10" name="그룹 9"/>
+          <p:cNvGrpSpPr/>
+          <p:nvPr/>
+        </p:nvGrpSpPr>
+        <p:grpSpPr>
+          <a:xfrm>
+            <a:off x="318350" y="1349364"/>
+            <a:ext cx="5111784" cy="355428"/>
+            <a:chOff x="356082" y="1397293"/>
+            <a:chExt cx="5111784" cy="355428"/>
+          </a:xfrm>
+        </p:grpSpPr>
+        <p:sp>
+          <p:nvSpPr>
+            <p:cNvPr id="22" name="직사각형 39"/>
+            <p:cNvSpPr/>
+            <p:nvPr/>
+          </p:nvSpPr>
+          <p:spPr>
+            <a:xfrm>
+              <a:off x="356082" y="1423945"/>
+              <a:ext cx="1207049" cy="328776"/>
+            </a:xfrm>
+            <a:prstGeom prst="rect">
+              <a:avLst/>
+            </a:prstGeom>
+            <a:solidFill>
+              <a:srgbClr val="FFFFFF"/>
+            </a:solidFill>
+            <a:ln w="12700">
+              <a:noFill/>
+              <a:miter/>
+            </a:ln>
+          </p:spPr>
+          <p:txBody>
+            <a:bodyPr lIns="45719" rIns="45719" anchor="ctr"/>
+            <a:lstStyle/>
+            <a:p>
+              <a:pPr>
+                <a:defRPr sz="1500"/>
+              </a:pPr>
+              <a:r>
+                <a:rPr lang="en-US" sz="1900" dirty="0"/>
+                <a:t>e</a:t>
+              </a:r>
+              <a:r>
+                <a:rPr lang="en-US" sz="1900" dirty="0" smtClean="0"/>
+                <a:t>-Zone</a:t>
+              </a:r>
+              <a:endParaRPr sz="1900" dirty="0"/>
+            </a:p>
+          </p:txBody>
+        </p:sp>
+        <p:grpSp>
+          <p:nvGrpSpPr>
+            <p:cNvPr id="6" name="그룹 5"/>
+            <p:cNvGrpSpPr/>
+            <p:nvPr/>
+          </p:nvGrpSpPr>
+          <p:grpSpPr>
+            <a:xfrm>
+              <a:off x="1909120" y="1397293"/>
+              <a:ext cx="3558746" cy="319907"/>
+              <a:chOff x="1351005" y="1391330"/>
+              <a:chExt cx="3558746" cy="319907"/>
+            </a:xfrm>
+          </p:grpSpPr>
+          <p:pic>
+            <p:nvPicPr>
+              <p:cNvPr id="2" name="그림 1"/>
+              <p:cNvPicPr>
+                <a:picLocks noChangeAspect="1"/>
+              </p:cNvPicPr>
+              <p:nvPr/>
+            </p:nvPicPr>
+            <p:blipFill>
+              <a:blip r:embed="rId2"/>
+              <a:stretch>
+                <a:fillRect/>
+              </a:stretch>
+            </p:blipFill>
+            <p:spPr>
+              <a:xfrm>
+                <a:off x="4594815" y="1391330"/>
+                <a:ext cx="299939" cy="279013"/>
+              </a:xfrm>
+              <a:prstGeom prst="rect">
+                <a:avLst/>
+              </a:prstGeom>
+            </p:spPr>
+          </p:pic>
+          <p:cxnSp>
+            <p:nvCxnSpPr>
+              <p:cNvPr id="5" name="직선 연결선 4"/>
+              <p:cNvCxnSpPr/>
+              <p:nvPr/>
+            </p:nvCxnSpPr>
+            <p:spPr>
+              <a:xfrm>
+                <a:off x="1351005" y="1711237"/>
+                <a:ext cx="3558746" cy="0"/>
+              </a:xfrm>
+              <a:prstGeom prst="line">
+                <a:avLst/>
+              </a:prstGeom>
+              <a:ln w="28575"/>
+            </p:spPr>
+            <p:style>
+              <a:lnRef idx="1">
+                <a:schemeClr val="accent2"/>
+              </a:lnRef>
+              <a:fillRef idx="0">
+                <a:schemeClr val="accent2"/>
+              </a:fillRef>
+              <a:effectRef idx="0">
+                <a:schemeClr val="accent2"/>
+              </a:effectRef>
+              <a:fontRef idx="minor">
+                <a:schemeClr val="tx1"/>
+              </a:fontRef>
+            </p:style>
+          </p:cxnSp>
+        </p:grpSp>
+      </p:grpSp>
+      <p:sp>
+        <p:nvSpPr>
+          <p:cNvPr id="36" name="직사각형 39"/>
+          <p:cNvSpPr/>
+          <p:nvPr/>
+        </p:nvSpPr>
+        <p:spPr>
+          <a:xfrm>
+            <a:off x="470751" y="2073818"/>
+            <a:ext cx="3681119" cy="328776"/>
+          </a:xfrm>
+          <a:prstGeom prst="rect">
+            <a:avLst/>
+          </a:prstGeom>
+          <a:noFill/>
+          <a:ln w="12700">
+            <a:noFill/>
+            <a:miter/>
+          </a:ln>
+        </p:spPr>
+        <p:txBody>
+          <a:bodyPr lIns="45719" rIns="45719" anchor="ctr"/>
+          <a:lstStyle/>
+          <a:p>
+            <a:pPr fontAlgn="t"/>
+            <a:r>
+              <a:rPr lang="ko-KR" altLang="en-US" b="1" dirty="0"/>
+              <a:t>양천</a:t>
+            </a:r>
+            <a:r>
+              <a:rPr lang="en-US" altLang="ko-KR" b="1" dirty="0"/>
+              <a:t>.</a:t>
+            </a:r>
+            <a:r>
+              <a:rPr lang="ko-KR" altLang="en-US" b="1" dirty="0"/>
+              <a:t>강서 모임공간 그림민화랑</a:t>
+            </a:r>
+          </a:p>
+        </p:txBody>
+      </p:sp>
+      <p:sp>
+        <p:nvSpPr>
+          <p:cNvPr id="12" name="직사각형 11"/>
+          <p:cNvSpPr/>
+          <p:nvPr/>
+        </p:nvSpPr>
+        <p:spPr>
+          <a:xfrm>
+            <a:off x="417201" y="2425531"/>
+            <a:ext cx="3788217" cy="276999"/>
+          </a:xfrm>
+          <a:prstGeom prst="rect">
+            <a:avLst/>
+          </a:prstGeom>
+        </p:spPr>
+        <p:txBody>
+          <a:bodyPr wrap="none">
+            <a:spAutoFit/>
+          </a:bodyPr>
+          <a:lstStyle/>
+          <a:p>
+            <a:r>
+              <a:rPr lang="ko-KR" altLang="en-US" sz="1200" dirty="0">
+                <a:solidFill>
+                  <a:schemeClr val="dk1"/>
+                </a:solidFill>
+              </a:rPr>
+              <a:t>우리끼리만의 고즈넉한 공간을 찾는다면 이곳입니다</a:t>
+            </a:r>
+            <a:endParaRPr lang="ko-KR" altLang="en-US" sz="1200" dirty="0"/>
+          </a:p>
+        </p:txBody>
+      </p:sp>
+      <p:pic>
+        <p:nvPicPr>
+          <p:cNvPr id="13" name="그림 12"/>
+          <p:cNvPicPr>
+            <a:picLocks noChangeAspect="1"/>
+          </p:cNvPicPr>
+          <p:nvPr/>
+        </p:nvPicPr>
+        <p:blipFill>
+          <a:blip r:embed="rId3"/>
+          <a:stretch>
+            <a:fillRect/>
+          </a:stretch>
+        </p:blipFill>
+        <p:spPr>
+          <a:xfrm>
+            <a:off x="525410" y="3027776"/>
+            <a:ext cx="4618508" cy="2416087"/>
+          </a:xfrm>
+          <a:prstGeom prst="rect">
+            <a:avLst/>
+          </a:prstGeom>
+        </p:spPr>
+      </p:pic>
+      <p:pic>
+        <p:nvPicPr>
+          <p:cNvPr id="17" name="그림 16"/>
+          <p:cNvPicPr>
+            <a:picLocks noChangeAspect="1"/>
+          </p:cNvPicPr>
+          <p:nvPr/>
+        </p:nvPicPr>
+        <p:blipFill>
+          <a:blip r:embed="rId4"/>
+          <a:stretch>
+            <a:fillRect/>
+          </a:stretch>
+        </p:blipFill>
+        <p:spPr>
+          <a:xfrm>
+            <a:off x="525410" y="5649051"/>
+            <a:ext cx="718504" cy="438666"/>
+          </a:xfrm>
+          <a:prstGeom prst="rect">
+            <a:avLst/>
+          </a:prstGeom>
+        </p:spPr>
+      </p:pic>
+      <p:pic>
+        <p:nvPicPr>
+          <p:cNvPr id="18" name="그림 17"/>
+          <p:cNvPicPr>
+            <a:picLocks noChangeAspect="1"/>
+          </p:cNvPicPr>
+          <p:nvPr/>
+        </p:nvPicPr>
+        <p:blipFill>
+          <a:blip r:embed="rId5"/>
+          <a:stretch>
+            <a:fillRect/>
+          </a:stretch>
+        </p:blipFill>
+        <p:spPr>
+          <a:xfrm>
+            <a:off x="525410" y="6130741"/>
+            <a:ext cx="3305028" cy="418948"/>
+          </a:xfrm>
+          <a:prstGeom prst="rect">
+            <a:avLst/>
+          </a:prstGeom>
+        </p:spPr>
+      </p:pic>
+      <p:pic>
+        <p:nvPicPr>
+          <p:cNvPr id="38" name="그림 37"/>
+          <p:cNvPicPr>
+            <a:picLocks noChangeAspect="1"/>
+          </p:cNvPicPr>
+          <p:nvPr/>
+        </p:nvPicPr>
+        <p:blipFill>
+          <a:blip r:embed="rId6"/>
+          <a:stretch>
+            <a:fillRect/>
+          </a:stretch>
+        </p:blipFill>
+        <p:spPr>
+          <a:xfrm>
+            <a:off x="5430134" y="2826630"/>
+            <a:ext cx="2422974" cy="2573937"/>
+          </a:xfrm>
+          <a:prstGeom prst="rect">
+            <a:avLst/>
+          </a:prstGeom>
+        </p:spPr>
+      </p:pic>
+      <p:sp>
+        <p:nvSpPr>
+          <p:cNvPr id="20" name="직사각형 19"/>
+          <p:cNvSpPr/>
+          <p:nvPr/>
+        </p:nvSpPr>
+        <p:spPr>
+          <a:xfrm>
+            <a:off x="5463086" y="5567198"/>
+            <a:ext cx="2280652" cy="356333"/>
+          </a:xfrm>
+          <a:prstGeom prst="rect">
+            <a:avLst/>
+          </a:prstGeom>
+          <a:solidFill>
+            <a:srgbClr val="704DE4"/>
+          </a:solidFill>
+          <a:ln>
+            <a:solidFill>
+              <a:schemeClr val="bg1"/>
+            </a:solidFill>
+          </a:ln>
+        </p:spPr>
+        <p:style>
+          <a:lnRef idx="2">
+            <a:schemeClr val="accent1">
+              <a:shade val="50000"/>
+            </a:schemeClr>
+          </a:lnRef>
+          <a:fillRef idx="1">
+            <a:schemeClr val="accent1"/>
+          </a:fillRef>
+          <a:effectRef idx="0">
+            <a:schemeClr val="accent1"/>
+          </a:effectRef>
+          <a:fontRef idx="minor">
+            <a:schemeClr val="lt1"/>
+          </a:fontRef>
+        </p:style>
+        <p:txBody>
+          <a:bodyPr rtlCol="0" anchor="ctr"/>
+          <a:lstStyle/>
+          <a:p>
+            <a:pPr algn="ctr"/>
+            <a:r>
+              <a:rPr lang="ko-KR" altLang="en-US" sz="1100" dirty="0" smtClean="0">
+                <a:ln>
+                  <a:solidFill>
+                    <a:schemeClr val="bg1"/>
+                  </a:solidFill>
+                </a:ln>
+                <a:solidFill>
+                  <a:srgbClr val="FFC000"/>
+                </a:solidFill>
+              </a:rPr>
+              <a:t>바로 예약하기</a:t>
+            </a:r>
+            <a:endParaRPr lang="ko-KR" altLang="en-US" sz="1100" dirty="0">
+              <a:ln>
+                <a:solidFill>
+                  <a:schemeClr val="bg1"/>
+                </a:solidFill>
+              </a:ln>
+              <a:solidFill>
+                <a:srgbClr val="FFC000"/>
+              </a:solidFill>
+            </a:endParaRPr>
+          </a:p>
+        </p:txBody>
+      </p:sp>
+      <p:sp>
+        <p:nvSpPr>
+          <p:cNvPr id="3" name="직사각형 2"/>
+          <p:cNvSpPr/>
+          <p:nvPr/>
+        </p:nvSpPr>
+        <p:spPr>
+          <a:xfrm>
+            <a:off x="157214" y="1953186"/>
+            <a:ext cx="296562" cy="344798"/>
+          </a:xfrm>
+          <a:prstGeom prst="rect">
+            <a:avLst/>
+          </a:prstGeom>
+          <a:solidFill>
+            <a:srgbClr val="FF0000"/>
+          </a:solidFill>
+          <a:ln>
+            <a:noFill/>
+          </a:ln>
+        </p:spPr>
+        <p:style>
+          <a:lnRef idx="2">
+            <a:schemeClr val="accent1">
+              <a:shade val="50000"/>
+            </a:schemeClr>
+          </a:lnRef>
+          <a:fillRef idx="1">
+            <a:schemeClr val="accent1"/>
+          </a:fillRef>
+          <a:effectRef idx="0">
+            <a:schemeClr val="accent1"/>
+          </a:effectRef>
+          <a:fontRef idx="minor">
+            <a:schemeClr val="lt1"/>
+          </a:fontRef>
+        </p:style>
+        <p:txBody>
+          <a:bodyPr rtlCol="0" anchor="ctr"/>
+          <a:lstStyle/>
+          <a:p>
+            <a:pPr algn="ctr"/>
+            <a:r>
+              <a:rPr lang="en-US" altLang="ko-KR" b="1" dirty="0" smtClean="0">
+                <a:solidFill>
+                  <a:schemeClr val="bg1"/>
+                </a:solidFill>
+              </a:rPr>
+              <a:t>1</a:t>
+            </a:r>
+            <a:endParaRPr lang="ko-KR" altLang="en-US" b="1" dirty="0">
+              <a:solidFill>
+                <a:schemeClr val="bg1"/>
+              </a:solidFill>
+            </a:endParaRPr>
+          </a:p>
+        </p:txBody>
+      </p:sp>
+      <p:sp>
+        <p:nvSpPr>
+          <p:cNvPr id="21" name="직사각형 20"/>
+          <p:cNvSpPr/>
+          <p:nvPr/>
+        </p:nvSpPr>
+        <p:spPr>
+          <a:xfrm>
+            <a:off x="5415137" y="2435346"/>
+            <a:ext cx="296562" cy="344798"/>
+          </a:xfrm>
+          <a:prstGeom prst="rect">
+            <a:avLst/>
+          </a:prstGeom>
+          <a:solidFill>
+            <a:srgbClr val="FF0000"/>
+          </a:solidFill>
+          <a:ln>
+            <a:noFill/>
+          </a:ln>
+        </p:spPr>
+        <p:style>
+          <a:lnRef idx="2">
+            <a:schemeClr val="accent1">
+              <a:shade val="50000"/>
+            </a:schemeClr>
+          </a:lnRef>
+          <a:fillRef idx="1">
+            <a:schemeClr val="accent1"/>
+          </a:fillRef>
+          <a:effectRef idx="0">
+            <a:schemeClr val="accent1"/>
+          </a:effectRef>
+          <a:fontRef idx="minor">
+            <a:schemeClr val="lt1"/>
+          </a:fontRef>
+        </p:style>
+        <p:txBody>
+          <a:bodyPr rtlCol="0" anchor="ctr"/>
+          <a:lstStyle/>
+          <a:p>
+            <a:pPr algn="ctr"/>
+            <a:r>
+              <a:rPr lang="en-US" altLang="ko-KR" b="1" dirty="0">
+                <a:solidFill>
+                  <a:schemeClr val="bg1"/>
+                </a:solidFill>
+              </a:rPr>
+              <a:t>3</a:t>
+            </a:r>
+            <a:endParaRPr lang="ko-KR" altLang="en-US" b="1" dirty="0">
+              <a:solidFill>
+                <a:schemeClr val="bg1"/>
+              </a:solidFill>
+            </a:endParaRPr>
+          </a:p>
+        </p:txBody>
+      </p:sp>
+      <p:graphicFrame>
+        <p:nvGraphicFramePr>
+          <p:cNvPr id="23" name="표 13"/>
+          <p:cNvGraphicFramePr/>
+          <p:nvPr>
+            <p:extLst>
+              <p:ext uri="{D42A27DB-BD31-4B8C-83A1-F6EECF244321}">
+                <p14:modId xmlns:p14="http://schemas.microsoft.com/office/powerpoint/2010/main" val="4172060945"/>
+              </p:ext>
+            </p:extLst>
+          </p:nvPr>
+        </p:nvGraphicFramePr>
+        <p:xfrm>
+          <a:off x="8557506" y="2536380"/>
+          <a:ext cx="3491813" cy="2212116"/>
+        </p:xfrm>
+        <a:graphic>
+          <a:graphicData uri="http://schemas.openxmlformats.org/drawingml/2006/table">
+            <a:tbl>
+              <a:tblPr firstRow="1"/>
+              <a:tblGrid>
+                <a:gridCol w="342705">
+                  <a:extLst>
+                    <a:ext uri="{9D8B030D-6E8A-4147-A177-3AD203B41FA5}">
+                      <a16:colId xmlns="" xmlns:a16="http://schemas.microsoft.com/office/drawing/2014/main" val="20000"/>
+                    </a:ext>
+                  </a:extLst>
+                </a:gridCol>
+                <a:gridCol w="3149108">
+                  <a:extLst>
+                    <a:ext uri="{9D8B030D-6E8A-4147-A177-3AD203B41FA5}">
+                      <a16:colId xmlns="" xmlns:a16="http://schemas.microsoft.com/office/drawing/2014/main" val="20001"/>
+                    </a:ext>
+                  </a:extLst>
+                </a:gridCol>
+              </a:tblGrid>
+              <a:tr h="383316">
+                <a:tc>
+                  <a:txBody>
+                    <a:bodyPr/>
+                    <a:lstStyle/>
+                    <a:p>
+                      <a:pPr algn="ctr">
+                        <a:defRPr sz="1800" b="0">
+                          <a:solidFill>
+                            <a:srgbClr val="000000"/>
+                          </a:solidFill>
+                        </a:defRPr>
+                      </a:pPr>
+                      <a:r>
+                        <a:rPr sz="1500" b="1" dirty="0"/>
+                        <a:t>#</a:t>
+                      </a:r>
+                    </a:p>
+                  </a:txBody>
+                  <a:tcPr marL="45720" marR="45720" anchor="ctr" horzOverflow="overflow">
+                    <a:lnL w="12700">
+                      <a:solidFill>
+                        <a:srgbClr val="000000"/>
+                      </a:solidFill>
+                    </a:lnL>
+                    <a:lnR w="12700">
+                      <a:solidFill>
+                        <a:srgbClr val="000000"/>
+                      </a:solidFill>
+                    </a:lnR>
+                    <a:lnT w="12700">
+                      <a:solidFill>
+                        <a:srgbClr val="000000"/>
+                      </a:solidFill>
+                    </a:lnT>
+                    <a:lnB w="12700">
+                      <a:solidFill>
+                        <a:srgbClr val="000000"/>
+                      </a:solidFill>
+                    </a:lnB>
+                    <a:solidFill>
+                      <a:srgbClr val="D9D9D9"/>
+                    </a:solidFill>
+                  </a:tcPr>
+                </a:tc>
+                <a:tc>
+                  <a:txBody>
+                    <a:bodyPr/>
+                    <a:lstStyle/>
+                    <a:p>
+                      <a:pPr algn="ctr">
+                        <a:defRPr sz="1800" b="0">
+                          <a:solidFill>
+                            <a:srgbClr val="000000"/>
+                          </a:solidFill>
+                        </a:defRPr>
+                      </a:pPr>
+                      <a:r>
+                        <a:rPr sz="1500" b="1" dirty="0" err="1"/>
+                        <a:t>기능명</a:t>
+                      </a:r>
+                      <a:endParaRPr sz="1500" b="1" dirty="0"/>
+                    </a:p>
+                  </a:txBody>
+                  <a:tcPr marL="45720" marR="45720" anchor="ctr" horzOverflow="overflow">
+                    <a:lnL w="12700">
+                      <a:solidFill>
+                        <a:srgbClr val="000000"/>
+                      </a:solidFill>
+                    </a:lnL>
+                    <a:lnR w="12700">
+                      <a:solidFill>
+                        <a:srgbClr val="000000"/>
+                      </a:solidFill>
+                    </a:lnR>
+                    <a:lnT w="12700">
+                      <a:solidFill>
+                        <a:srgbClr val="000000"/>
+                      </a:solidFill>
+                    </a:lnT>
+                    <a:lnB w="12700">
+                      <a:solidFill>
+                        <a:srgbClr val="000000"/>
+                      </a:solidFill>
+                    </a:lnB>
+                    <a:solidFill>
+                      <a:srgbClr val="D9D9D9"/>
+                    </a:solidFill>
+                  </a:tcPr>
+                </a:tc>
+                <a:extLst>
+                  <a:ext uri="{0D108BD9-81ED-4DB2-BD59-A6C34878D82A}">
+                    <a16:rowId xmlns="" xmlns:a16="http://schemas.microsoft.com/office/drawing/2014/main" val="10000"/>
+                  </a:ext>
+                </a:extLst>
+              </a:tr>
+              <a:tr h="914400">
+                <a:tc>
+                  <a:txBody>
+                    <a:bodyPr/>
+                    <a:lstStyle/>
+                    <a:p>
+                      <a:pPr algn="ctr">
+                        <a:defRPr sz="1800"/>
+                      </a:pPr>
+                      <a:r>
+                        <a:rPr sz="1500" dirty="0"/>
+                        <a:t>1</a:t>
+                      </a:r>
+                    </a:p>
+                  </a:txBody>
+                  <a:tcPr marL="45720" marR="45720" anchor="ctr" horzOverflow="overflow">
+                    <a:lnL w="12700">
+                      <a:solidFill>
+                        <a:srgbClr val="000000"/>
+                      </a:solidFill>
+                    </a:lnL>
+                    <a:lnR w="12700">
+                      <a:solidFill>
+                        <a:srgbClr val="000000"/>
+                      </a:solidFill>
+                    </a:lnR>
+                    <a:lnT w="12700">
+                      <a:solidFill>
+                        <a:srgbClr val="000000"/>
+                      </a:solidFill>
+                    </a:lnT>
+                    <a:lnB w="12700" cap="flat" cmpd="sng" algn="ctr">
+                      <a:solidFill>
+                        <a:srgbClr val="000000"/>
+                      </a:solidFill>
+                      <a:prstDash val="solid"/>
+                      <a:round/>
+                      <a:headEnd type="none" w="med" len="med"/>
+                      <a:tailEnd type="none" w="med" len="med"/>
+                    </a:lnB>
+                    <a:solidFill>
+                      <a:srgbClr val="FFFFFF"/>
+                    </a:solidFill>
+                  </a:tcPr>
+                </a:tc>
+                <a:tc>
+                  <a:txBody>
+                    <a:bodyPr/>
+                    <a:lstStyle/>
+                    <a:p>
+                      <a:pPr algn="l">
+                        <a:defRPr sz="1500"/>
+                      </a:pPr>
+                      <a:r>
+                        <a:rPr lang="ko-KR" altLang="en-US" dirty="0" err="1" smtClean="0"/>
+                        <a:t>컨텐츠</a:t>
+                      </a:r>
+                      <a:endParaRPr lang="en-US" altLang="ko-KR" dirty="0" smtClean="0"/>
+                    </a:p>
+                    <a:p>
+                      <a:pPr algn="l">
+                        <a:defRPr sz="1500"/>
+                      </a:pPr>
+                      <a:endParaRPr lang="en-US" altLang="ko-KR" sz="1000" dirty="0" smtClean="0"/>
+                    </a:p>
+                    <a:p>
+                      <a:pPr algn="l">
+                        <a:defRPr sz="1500"/>
+                      </a:pPr>
+                      <a:r>
+                        <a:rPr lang="en-US" altLang="ko-KR" sz="1200" b="0" dirty="0" smtClean="0"/>
+                        <a:t>-</a:t>
+                      </a:r>
+                      <a:r>
+                        <a:rPr lang="ko-KR" altLang="en-US" sz="1200" b="0" baseline="0" dirty="0" smtClean="0"/>
+                        <a:t> 세미나를 소개하는 페이지</a:t>
+                      </a:r>
+                      <a:endParaRPr lang="en-US" altLang="ko-KR" sz="1200" b="0" dirty="0" smtClean="0"/>
+                    </a:p>
+                  </a:txBody>
+                  <a:tcPr marL="45720" marR="45720" horzOverflow="overflow">
+                    <a:lnL w="12700">
+                      <a:solidFill>
+                        <a:srgbClr val="000000"/>
+                      </a:solidFill>
+                    </a:lnL>
+                    <a:lnR w="12700">
+                      <a:solidFill>
+                        <a:srgbClr val="000000"/>
+                      </a:solidFill>
+                    </a:lnR>
+                    <a:lnT w="12700">
+                      <a:solidFill>
+                        <a:srgbClr val="000000"/>
+                      </a:solidFill>
+                    </a:lnT>
+                    <a:lnB w="12700" cap="flat" cmpd="sng" algn="ctr">
+                      <a:solidFill>
+                        <a:srgbClr val="000000"/>
+                      </a:solidFill>
+                      <a:prstDash val="solid"/>
+                      <a:round/>
+                      <a:headEnd type="none" w="med" len="med"/>
+                      <a:tailEnd type="none" w="med" len="med"/>
+                    </a:lnB>
+                    <a:solidFill>
+                      <a:srgbClr val="FFFFFF"/>
+                    </a:solidFill>
+                  </a:tcPr>
+                </a:tc>
+                <a:extLst>
+                  <a:ext uri="{0D108BD9-81ED-4DB2-BD59-A6C34878D82A}">
+                    <a16:rowId xmlns="" xmlns:a16="http://schemas.microsoft.com/office/drawing/2014/main" val="10001"/>
+                  </a:ext>
+                </a:extLst>
+              </a:tr>
+              <a:tr h="914400">
+                <a:tc>
+                  <a:txBody>
+                    <a:bodyPr/>
+                    <a:lstStyle/>
+                    <a:p>
+                      <a:pPr algn="ctr">
+                        <a:defRPr sz="1800"/>
+                      </a:pPr>
+                      <a:r>
+                        <a:rPr lang="en-US" sz="1500" dirty="0" smtClean="0"/>
+                        <a:t>3</a:t>
+                      </a:r>
+                      <a:endParaRPr sz="1500" dirty="0"/>
+                    </a:p>
+                  </a:txBody>
+                  <a:tcPr marL="45720" marR="45720" anchor="ctr" horzOverflow="overflow">
+                    <a:lnL w="12700" cap="flat" cmpd="sng" algn="ctr">
+                      <a:solidFill>
+                        <a:srgbClr val="000000"/>
+                      </a:solidFill>
+                      <a:prstDash val="solid"/>
+                      <a:round/>
+                      <a:headEnd type="none" w="med" len="med"/>
+                      <a:tailEnd type="none" w="med" len="med"/>
+                    </a:lnL>
+                    <a:lnR w="12700" cap="flat" cmpd="sng" algn="ctr">
+                      <a:solidFill>
+                        <a:srgbClr val="000000"/>
+                      </a:solidFill>
+                      <a:prstDash val="solid"/>
+                      <a:round/>
+                      <a:headEnd type="none" w="med" len="med"/>
+                      <a:tailEnd type="none" w="med" len="med"/>
+                    </a:lnR>
+                    <a:lnT w="12700" cap="flat" cmpd="sng" algn="ctr">
+                      <a:solidFill>
+                        <a:srgbClr val="000000"/>
+                      </a:solidFill>
+                      <a:prstDash val="solid"/>
+                      <a:round/>
+                      <a:headEnd type="none" w="med" len="med"/>
+                      <a:tailEnd type="none" w="med" len="med"/>
+                    </a:lnT>
+                    <a:lnB w="12700" cap="flat" cmpd="sng" algn="ctr">
+                      <a:solidFill>
+                        <a:srgbClr val="000000"/>
+                      </a:solidFill>
+                      <a:prstDash val="solid"/>
+                      <a:round/>
+                      <a:headEnd type="none" w="med" len="med"/>
+                      <a:tailEnd type="none" w="med" len="med"/>
+                    </a:lnB>
+                    <a:solidFill>
+                      <a:srgbClr val="FFFFFF"/>
+                    </a:solidFill>
+                  </a:tcPr>
+                </a:tc>
+                <a:tc>
+                  <a:txBody>
+                    <a:bodyPr/>
+                    <a:lstStyle/>
+                    <a:p>
+                      <a:pPr algn="l">
+                        <a:defRPr sz="1500"/>
+                      </a:pPr>
+                      <a:r>
+                        <a:rPr lang="ko-KR" altLang="en-US" sz="1500" dirty="0" smtClean="0"/>
+                        <a:t>세미나 정보</a:t>
+                      </a:r>
+                      <a:endParaRPr lang="en-US" altLang="ko-KR" sz="1500" dirty="0" smtClean="0"/>
+                    </a:p>
+                    <a:p>
+                      <a:pPr algn="l">
+                        <a:defRPr sz="1500"/>
+                      </a:pPr>
+                      <a:r>
+                        <a:rPr lang="en-US" altLang="ko-KR" sz="1200" dirty="0" smtClean="0"/>
+                        <a:t>- </a:t>
+                      </a:r>
+                      <a:r>
+                        <a:rPr lang="ko-KR" altLang="en-US" sz="1200" dirty="0" smtClean="0"/>
+                        <a:t>주최자</a:t>
+                      </a:r>
+                      <a:r>
+                        <a:rPr lang="en-US" altLang="ko-KR" sz="1200" dirty="0" smtClean="0"/>
+                        <a:t>, </a:t>
+                      </a:r>
+                      <a:r>
+                        <a:rPr lang="ko-KR" altLang="en-US" sz="1200" dirty="0" smtClean="0"/>
+                        <a:t>시간</a:t>
+                      </a:r>
+                      <a:r>
+                        <a:rPr lang="en-US" altLang="ko-KR" sz="1200" dirty="0" smtClean="0"/>
+                        <a:t>, </a:t>
+                      </a:r>
+                      <a:r>
+                        <a:rPr lang="ko-KR" altLang="en-US" sz="1200" dirty="0" smtClean="0"/>
+                        <a:t>카테고리</a:t>
+                      </a:r>
+                      <a:r>
+                        <a:rPr lang="en-US" altLang="ko-KR" sz="1200" dirty="0" smtClean="0"/>
+                        <a:t>, </a:t>
+                      </a:r>
+                      <a:r>
+                        <a:rPr lang="ko-KR" altLang="en-US" sz="1200" dirty="0" smtClean="0"/>
+                        <a:t>최대인원</a:t>
+                      </a:r>
+                      <a:r>
+                        <a:rPr lang="en-US" altLang="ko-KR" sz="1200" dirty="0" smtClean="0"/>
+                        <a:t>, </a:t>
+                      </a:r>
+                      <a:r>
+                        <a:rPr lang="ko-KR" altLang="en-US" sz="1200" dirty="0" smtClean="0"/>
+                        <a:t>장소 표시</a:t>
+                      </a:r>
+                      <a:endParaRPr lang="en-US" altLang="ko-KR" sz="1200" dirty="0" smtClean="0"/>
+                    </a:p>
+                    <a:p>
+                      <a:pPr algn="l">
+                        <a:defRPr sz="1500"/>
+                      </a:pPr>
+                      <a:endParaRPr sz="1200" dirty="0"/>
+                    </a:p>
+                  </a:txBody>
+                  <a:tcPr marL="45720" marR="45720" horzOverflow="overflow">
+                    <a:lnL w="12700" cap="flat" cmpd="sng" algn="ctr">
+                      <a:solidFill>
+                        <a:srgbClr val="000000"/>
+                      </a:solidFill>
+                      <a:prstDash val="solid"/>
+                      <a:round/>
+                      <a:headEnd type="none" w="med" len="med"/>
+                      <a:tailEnd type="none" w="med" len="med"/>
+                    </a:lnL>
+                    <a:lnR w="12700" cap="flat" cmpd="sng" algn="ctr">
+                      <a:solidFill>
+                        <a:srgbClr val="000000"/>
+                      </a:solidFill>
+                      <a:prstDash val="solid"/>
+                      <a:round/>
+                      <a:headEnd type="none" w="med" len="med"/>
+                      <a:tailEnd type="none" w="med" len="med"/>
+                    </a:lnR>
+                    <a:lnT w="12700" cap="flat" cmpd="sng" algn="ctr">
+                      <a:solidFill>
+                        <a:srgbClr val="000000"/>
+                      </a:solidFill>
+                      <a:prstDash val="solid"/>
+                      <a:round/>
+                      <a:headEnd type="none" w="med" len="med"/>
+                      <a:tailEnd type="none" w="med" len="med"/>
+                    </a:lnT>
+                    <a:lnB w="12700" cap="flat" cmpd="sng" algn="ctr">
+                      <a:solidFill>
+                        <a:srgbClr val="000000"/>
+                      </a:solidFill>
+                      <a:prstDash val="solid"/>
+                      <a:round/>
+                      <a:headEnd type="none" w="med" len="med"/>
+                      <a:tailEnd type="none" w="med" len="med"/>
+                    </a:lnB>
+                    <a:solidFill>
+                      <a:srgbClr val="FFFFFF"/>
+                    </a:solidFill>
+                  </a:tcPr>
+                </a:tc>
+                <a:extLst>
+                  <a:ext uri="{0D108BD9-81ED-4DB2-BD59-A6C34878D82A}">
+                    <a16:rowId xmlns="" xmlns:a16="http://schemas.microsoft.com/office/drawing/2014/main" val="10002"/>
+                  </a:ext>
+                </a:extLst>
+              </a:tr>
+            </a:tbl>
+          </a:graphicData>
+        </a:graphic>
+      </p:graphicFrame>
+      <p:pic>
+        <p:nvPicPr>
+          <p:cNvPr id="4" name="그림 3"/>
+          <p:cNvPicPr>
+            <a:picLocks noChangeAspect="1"/>
+          </p:cNvPicPr>
+          <p:nvPr/>
+        </p:nvPicPr>
+        <p:blipFill>
+          <a:blip r:embed="rId7"/>
+          <a:stretch>
+            <a:fillRect/>
+          </a:stretch>
+        </p:blipFill>
+        <p:spPr>
+          <a:xfrm>
+            <a:off x="525410" y="2675182"/>
+            <a:ext cx="718504" cy="259884"/>
+          </a:xfrm>
+          <a:prstGeom prst="rect">
+            <a:avLst/>
+          </a:prstGeom>
+        </p:spPr>
+      </p:pic>
+      <p:sp>
+        <p:nvSpPr>
+          <p:cNvPr id="7" name="직사각형 6"/>
+          <p:cNvSpPr/>
+          <p:nvPr/>
+        </p:nvSpPr>
+        <p:spPr>
+          <a:xfrm>
+            <a:off x="650789" y="2762031"/>
+            <a:ext cx="486032" cy="68046"/>
+          </a:xfrm>
+          <a:prstGeom prst="rect">
+            <a:avLst/>
+          </a:prstGeom>
+          <a:solidFill>
+            <a:schemeClr val="bg1"/>
+          </a:solidFill>
+          <a:ln>
+            <a:solidFill>
+              <a:schemeClr val="bg1"/>
+            </a:solidFill>
+          </a:ln>
+        </p:spPr>
+        <p:style>
+          <a:lnRef idx="2">
+            <a:schemeClr val="accent1">
+              <a:shade val="50000"/>
+            </a:schemeClr>
+          </a:lnRef>
+          <a:fillRef idx="1">
+            <a:schemeClr val="accent1"/>
+          </a:fillRef>
+          <a:effectRef idx="0">
+            <a:schemeClr val="accent1"/>
+          </a:effectRef>
+          <a:fontRef idx="minor">
+            <a:schemeClr val="lt1"/>
+          </a:fontRef>
+        </p:style>
+        <p:txBody>
+          <a:bodyPr rtlCol="0" anchor="ctr"/>
+          <a:lstStyle/>
+          <a:p>
+            <a:pPr algn="ctr"/>
+            <a:r>
+              <a:rPr lang="ko-KR" altLang="en-US" sz="700" dirty="0" err="1" smtClean="0">
+                <a:solidFill>
+                  <a:schemeClr val="tx1"/>
+                </a:solidFill>
+              </a:rPr>
+              <a:t>블루문</a:t>
+            </a:r>
+            <a:endParaRPr lang="ko-KR" altLang="en-US" sz="700" dirty="0">
+              <a:solidFill>
+                <a:schemeClr val="tx1"/>
+              </a:solidFill>
+            </a:endParaRPr>
+          </a:p>
+        </p:txBody>
+      </p:sp>
+      <p:sp>
+        <p:nvSpPr>
+          <p:cNvPr id="11" name="직사각형 10"/>
+          <p:cNvSpPr/>
+          <p:nvPr/>
+        </p:nvSpPr>
+        <p:spPr>
+          <a:xfrm>
+            <a:off x="384249" y="5651421"/>
+            <a:ext cx="904968" cy="274480"/>
+          </a:xfrm>
+          <a:prstGeom prst="rect">
+            <a:avLst/>
+          </a:prstGeom>
+          <a:solidFill>
+            <a:schemeClr val="bg1">
+              <a:lumMod val="95000"/>
+            </a:schemeClr>
+          </a:solidFill>
+          <a:ln>
+            <a:noFill/>
+          </a:ln>
+        </p:spPr>
+        <p:style>
+          <a:lnRef idx="2">
+            <a:schemeClr val="accent1">
+              <a:shade val="50000"/>
+            </a:schemeClr>
+          </a:lnRef>
+          <a:fillRef idx="1">
+            <a:schemeClr val="accent1"/>
+          </a:fillRef>
+          <a:effectRef idx="0">
+            <a:schemeClr val="accent1"/>
+          </a:effectRef>
+          <a:fontRef idx="minor">
+            <a:schemeClr val="lt1"/>
+          </a:fontRef>
+        </p:style>
+        <p:txBody>
+          <a:bodyPr rtlCol="0" anchor="ctr"/>
+          <a:lstStyle/>
+          <a:p>
+            <a:pPr algn="r"/>
+            <a:r>
+              <a:rPr lang="ko-KR" altLang="en-US" sz="900" b="1" smtClean="0">
+                <a:solidFill>
+                  <a:schemeClr val="tx1"/>
+                </a:solidFill>
+              </a:rPr>
+              <a:t>세미나 소개</a:t>
+            </a:r>
+            <a:endParaRPr lang="ko-KR" altLang="en-US" sz="900" b="1" dirty="0">
+              <a:solidFill>
+                <a:schemeClr val="tx1"/>
+              </a:solidFill>
+            </a:endParaRPr>
+          </a:p>
+        </p:txBody>
+      </p:sp>
+      <p:pic>
+        <p:nvPicPr>
+          <p:cNvPr id="25" name="그림 24"/>
+          <p:cNvPicPr>
+            <a:picLocks noChangeAspect="1"/>
+          </p:cNvPicPr>
+          <p:nvPr/>
+        </p:nvPicPr>
+        <p:blipFill>
+          <a:blip r:embed="rId7"/>
+          <a:stretch>
+            <a:fillRect/>
+          </a:stretch>
+        </p:blipFill>
+        <p:spPr>
+          <a:xfrm>
+            <a:off x="1243914" y="2677198"/>
+            <a:ext cx="718504" cy="259884"/>
+          </a:xfrm>
+          <a:prstGeom prst="rect">
+            <a:avLst/>
+          </a:prstGeom>
+        </p:spPr>
+      </p:pic>
+      <p:sp>
+        <p:nvSpPr>
+          <p:cNvPr id="26" name="직사각형 25"/>
+          <p:cNvSpPr/>
+          <p:nvPr/>
+        </p:nvSpPr>
+        <p:spPr>
+          <a:xfrm>
+            <a:off x="1377531" y="2765140"/>
+            <a:ext cx="486032" cy="82336"/>
+          </a:xfrm>
+          <a:prstGeom prst="rect">
+            <a:avLst/>
+          </a:prstGeom>
+          <a:solidFill>
+            <a:schemeClr val="bg1"/>
+          </a:solidFill>
+          <a:ln>
+            <a:solidFill>
+              <a:schemeClr val="bg1"/>
+            </a:solidFill>
+          </a:ln>
+        </p:spPr>
+        <p:style>
+          <a:lnRef idx="2">
+            <a:schemeClr val="accent1">
+              <a:shade val="50000"/>
+            </a:schemeClr>
+          </a:lnRef>
+          <a:fillRef idx="1">
+            <a:schemeClr val="accent1"/>
+          </a:fillRef>
+          <a:effectRef idx="0">
+            <a:schemeClr val="accent1"/>
+          </a:effectRef>
+          <a:fontRef idx="minor">
+            <a:schemeClr val="lt1"/>
+          </a:fontRef>
+        </p:style>
+        <p:txBody>
+          <a:bodyPr rtlCol="0" anchor="ctr"/>
+          <a:lstStyle/>
+          <a:p>
+            <a:pPr algn="ctr"/>
+            <a:r>
+              <a:rPr lang="ko-KR" altLang="en-US" sz="700" dirty="0" smtClean="0">
+                <a:solidFill>
+                  <a:schemeClr val="tx1"/>
+                </a:solidFill>
+              </a:rPr>
+              <a:t>친목</a:t>
+            </a:r>
+            <a:endParaRPr lang="ko-KR" altLang="en-US" sz="700" dirty="0">
+              <a:solidFill>
+                <a:schemeClr val="tx1"/>
+              </a:solidFill>
+            </a:endParaRPr>
+          </a:p>
+        </p:txBody>
+      </p:sp>
+      <p:sp>
+        <p:nvSpPr>
+          <p:cNvPr id="28" name="직사각형 27"/>
+          <p:cNvSpPr/>
+          <p:nvPr/>
+        </p:nvSpPr>
+        <p:spPr>
+          <a:xfrm>
+            <a:off x="5292201" y="2821102"/>
+            <a:ext cx="904968" cy="274480"/>
+          </a:xfrm>
+          <a:prstGeom prst="rect">
+            <a:avLst/>
+          </a:prstGeom>
+          <a:solidFill>
+            <a:schemeClr val="bg1">
+              <a:lumMod val="95000"/>
+            </a:schemeClr>
+          </a:solidFill>
+          <a:ln>
+            <a:noFill/>
+          </a:ln>
+        </p:spPr>
+        <p:style>
+          <a:lnRef idx="2">
+            <a:schemeClr val="accent1">
+              <a:shade val="50000"/>
+            </a:schemeClr>
+          </a:lnRef>
+          <a:fillRef idx="1">
+            <a:schemeClr val="accent1"/>
+          </a:fillRef>
+          <a:effectRef idx="0">
+            <a:schemeClr val="accent1"/>
+          </a:effectRef>
+          <a:fontRef idx="minor">
+            <a:schemeClr val="lt1"/>
+          </a:fontRef>
+        </p:style>
+        <p:txBody>
+          <a:bodyPr rtlCol="0" anchor="ctr"/>
+          <a:lstStyle/>
+          <a:p>
+            <a:pPr algn="r"/>
+            <a:r>
+              <a:rPr lang="ko-KR" altLang="en-US" sz="900" b="1" dirty="0" smtClean="0">
+                <a:solidFill>
+                  <a:schemeClr val="tx1"/>
+                </a:solidFill>
+              </a:rPr>
+              <a:t>세미나 정보</a:t>
+            </a:r>
+            <a:endParaRPr lang="ko-KR" altLang="en-US" sz="900" b="1" dirty="0">
+              <a:solidFill>
+                <a:schemeClr val="tx1"/>
+              </a:solidFill>
+            </a:endParaRPr>
+          </a:p>
+        </p:txBody>
+      </p:sp>
+      <p:graphicFrame>
+        <p:nvGraphicFramePr>
+          <p:cNvPr id="15" name="표 14"/>
+          <p:cNvGraphicFramePr>
+            <a:graphicFrameLocks noGrp="1"/>
+          </p:cNvGraphicFramePr>
+          <p:nvPr>
+            <p:extLst>
+              <p:ext uri="{D42A27DB-BD31-4B8C-83A1-F6EECF244321}">
+                <p14:modId xmlns:p14="http://schemas.microsoft.com/office/powerpoint/2010/main" val="1973892864"/>
+              </p:ext>
+            </p:extLst>
+          </p:nvPr>
+        </p:nvGraphicFramePr>
+        <p:xfrm>
+          <a:off x="5582691" y="3258843"/>
+          <a:ext cx="2111450" cy="2079275"/>
+        </p:xfrm>
+        <a:graphic>
+          <a:graphicData uri="http://schemas.openxmlformats.org/drawingml/2006/table">
+            <a:tbl>
+              <a:tblPr firstRow="1" bandRow="1">
+                <a:tableStyleId>{5C22544A-7EE6-4342-B048-85BDC9FD1C3A}</a:tableStyleId>
+              </a:tblPr>
+              <a:tblGrid>
+                <a:gridCol w="611879">
+                  <a:extLst>
+                    <a:ext uri="{9D8B030D-6E8A-4147-A177-3AD203B41FA5}">
+                      <a16:colId xmlns="" xmlns:a16="http://schemas.microsoft.com/office/drawing/2014/main" val="20000"/>
+                    </a:ext>
+                  </a:extLst>
+                </a:gridCol>
+                <a:gridCol w="1499571">
+                  <a:extLst>
+                    <a:ext uri="{9D8B030D-6E8A-4147-A177-3AD203B41FA5}">
+                      <a16:colId xmlns="" xmlns:a16="http://schemas.microsoft.com/office/drawing/2014/main" val="20001"/>
+                    </a:ext>
+                  </a:extLst>
+                </a:gridCol>
+              </a:tblGrid>
+              <a:tr h="415855">
+                <a:tc>
+                  <a:txBody>
+                    <a:bodyPr/>
+                    <a:lstStyle/>
+                    <a:p>
+                      <a:r>
+                        <a:rPr lang="ko-KR" altLang="en-US" sz="800" b="0" dirty="0" smtClean="0">
+                          <a:solidFill>
+                            <a:schemeClr val="tx1"/>
+                          </a:solidFill>
+                        </a:rPr>
+                        <a:t>주최자</a:t>
+                      </a:r>
+                      <a:endParaRPr lang="ko-KR" altLang="en-US" sz="800" b="0" dirty="0">
+                        <a:solidFill>
+                          <a:schemeClr val="tx1"/>
+                        </a:solidFill>
+                      </a:endParaRPr>
+                    </a:p>
+                  </a:txBody>
+                  <a:tcPr anchor="ctr">
+                    <a:lnL w="6350" cap="flat" cmpd="sng" algn="ctr">
+                      <a:solidFill>
+                        <a:schemeClr val="bg2">
+                          <a:lumMod val="90000"/>
+                        </a:schemeClr>
+                      </a:solidFill>
+                      <a:prstDash val="solid"/>
+                      <a:round/>
+                      <a:headEnd type="none" w="med" len="med"/>
+                      <a:tailEnd type="none" w="med" len="med"/>
+                    </a:lnL>
+                    <a:lnR w="6350" cap="flat" cmpd="sng" algn="ctr">
+                      <a:solidFill>
+                        <a:schemeClr val="bg2">
+                          <a:lumMod val="90000"/>
+                        </a:schemeClr>
+                      </a:solidFill>
+                      <a:prstDash val="solid"/>
+                      <a:round/>
+                      <a:headEnd type="none" w="med" len="med"/>
+                      <a:tailEnd type="none" w="med" len="med"/>
+                    </a:lnR>
+                    <a:lnT w="6350" cap="flat" cmpd="sng" algn="ctr">
+                      <a:solidFill>
+                        <a:schemeClr val="bg2">
+                          <a:lumMod val="90000"/>
+                        </a:schemeClr>
+                      </a:solidFill>
+                      <a:prstDash val="solid"/>
+                      <a:round/>
+                      <a:headEnd type="none" w="med" len="med"/>
+                      <a:tailEnd type="none" w="med" len="med"/>
+                    </a:lnT>
+                    <a:lnB w="6350" cap="flat" cmpd="sng" algn="ctr">
+                      <a:solidFill>
+                        <a:schemeClr val="bg2">
+                          <a:lumMod val="90000"/>
+                        </a:schemeClr>
+                      </a:solidFill>
+                      <a:prstDash val="solid"/>
+                      <a:round/>
+                      <a:headEnd type="none" w="med" len="med"/>
+                      <a:tailEnd type="none" w="med" len="med"/>
+                    </a:lnB>
+                    <a:lnTlToBr w="12700" cmpd="sng">
+                      <a:noFill/>
+                      <a:prstDash val="solid"/>
+                    </a:lnTlToBr>
+                    <a:lnBlToTr w="12700" cmpd="sng">
+                      <a:noFill/>
+                      <a:prstDash val="solid"/>
+                    </a:lnBlToTr>
+                    <a:solidFill>
+                      <a:schemeClr val="bg1"/>
+                    </a:solidFill>
+                  </a:tcPr>
+                </a:tc>
+                <a:tc>
+                  <a:txBody>
+                    <a:bodyPr/>
+                    <a:lstStyle/>
+                    <a:p>
+                      <a:pPr latinLnBrk="1"/>
+                      <a:r>
+                        <a:rPr lang="ko-KR" altLang="en-US" sz="800" b="0" dirty="0" smtClean="0">
+                          <a:solidFill>
+                            <a:schemeClr val="tx1"/>
+                          </a:solidFill>
+                        </a:rPr>
+                        <a:t>김길동</a:t>
+                      </a:r>
+                      <a:endParaRPr lang="ko-KR" altLang="en-US" sz="800" b="0" dirty="0">
+                        <a:solidFill>
+                          <a:schemeClr val="tx1"/>
+                        </a:solidFill>
+                      </a:endParaRPr>
+                    </a:p>
+                  </a:txBody>
+                  <a:tcPr anchor="ctr">
+                    <a:lnL w="6350" cap="flat" cmpd="sng" algn="ctr">
+                      <a:solidFill>
+                        <a:schemeClr val="bg2">
+                          <a:lumMod val="90000"/>
+                        </a:schemeClr>
+                      </a:solidFill>
+                      <a:prstDash val="solid"/>
+                      <a:round/>
+                      <a:headEnd type="none" w="med" len="med"/>
+                      <a:tailEnd type="none" w="med" len="med"/>
+                    </a:lnL>
+                    <a:lnR w="6350" cap="flat" cmpd="sng" algn="ctr">
+                      <a:solidFill>
+                        <a:schemeClr val="bg2">
+                          <a:lumMod val="90000"/>
+                        </a:schemeClr>
+                      </a:solidFill>
+                      <a:prstDash val="solid"/>
+                      <a:round/>
+                      <a:headEnd type="none" w="med" len="med"/>
+                      <a:tailEnd type="none" w="med" len="med"/>
+                    </a:lnR>
+                    <a:lnT w="6350" cap="flat" cmpd="sng" algn="ctr">
+                      <a:solidFill>
+                        <a:schemeClr val="bg2">
+                          <a:lumMod val="90000"/>
+                        </a:schemeClr>
+                      </a:solidFill>
+                      <a:prstDash val="solid"/>
+                      <a:round/>
+                      <a:headEnd type="none" w="med" len="med"/>
+                      <a:tailEnd type="none" w="med" len="med"/>
+                    </a:lnT>
+                    <a:lnB w="6350" cap="flat" cmpd="sng" algn="ctr">
+                      <a:solidFill>
+                        <a:schemeClr val="bg2">
+                          <a:lumMod val="90000"/>
+                        </a:schemeClr>
+                      </a:solidFill>
+                      <a:prstDash val="solid"/>
+                      <a:round/>
+                      <a:headEnd type="none" w="med" len="med"/>
+                      <a:tailEnd type="none" w="med" len="med"/>
+                    </a:lnB>
+                    <a:lnTlToBr w="12700" cmpd="sng">
+                      <a:noFill/>
+                      <a:prstDash val="solid"/>
+                    </a:lnTlToBr>
+                    <a:lnBlToTr w="12700" cmpd="sng">
+                      <a:noFill/>
+                      <a:prstDash val="solid"/>
+                    </a:lnBlToTr>
+                    <a:solidFill>
+                      <a:schemeClr val="bg1"/>
+                    </a:solidFill>
+                  </a:tcPr>
+                </a:tc>
+                <a:extLst>
+                  <a:ext uri="{0D108BD9-81ED-4DB2-BD59-A6C34878D82A}">
+                    <a16:rowId xmlns="" xmlns:a16="http://schemas.microsoft.com/office/drawing/2014/main" val="10000"/>
+                  </a:ext>
+                </a:extLst>
+              </a:tr>
+              <a:tr h="415855">
+                <a:tc>
+                  <a:txBody>
+                    <a:bodyPr/>
+                    <a:lstStyle/>
+                    <a:p>
+                      <a:pPr latinLnBrk="1"/>
+                      <a:r>
+                        <a:rPr lang="ko-KR" altLang="en-US" sz="800" b="0" dirty="0" smtClean="0">
+                          <a:solidFill>
+                            <a:schemeClr val="tx1"/>
+                          </a:solidFill>
+                        </a:rPr>
+                        <a:t>시간</a:t>
+                      </a:r>
+                      <a:endParaRPr lang="ko-KR" altLang="en-US" sz="800" b="0" dirty="0">
+                        <a:solidFill>
+                          <a:schemeClr val="tx1"/>
+                        </a:solidFill>
+                      </a:endParaRPr>
+                    </a:p>
+                  </a:txBody>
+                  <a:tcPr anchor="ctr">
+                    <a:lnL w="6350" cap="flat" cmpd="sng" algn="ctr">
+                      <a:solidFill>
+                        <a:schemeClr val="bg2">
+                          <a:lumMod val="90000"/>
+                        </a:schemeClr>
+                      </a:solidFill>
+                      <a:prstDash val="solid"/>
+                      <a:round/>
+                      <a:headEnd type="none" w="med" len="med"/>
+                      <a:tailEnd type="none" w="med" len="med"/>
+                    </a:lnL>
+                    <a:lnR w="6350" cap="flat" cmpd="sng" algn="ctr">
+                      <a:solidFill>
+                        <a:schemeClr val="bg2">
+                          <a:lumMod val="90000"/>
+                        </a:schemeClr>
+                      </a:solidFill>
+                      <a:prstDash val="solid"/>
+                      <a:round/>
+                      <a:headEnd type="none" w="med" len="med"/>
+                      <a:tailEnd type="none" w="med" len="med"/>
+                    </a:lnR>
+                    <a:lnT w="6350" cap="flat" cmpd="sng" algn="ctr">
+                      <a:solidFill>
+                        <a:schemeClr val="bg2">
+                          <a:lumMod val="90000"/>
+                        </a:schemeClr>
+                      </a:solidFill>
+                      <a:prstDash val="solid"/>
+                      <a:round/>
+                      <a:headEnd type="none" w="med" len="med"/>
+                      <a:tailEnd type="none" w="med" len="med"/>
+                    </a:lnT>
+                    <a:lnB w="6350" cap="flat" cmpd="sng" algn="ctr">
+                      <a:solidFill>
+                        <a:schemeClr val="bg2">
+                          <a:lumMod val="90000"/>
+                        </a:schemeClr>
+                      </a:solidFill>
+                      <a:prstDash val="solid"/>
+                      <a:round/>
+                      <a:headEnd type="none" w="med" len="med"/>
+                      <a:tailEnd type="none" w="med" len="med"/>
+                    </a:lnB>
+                    <a:lnTlToBr w="12700" cmpd="sng">
+                      <a:noFill/>
+                      <a:prstDash val="solid"/>
+                    </a:lnTlToBr>
+                    <a:lnBlToTr w="12700" cmpd="sng">
+                      <a:noFill/>
+                      <a:prstDash val="solid"/>
+                    </a:lnBlToTr>
+                    <a:solidFill>
+                      <a:schemeClr val="bg1"/>
+                    </a:solidFill>
+                  </a:tcPr>
+                </a:tc>
+                <a:tc>
+                  <a:txBody>
+                    <a:bodyPr/>
+                    <a:lstStyle/>
+                    <a:p>
+                      <a:pPr latinLnBrk="1"/>
+                      <a:r>
+                        <a:rPr lang="en-US" altLang="ko-KR" sz="700" b="0" dirty="0" smtClean="0">
+                          <a:solidFill>
+                            <a:schemeClr val="tx1"/>
+                          </a:solidFill>
+                        </a:rPr>
+                        <a:t>2020</a:t>
+                      </a:r>
+                      <a:r>
+                        <a:rPr lang="ko-KR" altLang="en-US" sz="700" b="0" dirty="0" smtClean="0">
+                          <a:solidFill>
+                            <a:schemeClr val="tx1"/>
+                          </a:solidFill>
+                        </a:rPr>
+                        <a:t>년 </a:t>
+                      </a:r>
+                      <a:r>
+                        <a:rPr lang="en-US" altLang="ko-KR" sz="700" b="0" dirty="0" smtClean="0">
+                          <a:solidFill>
+                            <a:schemeClr val="tx1"/>
+                          </a:solidFill>
+                        </a:rPr>
+                        <a:t>5</a:t>
+                      </a:r>
+                      <a:r>
+                        <a:rPr lang="ko-KR" altLang="en-US" sz="700" b="0" dirty="0" smtClean="0">
+                          <a:solidFill>
+                            <a:schemeClr val="tx1"/>
+                          </a:solidFill>
+                        </a:rPr>
+                        <a:t>월 </a:t>
+                      </a:r>
+                      <a:r>
+                        <a:rPr lang="en-US" altLang="ko-KR" sz="700" b="0" dirty="0" smtClean="0">
+                          <a:solidFill>
+                            <a:schemeClr val="tx1"/>
+                          </a:solidFill>
+                        </a:rPr>
+                        <a:t>20</a:t>
+                      </a:r>
+                      <a:r>
+                        <a:rPr lang="ko-KR" altLang="en-US" sz="700" b="0" dirty="0" smtClean="0">
+                          <a:solidFill>
+                            <a:schemeClr val="tx1"/>
+                          </a:solidFill>
+                        </a:rPr>
+                        <a:t>일 </a:t>
+                      </a:r>
+                      <a:r>
+                        <a:rPr lang="en-US" altLang="ko-KR" sz="700" b="0" dirty="0" smtClean="0">
+                          <a:solidFill>
+                            <a:schemeClr val="tx1"/>
+                          </a:solidFill>
+                        </a:rPr>
+                        <a:t>13:00:00(2</a:t>
+                      </a:r>
+                      <a:r>
+                        <a:rPr lang="ko-KR" altLang="en-US" sz="700" b="0" dirty="0" smtClean="0">
+                          <a:solidFill>
+                            <a:schemeClr val="tx1"/>
+                          </a:solidFill>
+                        </a:rPr>
+                        <a:t>시간</a:t>
+                      </a:r>
+                      <a:r>
+                        <a:rPr lang="en-US" altLang="ko-KR" sz="700" b="0" dirty="0" smtClean="0">
+                          <a:solidFill>
+                            <a:schemeClr val="tx1"/>
+                          </a:solidFill>
+                        </a:rPr>
+                        <a:t>)</a:t>
+                      </a:r>
+                      <a:endParaRPr lang="ko-KR" altLang="en-US" sz="700" b="0" dirty="0">
+                        <a:solidFill>
+                          <a:schemeClr val="tx1"/>
+                        </a:solidFill>
+                      </a:endParaRPr>
+                    </a:p>
+                  </a:txBody>
+                  <a:tcPr anchor="ctr">
+                    <a:lnL w="6350" cap="flat" cmpd="sng" algn="ctr">
+                      <a:solidFill>
+                        <a:schemeClr val="bg2">
+                          <a:lumMod val="90000"/>
+                        </a:schemeClr>
+                      </a:solidFill>
+                      <a:prstDash val="solid"/>
+                      <a:round/>
+                      <a:headEnd type="none" w="med" len="med"/>
+                      <a:tailEnd type="none" w="med" len="med"/>
+                    </a:lnL>
+                    <a:lnR w="6350" cap="flat" cmpd="sng" algn="ctr">
+                      <a:solidFill>
+                        <a:schemeClr val="bg2">
+                          <a:lumMod val="90000"/>
+                        </a:schemeClr>
+                      </a:solidFill>
+                      <a:prstDash val="solid"/>
+                      <a:round/>
+                      <a:headEnd type="none" w="med" len="med"/>
+                      <a:tailEnd type="none" w="med" len="med"/>
+                    </a:lnR>
+                    <a:lnT w="6350" cap="flat" cmpd="sng" algn="ctr">
+                      <a:solidFill>
+                        <a:schemeClr val="bg2">
+                          <a:lumMod val="90000"/>
+                        </a:schemeClr>
+                      </a:solidFill>
+                      <a:prstDash val="solid"/>
+                      <a:round/>
+                      <a:headEnd type="none" w="med" len="med"/>
+                      <a:tailEnd type="none" w="med" len="med"/>
+                    </a:lnT>
+                    <a:lnB w="6350" cap="flat" cmpd="sng" algn="ctr">
+                      <a:solidFill>
+                        <a:schemeClr val="bg2">
+                          <a:lumMod val="90000"/>
+                        </a:schemeClr>
+                      </a:solidFill>
+                      <a:prstDash val="solid"/>
+                      <a:round/>
+                      <a:headEnd type="none" w="med" len="med"/>
+                      <a:tailEnd type="none" w="med" len="med"/>
+                    </a:lnB>
+                    <a:lnTlToBr w="12700" cmpd="sng">
+                      <a:noFill/>
+                      <a:prstDash val="solid"/>
+                    </a:lnTlToBr>
+                    <a:lnBlToTr w="12700" cmpd="sng">
+                      <a:noFill/>
+                      <a:prstDash val="solid"/>
+                    </a:lnBlToTr>
+                    <a:solidFill>
+                      <a:schemeClr val="bg1"/>
+                    </a:solidFill>
+                  </a:tcPr>
+                </a:tc>
+                <a:extLst>
+                  <a:ext uri="{0D108BD9-81ED-4DB2-BD59-A6C34878D82A}">
+                    <a16:rowId xmlns="" xmlns:a16="http://schemas.microsoft.com/office/drawing/2014/main" val="10001"/>
+                  </a:ext>
+                </a:extLst>
+              </a:tr>
+              <a:tr h="415855">
+                <a:tc>
+                  <a:txBody>
+                    <a:bodyPr/>
+                    <a:lstStyle/>
+                    <a:p>
+                      <a:pPr latinLnBrk="1"/>
+                      <a:r>
+                        <a:rPr lang="ko-KR" altLang="en-US" sz="800" b="0" dirty="0" smtClean="0">
+                          <a:solidFill>
+                            <a:schemeClr val="tx1"/>
+                          </a:solidFill>
+                        </a:rPr>
+                        <a:t>카테고리</a:t>
+                      </a:r>
+                      <a:endParaRPr lang="ko-KR" altLang="en-US" sz="800" b="0" dirty="0">
+                        <a:solidFill>
+                          <a:schemeClr val="tx1"/>
+                        </a:solidFill>
+                      </a:endParaRPr>
+                    </a:p>
+                  </a:txBody>
+                  <a:tcPr anchor="ctr">
+                    <a:lnL w="6350" cap="flat" cmpd="sng" algn="ctr">
+                      <a:solidFill>
+                        <a:schemeClr val="bg2">
+                          <a:lumMod val="90000"/>
+                        </a:schemeClr>
+                      </a:solidFill>
+                      <a:prstDash val="solid"/>
+                      <a:round/>
+                      <a:headEnd type="none" w="med" len="med"/>
+                      <a:tailEnd type="none" w="med" len="med"/>
+                    </a:lnL>
+                    <a:lnR w="6350" cap="flat" cmpd="sng" algn="ctr">
+                      <a:solidFill>
+                        <a:schemeClr val="bg2">
+                          <a:lumMod val="90000"/>
+                        </a:schemeClr>
+                      </a:solidFill>
+                      <a:prstDash val="solid"/>
+                      <a:round/>
+                      <a:headEnd type="none" w="med" len="med"/>
+                      <a:tailEnd type="none" w="med" len="med"/>
+                    </a:lnR>
+                    <a:lnT w="6350" cap="flat" cmpd="sng" algn="ctr">
+                      <a:solidFill>
+                        <a:schemeClr val="bg2">
+                          <a:lumMod val="90000"/>
+                        </a:schemeClr>
+                      </a:solidFill>
+                      <a:prstDash val="solid"/>
+                      <a:round/>
+                      <a:headEnd type="none" w="med" len="med"/>
+                      <a:tailEnd type="none" w="med" len="med"/>
+                    </a:lnT>
+                    <a:lnB w="6350" cap="flat" cmpd="sng" algn="ctr">
+                      <a:solidFill>
+                        <a:schemeClr val="bg2">
+                          <a:lumMod val="90000"/>
+                        </a:schemeClr>
+                      </a:solidFill>
+                      <a:prstDash val="solid"/>
+                      <a:round/>
+                      <a:headEnd type="none" w="med" len="med"/>
+                      <a:tailEnd type="none" w="med" len="med"/>
+                    </a:lnB>
+                    <a:lnTlToBr w="12700" cmpd="sng">
+                      <a:noFill/>
+                      <a:prstDash val="solid"/>
+                    </a:lnTlToBr>
+                    <a:lnBlToTr w="12700" cmpd="sng">
+                      <a:noFill/>
+                      <a:prstDash val="solid"/>
+                    </a:lnBlToTr>
+                    <a:solidFill>
+                      <a:schemeClr val="bg1"/>
+                    </a:solidFill>
+                  </a:tcPr>
+                </a:tc>
+                <a:tc>
+                  <a:txBody>
+                    <a:bodyPr/>
+                    <a:lstStyle/>
+                    <a:p>
+                      <a:pPr latinLnBrk="1"/>
+                      <a:r>
+                        <a:rPr lang="ko-KR" altLang="en-US" sz="800" b="0" dirty="0" smtClean="0">
+                          <a:solidFill>
+                            <a:schemeClr val="tx1"/>
+                          </a:solidFill>
+                        </a:rPr>
+                        <a:t>예술</a:t>
+                      </a:r>
+                      <a:endParaRPr lang="ko-KR" altLang="en-US" sz="800" b="0" dirty="0">
+                        <a:solidFill>
+                          <a:schemeClr val="tx1"/>
+                        </a:solidFill>
+                      </a:endParaRPr>
+                    </a:p>
+                  </a:txBody>
+                  <a:tcPr anchor="ctr">
+                    <a:lnL w="6350" cap="flat" cmpd="sng" algn="ctr">
+                      <a:solidFill>
+                        <a:schemeClr val="bg2">
+                          <a:lumMod val="90000"/>
+                        </a:schemeClr>
+                      </a:solidFill>
+                      <a:prstDash val="solid"/>
+                      <a:round/>
+                      <a:headEnd type="none" w="med" len="med"/>
+                      <a:tailEnd type="none" w="med" len="med"/>
+                    </a:lnL>
+                    <a:lnR w="6350" cap="flat" cmpd="sng" algn="ctr">
+                      <a:solidFill>
+                        <a:schemeClr val="bg2">
+                          <a:lumMod val="90000"/>
+                        </a:schemeClr>
+                      </a:solidFill>
+                      <a:prstDash val="solid"/>
+                      <a:round/>
+                      <a:headEnd type="none" w="med" len="med"/>
+                      <a:tailEnd type="none" w="med" len="med"/>
+                    </a:lnR>
+                    <a:lnT w="6350" cap="flat" cmpd="sng" algn="ctr">
+                      <a:solidFill>
+                        <a:schemeClr val="bg2">
+                          <a:lumMod val="90000"/>
+                        </a:schemeClr>
+                      </a:solidFill>
+                      <a:prstDash val="solid"/>
+                      <a:round/>
+                      <a:headEnd type="none" w="med" len="med"/>
+                      <a:tailEnd type="none" w="med" len="med"/>
+                    </a:lnT>
+                    <a:lnB w="6350" cap="flat" cmpd="sng" algn="ctr">
+                      <a:solidFill>
+                        <a:schemeClr val="bg2">
+                          <a:lumMod val="90000"/>
+                        </a:schemeClr>
+                      </a:solidFill>
+                      <a:prstDash val="solid"/>
+                      <a:round/>
+                      <a:headEnd type="none" w="med" len="med"/>
+                      <a:tailEnd type="none" w="med" len="med"/>
+                    </a:lnB>
+                    <a:lnTlToBr w="12700" cmpd="sng">
+                      <a:noFill/>
+                      <a:prstDash val="solid"/>
+                    </a:lnTlToBr>
+                    <a:lnBlToTr w="12700" cmpd="sng">
+                      <a:noFill/>
+                      <a:prstDash val="solid"/>
+                    </a:lnBlToTr>
+                    <a:solidFill>
+                      <a:schemeClr val="bg1"/>
+                    </a:solidFill>
+                  </a:tcPr>
+                </a:tc>
+                <a:extLst>
+                  <a:ext uri="{0D108BD9-81ED-4DB2-BD59-A6C34878D82A}">
+                    <a16:rowId xmlns="" xmlns:a16="http://schemas.microsoft.com/office/drawing/2014/main" val="10002"/>
+                  </a:ext>
+                </a:extLst>
+              </a:tr>
+              <a:tr h="415855">
+                <a:tc>
+                  <a:txBody>
+                    <a:bodyPr/>
+                    <a:lstStyle/>
+                    <a:p>
+                      <a:pPr latinLnBrk="1"/>
+                      <a:r>
+                        <a:rPr lang="ko-KR" altLang="en-US" sz="800" b="0" dirty="0" smtClean="0">
+                          <a:solidFill>
+                            <a:schemeClr val="tx1"/>
+                          </a:solidFill>
+                        </a:rPr>
+                        <a:t>최대인원</a:t>
+                      </a:r>
+                      <a:endParaRPr lang="ko-KR" altLang="en-US" sz="800" b="0" dirty="0">
+                        <a:solidFill>
+                          <a:schemeClr val="tx1"/>
+                        </a:solidFill>
+                      </a:endParaRPr>
+                    </a:p>
+                  </a:txBody>
+                  <a:tcPr anchor="ctr">
+                    <a:lnL w="6350" cap="flat" cmpd="sng" algn="ctr">
+                      <a:solidFill>
+                        <a:schemeClr val="bg2">
+                          <a:lumMod val="90000"/>
+                        </a:schemeClr>
+                      </a:solidFill>
+                      <a:prstDash val="solid"/>
+                      <a:round/>
+                      <a:headEnd type="none" w="med" len="med"/>
+                      <a:tailEnd type="none" w="med" len="med"/>
+                    </a:lnL>
+                    <a:lnR w="6350" cap="flat" cmpd="sng" algn="ctr">
+                      <a:solidFill>
+                        <a:schemeClr val="bg2">
+                          <a:lumMod val="90000"/>
+                        </a:schemeClr>
+                      </a:solidFill>
+                      <a:prstDash val="solid"/>
+                      <a:round/>
+                      <a:headEnd type="none" w="med" len="med"/>
+                      <a:tailEnd type="none" w="med" len="med"/>
+                    </a:lnR>
+                    <a:lnT w="6350" cap="flat" cmpd="sng" algn="ctr">
+                      <a:solidFill>
+                        <a:schemeClr val="bg2">
+                          <a:lumMod val="90000"/>
+                        </a:schemeClr>
+                      </a:solidFill>
+                      <a:prstDash val="solid"/>
+                      <a:round/>
+                      <a:headEnd type="none" w="med" len="med"/>
+                      <a:tailEnd type="none" w="med" len="med"/>
+                    </a:lnT>
+                    <a:lnB w="6350" cap="flat" cmpd="sng" algn="ctr">
+                      <a:solidFill>
+                        <a:schemeClr val="bg2">
+                          <a:lumMod val="90000"/>
+                        </a:schemeClr>
+                      </a:solidFill>
+                      <a:prstDash val="solid"/>
+                      <a:round/>
+                      <a:headEnd type="none" w="med" len="med"/>
+                      <a:tailEnd type="none" w="med" len="med"/>
+                    </a:lnB>
+                    <a:lnTlToBr w="12700" cmpd="sng">
+                      <a:noFill/>
+                      <a:prstDash val="solid"/>
+                    </a:lnTlToBr>
+                    <a:lnBlToTr w="12700" cmpd="sng">
+                      <a:noFill/>
+                      <a:prstDash val="solid"/>
+                    </a:lnBlToTr>
+                    <a:solidFill>
+                      <a:schemeClr val="bg1"/>
+                    </a:solidFill>
+                  </a:tcPr>
+                </a:tc>
+                <a:tc>
+                  <a:txBody>
+                    <a:bodyPr/>
+                    <a:lstStyle/>
+                    <a:p>
+                      <a:pPr latinLnBrk="1"/>
+                      <a:r>
+                        <a:rPr lang="en-US" altLang="ko-KR" sz="800" b="0" dirty="0" smtClean="0">
+                          <a:solidFill>
+                            <a:schemeClr val="tx1"/>
+                          </a:solidFill>
+                        </a:rPr>
+                        <a:t>20</a:t>
+                      </a:r>
+                      <a:r>
+                        <a:rPr lang="ko-KR" altLang="en-US" sz="800" b="0" dirty="0" smtClean="0">
+                          <a:solidFill>
+                            <a:schemeClr val="tx1"/>
+                          </a:solidFill>
+                        </a:rPr>
+                        <a:t>명</a:t>
+                      </a:r>
+                      <a:endParaRPr lang="ko-KR" altLang="en-US" sz="800" b="0" dirty="0">
+                        <a:solidFill>
+                          <a:schemeClr val="tx1"/>
+                        </a:solidFill>
+                      </a:endParaRPr>
+                    </a:p>
+                  </a:txBody>
+                  <a:tcPr anchor="ctr">
+                    <a:lnL w="6350" cap="flat" cmpd="sng" algn="ctr">
+                      <a:solidFill>
+                        <a:schemeClr val="bg2">
+                          <a:lumMod val="90000"/>
+                        </a:schemeClr>
+                      </a:solidFill>
+                      <a:prstDash val="solid"/>
+                      <a:round/>
+                      <a:headEnd type="none" w="med" len="med"/>
+                      <a:tailEnd type="none" w="med" len="med"/>
+                    </a:lnL>
+                    <a:lnR w="6350" cap="flat" cmpd="sng" algn="ctr">
+                      <a:solidFill>
+                        <a:schemeClr val="bg2">
+                          <a:lumMod val="90000"/>
+                        </a:schemeClr>
+                      </a:solidFill>
+                      <a:prstDash val="solid"/>
+                      <a:round/>
+                      <a:headEnd type="none" w="med" len="med"/>
+                      <a:tailEnd type="none" w="med" len="med"/>
+                    </a:lnR>
+                    <a:lnT w="6350" cap="flat" cmpd="sng" algn="ctr">
+                      <a:solidFill>
+                        <a:schemeClr val="bg2">
+                          <a:lumMod val="90000"/>
+                        </a:schemeClr>
+                      </a:solidFill>
+                      <a:prstDash val="solid"/>
+                      <a:round/>
+                      <a:headEnd type="none" w="med" len="med"/>
+                      <a:tailEnd type="none" w="med" len="med"/>
+                    </a:lnT>
+                    <a:lnB w="6350" cap="flat" cmpd="sng" algn="ctr">
+                      <a:solidFill>
+                        <a:schemeClr val="bg2">
+                          <a:lumMod val="90000"/>
+                        </a:schemeClr>
+                      </a:solidFill>
+                      <a:prstDash val="solid"/>
+                      <a:round/>
+                      <a:headEnd type="none" w="med" len="med"/>
+                      <a:tailEnd type="none" w="med" len="med"/>
+                    </a:lnB>
+                    <a:lnTlToBr w="12700" cmpd="sng">
+                      <a:noFill/>
+                      <a:prstDash val="solid"/>
+                    </a:lnTlToBr>
+                    <a:lnBlToTr w="12700" cmpd="sng">
+                      <a:noFill/>
+                      <a:prstDash val="solid"/>
+                    </a:lnBlToTr>
+                    <a:solidFill>
+                      <a:schemeClr val="bg1"/>
+                    </a:solidFill>
+                  </a:tcPr>
+                </a:tc>
+                <a:extLst>
+                  <a:ext uri="{0D108BD9-81ED-4DB2-BD59-A6C34878D82A}">
+                    <a16:rowId xmlns="" xmlns:a16="http://schemas.microsoft.com/office/drawing/2014/main" val="10003"/>
+                  </a:ext>
+                </a:extLst>
+              </a:tr>
+              <a:tr h="415855">
+                <a:tc>
+                  <a:txBody>
+                    <a:bodyPr/>
+                    <a:lstStyle/>
+                    <a:p>
+                      <a:pPr latinLnBrk="1"/>
+                      <a:r>
+                        <a:rPr lang="ko-KR" altLang="en-US" sz="800" b="0" dirty="0" smtClean="0">
+                          <a:solidFill>
+                            <a:schemeClr val="tx1"/>
+                          </a:solidFill>
+                        </a:rPr>
+                        <a:t>장소</a:t>
+                      </a:r>
+                      <a:endParaRPr lang="ko-KR" altLang="en-US" sz="800" b="0" dirty="0">
+                        <a:solidFill>
+                          <a:schemeClr val="tx1"/>
+                        </a:solidFill>
+                      </a:endParaRPr>
+                    </a:p>
+                  </a:txBody>
+                  <a:tcPr anchor="ctr">
+                    <a:lnL w="6350" cap="flat" cmpd="sng" algn="ctr">
+                      <a:solidFill>
+                        <a:schemeClr val="bg2">
+                          <a:lumMod val="90000"/>
+                        </a:schemeClr>
+                      </a:solidFill>
+                      <a:prstDash val="solid"/>
+                      <a:round/>
+                      <a:headEnd type="none" w="med" len="med"/>
+                      <a:tailEnd type="none" w="med" len="med"/>
+                    </a:lnL>
+                    <a:lnR w="6350" cap="flat" cmpd="sng" algn="ctr">
+                      <a:solidFill>
+                        <a:schemeClr val="bg2">
+                          <a:lumMod val="90000"/>
+                        </a:schemeClr>
+                      </a:solidFill>
+                      <a:prstDash val="solid"/>
+                      <a:round/>
+                      <a:headEnd type="none" w="med" len="med"/>
+                      <a:tailEnd type="none" w="med" len="med"/>
+                    </a:lnR>
+                    <a:lnT w="6350" cap="flat" cmpd="sng" algn="ctr">
+                      <a:solidFill>
+                        <a:schemeClr val="bg2">
+                          <a:lumMod val="90000"/>
+                        </a:schemeClr>
+                      </a:solidFill>
+                      <a:prstDash val="solid"/>
+                      <a:round/>
+                      <a:headEnd type="none" w="med" len="med"/>
+                      <a:tailEnd type="none" w="med" len="med"/>
+                    </a:lnT>
+                    <a:lnB w="6350" cap="flat" cmpd="sng" algn="ctr">
+                      <a:solidFill>
+                        <a:schemeClr val="bg2">
+                          <a:lumMod val="90000"/>
+                        </a:schemeClr>
+                      </a:solidFill>
+                      <a:prstDash val="solid"/>
+                      <a:round/>
+                      <a:headEnd type="none" w="med" len="med"/>
+                      <a:tailEnd type="none" w="med" len="med"/>
+                    </a:lnB>
+                    <a:lnTlToBr w="12700" cmpd="sng">
+                      <a:noFill/>
+                      <a:prstDash val="solid"/>
+                    </a:lnTlToBr>
+                    <a:lnBlToTr w="12700" cmpd="sng">
+                      <a:noFill/>
+                      <a:prstDash val="solid"/>
+                    </a:lnBlToTr>
+                    <a:solidFill>
+                      <a:schemeClr val="bg1"/>
+                    </a:solidFill>
+                  </a:tcPr>
+                </a:tc>
+                <a:tc>
+                  <a:txBody>
+                    <a:bodyPr/>
+                    <a:lstStyle/>
+                    <a:p>
+                      <a:pPr latinLnBrk="1"/>
+                      <a:r>
+                        <a:rPr lang="en-US" altLang="ko-KR" sz="800" b="0" dirty="0" smtClean="0">
+                          <a:solidFill>
+                            <a:schemeClr val="tx1"/>
+                          </a:solidFill>
+                        </a:rPr>
+                        <a:t>e</a:t>
+                      </a:r>
+                      <a:r>
+                        <a:rPr lang="en-US" altLang="ko-KR" sz="800" b="0" baseline="0" dirty="0" smtClean="0">
+                          <a:solidFill>
+                            <a:schemeClr val="tx1"/>
+                          </a:solidFill>
+                        </a:rPr>
+                        <a:t>-Zone &lt;</a:t>
+                      </a:r>
+                      <a:r>
+                        <a:rPr lang="ko-KR" altLang="en-US" sz="800" b="0" baseline="0" dirty="0" err="1" smtClean="0">
+                          <a:solidFill>
+                            <a:schemeClr val="tx1"/>
+                          </a:solidFill>
+                        </a:rPr>
+                        <a:t>블루문</a:t>
+                      </a:r>
+                      <a:r>
+                        <a:rPr lang="en-US" altLang="ko-KR" sz="800" b="0" baseline="0" dirty="0" smtClean="0">
+                          <a:solidFill>
+                            <a:schemeClr val="tx1"/>
+                          </a:solidFill>
+                        </a:rPr>
+                        <a:t>&gt;</a:t>
+                      </a:r>
+                      <a:r>
+                        <a:rPr lang="ko-KR" altLang="en-US" sz="800" b="0" baseline="0" dirty="0" smtClean="0">
+                          <a:solidFill>
+                            <a:schemeClr val="tx1"/>
+                          </a:solidFill>
+                        </a:rPr>
+                        <a:t> </a:t>
+                      </a:r>
+                      <a:r>
+                        <a:rPr lang="ko-KR" altLang="en-US" sz="800" b="0" baseline="0" dirty="0" err="1" smtClean="0">
+                          <a:solidFill>
+                            <a:schemeClr val="tx1"/>
+                          </a:solidFill>
+                        </a:rPr>
+                        <a:t>세미나존</a:t>
+                      </a:r>
+                      <a:endParaRPr lang="ko-KR" altLang="en-US" sz="800" b="0" dirty="0">
+                        <a:solidFill>
+                          <a:schemeClr val="tx1"/>
+                        </a:solidFill>
+                      </a:endParaRPr>
+                    </a:p>
+                  </a:txBody>
+                  <a:tcPr anchor="ctr">
+                    <a:lnL w="6350" cap="flat" cmpd="sng" algn="ctr">
+                      <a:solidFill>
+                        <a:schemeClr val="bg2">
+                          <a:lumMod val="90000"/>
+                        </a:schemeClr>
+                      </a:solidFill>
+                      <a:prstDash val="solid"/>
+                      <a:round/>
+                      <a:headEnd type="none" w="med" len="med"/>
+                      <a:tailEnd type="none" w="med" len="med"/>
+                    </a:lnL>
+                    <a:lnR w="6350" cap="flat" cmpd="sng" algn="ctr">
+                      <a:solidFill>
+                        <a:schemeClr val="bg2">
+                          <a:lumMod val="90000"/>
+                        </a:schemeClr>
+                      </a:solidFill>
+                      <a:prstDash val="solid"/>
+                      <a:round/>
+                      <a:headEnd type="none" w="med" len="med"/>
+                      <a:tailEnd type="none" w="med" len="med"/>
+                    </a:lnR>
+                    <a:lnT w="6350" cap="flat" cmpd="sng" algn="ctr">
+                      <a:solidFill>
+                        <a:schemeClr val="bg2">
+                          <a:lumMod val="90000"/>
+                        </a:schemeClr>
+                      </a:solidFill>
+                      <a:prstDash val="solid"/>
+                      <a:round/>
+                      <a:headEnd type="none" w="med" len="med"/>
+                      <a:tailEnd type="none" w="med" len="med"/>
+                    </a:lnT>
+                    <a:lnB w="6350" cap="flat" cmpd="sng" algn="ctr">
+                      <a:solidFill>
+                        <a:schemeClr val="bg2">
+                          <a:lumMod val="90000"/>
+                        </a:schemeClr>
+                      </a:solidFill>
+                      <a:prstDash val="solid"/>
+                      <a:round/>
+                      <a:headEnd type="none" w="med" len="med"/>
+                      <a:tailEnd type="none" w="med" len="med"/>
+                    </a:lnB>
+                    <a:lnTlToBr w="12700" cmpd="sng">
+                      <a:noFill/>
+                      <a:prstDash val="solid"/>
+                    </a:lnTlToBr>
+                    <a:lnBlToTr w="12700" cmpd="sng">
+                      <a:noFill/>
+                      <a:prstDash val="solid"/>
+                    </a:lnBlToTr>
+                    <a:solidFill>
+                      <a:schemeClr val="bg1"/>
+                    </a:solidFill>
+                  </a:tcPr>
+                </a:tc>
+                <a:extLst>
+                  <a:ext uri="{0D108BD9-81ED-4DB2-BD59-A6C34878D82A}">
+                    <a16:rowId xmlns="" xmlns:a16="http://schemas.microsoft.com/office/drawing/2014/main" val="10004"/>
+                  </a:ext>
+                </a:extLst>
+              </a:tr>
+            </a:tbl>
+          </a:graphicData>
+        </a:graphic>
+      </p:graphicFrame>
+      <p:pic>
+        <p:nvPicPr>
+          <p:cNvPr id="16" name="그림 15"/>
+          <p:cNvPicPr>
+            <a:picLocks noChangeAspect="1"/>
+          </p:cNvPicPr>
+          <p:nvPr/>
+        </p:nvPicPr>
+        <p:blipFill>
+          <a:blip r:embed="rId8"/>
+          <a:stretch>
+            <a:fillRect/>
+          </a:stretch>
+        </p:blipFill>
+        <p:spPr>
+          <a:xfrm>
+            <a:off x="7157510" y="2753794"/>
+            <a:ext cx="666843" cy="304843"/>
+          </a:xfrm>
+          <a:prstGeom prst="rect">
+            <a:avLst/>
+          </a:prstGeom>
+        </p:spPr>
+      </p:pic>
+      <p:graphicFrame>
+        <p:nvGraphicFramePr>
+          <p:cNvPr id="32" name="표 31"/>
+          <p:cNvGraphicFramePr>
+            <a:graphicFrameLocks noGrp="1"/>
+          </p:cNvGraphicFramePr>
+          <p:nvPr>
+            <p:extLst>
+              <p:ext uri="{D42A27DB-BD31-4B8C-83A1-F6EECF244321}">
+                <p14:modId xmlns:p14="http://schemas.microsoft.com/office/powerpoint/2010/main" val="4162004815"/>
+              </p:ext>
+            </p:extLst>
+          </p:nvPr>
+        </p:nvGraphicFramePr>
+        <p:xfrm>
+          <a:off x="8557506" y="1283516"/>
+          <a:ext cx="3491813" cy="1036323"/>
+        </p:xfrm>
+        <a:graphic>
+          <a:graphicData uri="http://schemas.openxmlformats.org/drawingml/2006/table">
+            <a:tbl>
+              <a:tblPr firstRow="1" bandRow="1">
+                <a:noFill/>
+              </a:tblPr>
+              <a:tblGrid>
+                <a:gridCol w="3491813"/>
+              </a:tblGrid>
+              <a:tr h="505123">
+                <a:tc>
+                  <a:txBody>
+                    <a:bodyPr/>
+                    <a:lstStyle/>
+                    <a:p>
+                      <a:pPr marL="0" marR="0" lvl="0" indent="0" algn="ctr" rtl="0">
+                        <a:lnSpc>
+                          <a:spcPct val="100000"/>
+                        </a:lnSpc>
+                        <a:spcBef>
+                          <a:spcPts val="0"/>
+                        </a:spcBef>
+                        <a:spcAft>
+                          <a:spcPts val="0"/>
+                        </a:spcAft>
+                        <a:buClr>
+                          <a:srgbClr val="000000"/>
+                        </a:buClr>
+                        <a:buSzPts val="1500"/>
+                        <a:buFont typeface="Arial"/>
+                        <a:buNone/>
+                      </a:pPr>
+                      <a:r>
+                        <a:rPr lang="ko-KR" altLang="en-US" sz="1700" b="0" u="none" strike="noStrike" cap="none" dirty="0" smtClean="0">
+                          <a:solidFill>
+                            <a:schemeClr val="dk1"/>
+                          </a:solidFill>
+                        </a:rPr>
+                        <a:t>화면코드</a:t>
+                      </a:r>
+                      <a:endParaRPr sz="1700" b="0" u="none" strike="noStrike" cap="none" dirty="0">
+                        <a:solidFill>
+                          <a:schemeClr val="dk1"/>
+                        </a:solidFill>
+                      </a:endParaRPr>
+                    </a:p>
+                  </a:txBody>
+                  <a:tcPr marL="74304" marR="74304" marT="45725" marB="45725" anchor="ctr">
+                    <a:lnL w="12700" cap="flat" cmpd="sng">
+                      <a:solidFill>
+                        <a:schemeClr val="dk1"/>
+                      </a:solidFill>
+                      <a:prstDash val="solid"/>
+                      <a:round/>
+                      <a:headEnd type="none" w="sm" len="sm"/>
+                      <a:tailEnd type="none" w="sm" len="sm"/>
+                    </a:lnL>
+                    <a:lnR w="12700" cap="flat" cmpd="sng">
+                      <a:solidFill>
+                        <a:schemeClr val="dk1"/>
+                      </a:solidFill>
+                      <a:prstDash val="solid"/>
+                      <a:round/>
+                      <a:headEnd type="none" w="sm" len="sm"/>
+                      <a:tailEnd type="none" w="sm" len="sm"/>
+                    </a:lnR>
+                    <a:lnT w="12700" cap="flat" cmpd="sng">
+                      <a:solidFill>
+                        <a:schemeClr val="dk1"/>
+                      </a:solidFill>
+                      <a:prstDash val="solid"/>
+                      <a:round/>
+                      <a:headEnd type="none" w="sm" len="sm"/>
+                      <a:tailEnd type="none" w="sm" len="sm"/>
+                    </a:lnT>
+                    <a:lnB w="12700" cap="flat" cmpd="sng" algn="ctr">
+                      <a:solidFill>
+                        <a:schemeClr val="dk1"/>
+                      </a:solidFill>
+                      <a:prstDash val="solid"/>
+                      <a:round/>
+                      <a:headEnd type="none" w="sm" len="sm"/>
+                      <a:tailEnd type="none" w="sm" len="sm"/>
+                    </a:lnB>
+                    <a:solidFill>
+                      <a:srgbClr val="D8D8D8"/>
+                    </a:solidFill>
+                  </a:tcPr>
+                </a:tc>
+              </a:tr>
+              <a:tr h="531200">
+                <a:tc>
+                  <a:txBody>
+                    <a:bodyPr/>
+                    <a:lstStyle/>
+                    <a:p>
+                      <a:pPr marL="0" marR="0" lvl="0" indent="0" algn="ctr" defTabSz="914400" rtl="0" eaLnBrk="1" fontAlgn="auto" latinLnBrk="1" hangingPunct="1">
+                        <a:lnSpc>
+                          <a:spcPct val="100000"/>
+                        </a:lnSpc>
+                        <a:spcBef>
+                          <a:spcPts val="0"/>
+                        </a:spcBef>
+                        <a:spcAft>
+                          <a:spcPts val="0"/>
+                        </a:spcAft>
+                        <a:buClrTx/>
+                        <a:buSzTx/>
+                        <a:buFontTx/>
+                        <a:buNone/>
+                        <a:tabLst/>
+                        <a:defRPr sz="1000" b="0">
+                          <a:solidFill>
+                            <a:srgbClr val="000000"/>
+                          </a:solidFill>
+                          <a:latin typeface="Arial"/>
+                          <a:ea typeface="Arial"/>
+                          <a:cs typeface="Arial"/>
+                          <a:sym typeface="Arial"/>
+                        </a:defRPr>
+                      </a:pPr>
+                      <a:r>
+                        <a:rPr lang="en-US" altLang="ko-KR" sz="1700" b="0" u="none" strike="noStrike" cap="none" dirty="0" err="1" smtClean="0">
+                          <a:solidFill>
+                            <a:schemeClr val="dk1"/>
+                          </a:solidFill>
+                        </a:rPr>
+                        <a:t>sh_user_w_semiDetail</a:t>
+                      </a:r>
+                      <a:endParaRPr lang="en-US" altLang="ko-KR" sz="1700" b="0" u="none" strike="noStrike" cap="none" dirty="0">
+                        <a:solidFill>
+                          <a:schemeClr val="dk1"/>
+                        </a:solidFill>
+                      </a:endParaRPr>
+                    </a:p>
+                  </a:txBody>
+                  <a:tcPr marL="74304" marR="74304" marT="45725" marB="45725" anchor="ctr">
+                    <a:lnL w="12700" cap="flat" cmpd="sng" algn="ctr">
+                      <a:solidFill>
+                        <a:schemeClr val="dk1"/>
+                      </a:solidFill>
+                      <a:prstDash val="solid"/>
+                      <a:round/>
+                      <a:headEnd type="none" w="sm" len="sm"/>
+                      <a:tailEnd type="none" w="sm" len="sm"/>
+                    </a:lnL>
+                    <a:lnR w="12700" cap="flat" cmpd="sng" algn="ctr">
+                      <a:solidFill>
+                        <a:schemeClr val="dk1"/>
+                      </a:solidFill>
+                      <a:prstDash val="solid"/>
+                      <a:round/>
+                      <a:headEnd type="none" w="sm" len="sm"/>
+                      <a:tailEnd type="none" w="sm" len="sm"/>
+                    </a:lnR>
+                    <a:lnT w="12700" cap="flat" cmpd="sng" algn="ctr">
+                      <a:solidFill>
+                        <a:schemeClr val="dk1"/>
+                      </a:solidFill>
+                      <a:prstDash val="solid"/>
+                      <a:round/>
+                      <a:headEnd type="none" w="sm" len="sm"/>
+                      <a:tailEnd type="none" w="sm" len="sm"/>
+                    </a:lnT>
+                    <a:lnB w="12700" cap="flat" cmpd="sng">
+                      <a:solidFill>
+                        <a:schemeClr val="dk1"/>
+                      </a:solidFill>
+                      <a:prstDash val="solid"/>
+                      <a:round/>
+                      <a:headEnd type="none" w="sm" len="sm"/>
+                      <a:tailEnd type="none" w="sm" len="sm"/>
+                    </a:lnB>
+                    <a:solidFill>
+                      <a:schemeClr val="bg1"/>
+                    </a:solidFill>
+                  </a:tcPr>
+                </a:tc>
+              </a:tr>
+            </a:tbl>
+          </a:graphicData>
+        </a:graphic>
+      </p:graphicFrame>
+      <p:sp>
+        <p:nvSpPr>
+          <p:cNvPr id="14" name="직사각형 13"/>
+          <p:cNvSpPr/>
+          <p:nvPr/>
+        </p:nvSpPr>
+        <p:spPr>
+          <a:xfrm>
+            <a:off x="217770" y="245240"/>
+            <a:ext cx="6865982" cy="477054"/>
+          </a:xfrm>
+          <a:prstGeom prst="rect">
+            <a:avLst/>
+          </a:prstGeom>
+        </p:spPr>
+        <p:txBody>
+          <a:bodyPr wrap="none">
+            <a:spAutoFit/>
+          </a:bodyPr>
+          <a:lstStyle/>
+          <a:p>
+            <a:pPr lvl="0" algn="ctr">
+              <a:buClr>
+                <a:srgbClr val="000000"/>
+              </a:buClr>
+              <a:buSzPts val="1500"/>
+              <a:defRPr/>
+            </a:pPr>
+            <a:r>
+              <a:rPr lang="en-US" altLang="ko-KR" sz="2500" dirty="0" smtClean="0">
+                <a:solidFill>
+                  <a:schemeClr val="bg1"/>
+                </a:solidFill>
+                <a:latin typeface="+mj-lt"/>
+              </a:rPr>
+              <a:t>[</a:t>
+            </a:r>
+            <a:r>
+              <a:rPr lang="ko-KR" altLang="en-US" sz="2500" dirty="0" smtClean="0">
+                <a:solidFill>
+                  <a:schemeClr val="bg1"/>
+                </a:solidFill>
+                <a:latin typeface="+mj-lt"/>
+              </a:rPr>
+              <a:t>화면 설계</a:t>
+            </a:r>
+            <a:r>
+              <a:rPr lang="en-US" altLang="ko-KR" sz="2500" dirty="0" smtClean="0">
+                <a:solidFill>
+                  <a:schemeClr val="bg1"/>
+                </a:solidFill>
+                <a:latin typeface="+mj-lt"/>
+              </a:rPr>
+              <a:t>]</a:t>
+            </a:r>
+            <a:r>
+              <a:rPr lang="ko-KR" altLang="en-US" sz="2500" dirty="0" smtClean="0">
+                <a:solidFill>
+                  <a:schemeClr val="bg1"/>
+                </a:solidFill>
+                <a:latin typeface="+mj-lt"/>
+              </a:rPr>
+              <a:t>사용자 </a:t>
+            </a:r>
+            <a:r>
+              <a:rPr lang="en-US" altLang="ko-KR" sz="2500" dirty="0" smtClean="0">
+                <a:solidFill>
+                  <a:schemeClr val="bg1"/>
+                </a:solidFill>
+                <a:latin typeface="+mj-lt"/>
+              </a:rPr>
+              <a:t>- </a:t>
+            </a:r>
+            <a:r>
+              <a:rPr lang="ko-KR" altLang="en-US" sz="2500" dirty="0" smtClean="0">
+                <a:solidFill>
+                  <a:schemeClr val="bg1"/>
+                </a:solidFill>
+                <a:latin typeface="+mj-lt"/>
+              </a:rPr>
+              <a:t>웹 </a:t>
+            </a:r>
+            <a:r>
+              <a:rPr lang="en-US" altLang="ko-KR" sz="2500" dirty="0">
+                <a:solidFill>
+                  <a:schemeClr val="bg1"/>
+                </a:solidFill>
+                <a:latin typeface="+mj-lt"/>
+              </a:rPr>
+              <a:t>-</a:t>
+            </a:r>
+            <a:r>
+              <a:rPr lang="en-US" altLang="ko-KR" sz="2500" dirty="0" smtClean="0">
+                <a:solidFill>
+                  <a:schemeClr val="bg1"/>
+                </a:solidFill>
+                <a:latin typeface="+mj-lt"/>
+              </a:rPr>
+              <a:t> </a:t>
+            </a:r>
+            <a:r>
+              <a:rPr lang="ko-KR" altLang="en-US" sz="2500" dirty="0" smtClean="0">
+                <a:solidFill>
+                  <a:schemeClr val="bg1"/>
+                </a:solidFill>
+                <a:latin typeface="+mj-lt"/>
+              </a:rPr>
+              <a:t>세미나 상세페이지 </a:t>
+            </a:r>
+            <a:r>
+              <a:rPr lang="en-US" altLang="ko-KR" sz="2500" dirty="0" smtClean="0">
+                <a:solidFill>
+                  <a:schemeClr val="bg1"/>
+                </a:solidFill>
+                <a:latin typeface="+mj-lt"/>
+              </a:rPr>
+              <a:t>-1</a:t>
+            </a:r>
+            <a:endParaRPr lang="ko-KR" altLang="en-US" sz="2500" dirty="0">
+              <a:solidFill>
+                <a:schemeClr val="bg1"/>
+              </a:solidFill>
+              <a:latin typeface="+mj-lt"/>
+            </a:endParaRPr>
+          </a:p>
+        </p:txBody>
+      </p:sp>
+    </p:spTree>
+    <p:extLst>
+      <p:ext uri="{BB962C8B-B14F-4D97-AF65-F5344CB8AC3E}">
+        <p14:creationId xmlns:p14="http://schemas.microsoft.com/office/powerpoint/2010/main" val="3768843491"/>
+      </p:ext>
+    </p:extLst>
+  </p:cSld>
+  <p:clrMapOvr>
+    <a:masterClrMapping/>
+  </p:clrMapOvr>
+  <p:timing>
+    <p:tnLst>
+      <p:par>
+        <p:cTn id="1" dur="indefinite" restart="never" nodeType="tmRoot"/>
+      </p:par>
+    </p:tnLst>
+  </p:timing>
+</p:sld>
+</file>
+
+<file path=ppt/slides/slide3.xml><?xml version="1.0" encoding="utf-8"?>
+<p:sld xmlns:a="http://schemas.openxmlformats.org/drawingml/2006/main" xmlns:r="http://schemas.openxmlformats.org/officeDocument/2006/relationships" xmlns:p="http://schemas.openxmlformats.org/presentationml/2006/main">
+  <p:cSld>
+    <p:spTree>
+      <p:nvGrpSpPr>
+        <p:cNvPr id="1" name=""/>
+        <p:cNvGrpSpPr/>
+        <p:nvPr/>
+      </p:nvGrpSpPr>
+      <p:grpSpPr>
+        <a:xfrm>
+          <a:off x="0" y="0"/>
+          <a:ext cx="0" cy="0"/>
+          <a:chOff x="0" y="0"/>
+          <a:chExt cx="0" cy="0"/>
+        </a:xfrm>
+      </p:grpSpPr>
+      <p:graphicFrame>
+        <p:nvGraphicFramePr>
+          <p:cNvPr id="99" name="표 13"/>
+          <p:cNvGraphicFramePr/>
+          <p:nvPr>
+            <p:extLst>
+              <p:ext uri="{D42A27DB-BD31-4B8C-83A1-F6EECF244321}">
+                <p14:modId xmlns:p14="http://schemas.microsoft.com/office/powerpoint/2010/main" val="1475786523"/>
+              </p:ext>
+            </p:extLst>
+          </p:nvPr>
+        </p:nvGraphicFramePr>
+        <p:xfrm>
+          <a:off x="8517924" y="2379658"/>
+          <a:ext cx="3491813" cy="1297716"/>
+        </p:xfrm>
+        <a:graphic>
+          <a:graphicData uri="http://schemas.openxmlformats.org/drawingml/2006/table">
+            <a:tbl>
+              <a:tblPr firstRow="1"/>
+              <a:tblGrid>
+                <a:gridCol w="342705">
+                  <a:extLst>
+                    <a:ext uri="{9D8B030D-6E8A-4147-A177-3AD203B41FA5}">
+                      <a16:colId xmlns="" xmlns:a16="http://schemas.microsoft.com/office/drawing/2014/main" val="20000"/>
+                    </a:ext>
+                  </a:extLst>
+                </a:gridCol>
+                <a:gridCol w="3149108">
+                  <a:extLst>
+                    <a:ext uri="{9D8B030D-6E8A-4147-A177-3AD203B41FA5}">
+                      <a16:colId xmlns="" xmlns:a16="http://schemas.microsoft.com/office/drawing/2014/main" val="20001"/>
+                    </a:ext>
+                  </a:extLst>
+                </a:gridCol>
+              </a:tblGrid>
+              <a:tr h="383316">
+                <a:tc>
+                  <a:txBody>
+                    <a:bodyPr/>
+                    <a:lstStyle/>
+                    <a:p>
+                      <a:pPr algn="ctr">
+                        <a:defRPr sz="1800" b="0">
+                          <a:solidFill>
+                            <a:srgbClr val="000000"/>
+                          </a:solidFill>
+                        </a:defRPr>
+                      </a:pPr>
+                      <a:r>
+                        <a:rPr sz="1500" b="1" dirty="0"/>
+                        <a:t>#</a:t>
+                      </a:r>
+                    </a:p>
+                  </a:txBody>
+                  <a:tcPr marL="45720" marR="45720" anchor="ctr" horzOverflow="overflow">
+                    <a:lnL w="12700">
+                      <a:solidFill>
+                        <a:srgbClr val="000000"/>
+                      </a:solidFill>
+                    </a:lnL>
+                    <a:lnR w="12700">
+                      <a:solidFill>
+                        <a:srgbClr val="000000"/>
+                      </a:solidFill>
+                    </a:lnR>
+                    <a:lnT w="12700">
+                      <a:solidFill>
+                        <a:srgbClr val="000000"/>
+                      </a:solidFill>
+                    </a:lnT>
+                    <a:lnB w="12700">
+                      <a:solidFill>
+                        <a:srgbClr val="000000"/>
+                      </a:solidFill>
+                    </a:lnB>
+                    <a:solidFill>
+                      <a:srgbClr val="D9D9D9"/>
+                    </a:solidFill>
+                  </a:tcPr>
+                </a:tc>
+                <a:tc>
+                  <a:txBody>
+                    <a:bodyPr/>
+                    <a:lstStyle/>
+                    <a:p>
+                      <a:pPr algn="ctr">
+                        <a:defRPr sz="1800" b="0">
+                          <a:solidFill>
+                            <a:srgbClr val="000000"/>
+                          </a:solidFill>
+                        </a:defRPr>
+                      </a:pPr>
+                      <a:r>
+                        <a:rPr sz="1500" b="1" dirty="0" err="1"/>
+                        <a:t>기능명</a:t>
+                      </a:r>
+                      <a:endParaRPr sz="1500" b="1" dirty="0"/>
+                    </a:p>
+                  </a:txBody>
+                  <a:tcPr marL="45720" marR="45720" anchor="ctr" horzOverflow="overflow">
+                    <a:lnL w="12700">
+                      <a:solidFill>
+                        <a:srgbClr val="000000"/>
+                      </a:solidFill>
+                    </a:lnL>
+                    <a:lnR w="12700">
+                      <a:solidFill>
+                        <a:srgbClr val="000000"/>
+                      </a:solidFill>
+                    </a:lnR>
+                    <a:lnT w="12700">
+                      <a:solidFill>
+                        <a:srgbClr val="000000"/>
+                      </a:solidFill>
+                    </a:lnT>
+                    <a:lnB w="12700">
+                      <a:solidFill>
+                        <a:srgbClr val="000000"/>
+                      </a:solidFill>
+                    </a:lnB>
+                    <a:solidFill>
+                      <a:srgbClr val="D9D9D9"/>
+                    </a:solidFill>
+                  </a:tcPr>
+                </a:tc>
+                <a:extLst>
+                  <a:ext uri="{0D108BD9-81ED-4DB2-BD59-A6C34878D82A}">
+                    <a16:rowId xmlns="" xmlns:a16="http://schemas.microsoft.com/office/drawing/2014/main" val="10000"/>
+                  </a:ext>
+                </a:extLst>
+              </a:tr>
+              <a:tr h="914400">
+                <a:tc>
+                  <a:txBody>
+                    <a:bodyPr/>
+                    <a:lstStyle/>
+                    <a:p>
+                      <a:pPr algn="ctr">
+                        <a:defRPr sz="1800"/>
+                      </a:pPr>
+                      <a:r>
+                        <a:rPr lang="en-US" sz="1500" dirty="0" smtClean="0"/>
+                        <a:t>3</a:t>
+                      </a:r>
+                      <a:endParaRPr sz="1500" dirty="0"/>
+                    </a:p>
+                  </a:txBody>
+                  <a:tcPr marL="45720" marR="45720" anchor="ctr" horzOverflow="overflow">
+                    <a:lnL w="12700">
+                      <a:solidFill>
+                        <a:srgbClr val="000000"/>
+                      </a:solidFill>
+                    </a:lnL>
+                    <a:lnR w="12700">
+                      <a:solidFill>
+                        <a:srgbClr val="000000"/>
+                      </a:solidFill>
+                    </a:lnR>
+                    <a:lnT w="12700">
+                      <a:solidFill>
+                        <a:srgbClr val="000000"/>
+                      </a:solidFill>
+                    </a:lnT>
+                    <a:lnB w="12700" cap="flat" cmpd="sng" algn="ctr">
+                      <a:solidFill>
+                        <a:srgbClr val="000000"/>
+                      </a:solidFill>
+                      <a:prstDash val="solid"/>
+                      <a:round/>
+                      <a:headEnd type="none" w="med" len="med"/>
+                      <a:tailEnd type="none" w="med" len="med"/>
+                    </a:lnB>
+                    <a:solidFill>
+                      <a:srgbClr val="FFFFFF"/>
+                    </a:solidFill>
+                  </a:tcPr>
+                </a:tc>
+                <a:tc>
+                  <a:txBody>
+                    <a:bodyPr/>
+                    <a:lstStyle/>
+                    <a:p>
+                      <a:pPr algn="l">
+                        <a:defRPr sz="1500"/>
+                      </a:pPr>
+                      <a:r>
+                        <a:rPr lang="ko-KR" altLang="en-US" dirty="0" smtClean="0"/>
+                        <a:t>인원 선택</a:t>
+                      </a:r>
+                      <a:endParaRPr lang="en-US" altLang="ko-KR" dirty="0" smtClean="0"/>
+                    </a:p>
+                    <a:p>
+                      <a:pPr algn="l">
+                        <a:defRPr sz="1500"/>
+                      </a:pPr>
+                      <a:r>
+                        <a:rPr lang="en-US" sz="1200" dirty="0" smtClean="0"/>
+                        <a:t>+,</a:t>
+                      </a:r>
+                      <a:r>
+                        <a:rPr lang="en-US" sz="1200" baseline="0" dirty="0" smtClean="0"/>
+                        <a:t> - </a:t>
+                      </a:r>
+                      <a:r>
+                        <a:rPr lang="ko-KR" altLang="en-US" sz="1200" baseline="0" dirty="0" smtClean="0"/>
+                        <a:t>버튼을 눌러 인원을 선택하면 결제 금액 자동 조절</a:t>
+                      </a:r>
+                      <a:endParaRPr sz="1200" dirty="0"/>
+                    </a:p>
+                  </a:txBody>
+                  <a:tcPr marL="45720" marR="45720" horzOverflow="overflow">
+                    <a:lnL w="12700">
+                      <a:solidFill>
+                        <a:srgbClr val="000000"/>
+                      </a:solidFill>
+                    </a:lnL>
+                    <a:lnR w="12700">
+                      <a:solidFill>
+                        <a:srgbClr val="000000"/>
+                      </a:solidFill>
+                    </a:lnR>
+                    <a:lnT w="12700">
+                      <a:solidFill>
+                        <a:srgbClr val="000000"/>
+                      </a:solidFill>
+                    </a:lnT>
+                    <a:lnB w="12700" cap="flat" cmpd="sng" algn="ctr">
+                      <a:solidFill>
+                        <a:srgbClr val="000000"/>
+                      </a:solidFill>
+                      <a:prstDash val="solid"/>
+                      <a:round/>
+                      <a:headEnd type="none" w="med" len="med"/>
+                      <a:tailEnd type="none" w="med" len="med"/>
+                    </a:lnB>
+                    <a:solidFill>
+                      <a:srgbClr val="FFFFFF"/>
+                    </a:solidFill>
+                  </a:tcPr>
+                </a:tc>
+                <a:extLst>
+                  <a:ext uri="{0D108BD9-81ED-4DB2-BD59-A6C34878D82A}">
+                    <a16:rowId xmlns="" xmlns:a16="http://schemas.microsoft.com/office/drawing/2014/main" val="10001"/>
+                  </a:ext>
+                </a:extLst>
+              </a:tr>
+            </a:tbl>
+          </a:graphicData>
+        </a:graphic>
+      </p:graphicFrame>
+      <p:graphicFrame>
+        <p:nvGraphicFramePr>
+          <p:cNvPr id="9" name="표 8"/>
+          <p:cNvGraphicFramePr>
+            <a:graphicFrameLocks noGrp="1"/>
+          </p:cNvGraphicFramePr>
+          <p:nvPr>
+            <p:extLst>
+              <p:ext uri="{D42A27DB-BD31-4B8C-83A1-F6EECF244321}">
+                <p14:modId xmlns:p14="http://schemas.microsoft.com/office/powerpoint/2010/main" val="3347505716"/>
+              </p:ext>
+            </p:extLst>
+          </p:nvPr>
+        </p:nvGraphicFramePr>
+        <p:xfrm>
+          <a:off x="131601" y="1283516"/>
+          <a:ext cx="8040334" cy="5347943"/>
+        </p:xfrm>
+        <a:graphic>
+          <a:graphicData uri="http://schemas.openxmlformats.org/drawingml/2006/table">
+            <a:tbl>
+              <a:tblPr firstRow="1" bandRow="1">
+                <a:tableStyleId>{5C22544A-7EE6-4342-B048-85BDC9FD1C3A}</a:tableStyleId>
+              </a:tblPr>
+              <a:tblGrid>
+                <a:gridCol w="8040334">
+                  <a:extLst>
+                    <a:ext uri="{9D8B030D-6E8A-4147-A177-3AD203B41FA5}">
+                      <a16:colId xmlns="" xmlns:a16="http://schemas.microsoft.com/office/drawing/2014/main" val="20000"/>
+                    </a:ext>
+                  </a:extLst>
+                </a:gridCol>
+              </a:tblGrid>
+              <a:tr h="569998">
+                <a:tc>
+                  <a:txBody>
+                    <a:bodyPr/>
+                    <a:lstStyle/>
+                    <a:p>
+                      <a:pPr latinLnBrk="1"/>
+                      <a:endParaRPr lang="ko-KR" altLang="en-US" dirty="0"/>
+                    </a:p>
+                  </a:txBody>
+                  <a:tcPr>
+                    <a:lnL w="12700" cap="flat" cmpd="sng" algn="ctr">
+                      <a:solidFill>
+                        <a:schemeClr val="tx1"/>
+                      </a:solidFill>
+                      <a:prstDash val="solid"/>
+                      <a:round/>
+                      <a:headEnd type="none" w="med" len="med"/>
+                      <a:tailEnd type="none" w="med" len="med"/>
+                    </a:lnL>
+                    <a:lnR w="12700" cap="flat" cmpd="sng" algn="ctr">
+                      <a:solidFill>
+                        <a:schemeClr val="tx1"/>
+                      </a:solidFill>
+                      <a:prstDash val="solid"/>
+                      <a:round/>
+                      <a:headEnd type="none" w="med" len="med"/>
+                      <a:tailEnd type="none" w="med" len="med"/>
+                    </a:lnR>
+                    <a:lnT w="12700" cap="flat" cmpd="sng" algn="ctr">
+                      <a:solidFill>
+                        <a:schemeClr val="tx1"/>
+                      </a:solidFill>
+                      <a:prstDash val="solid"/>
+                      <a:round/>
+                      <a:headEnd type="none" w="med" len="med"/>
+                      <a:tailEnd type="none" w="med" len="med"/>
+                    </a:lnT>
+                    <a:lnB w="12700" cap="flat" cmpd="sng" algn="ctr">
+                      <a:noFill/>
+                      <a:prstDash val="solid"/>
+                      <a:round/>
+                      <a:headEnd type="none" w="med" len="med"/>
+                      <a:tailEnd type="none" w="med" len="med"/>
+                    </a:lnB>
+                    <a:lnTlToBr w="12700" cmpd="sng">
+                      <a:noFill/>
+                      <a:prstDash val="solid"/>
+                    </a:lnTlToBr>
+                    <a:lnBlToTr w="12700" cmpd="sng">
+                      <a:noFill/>
+                      <a:prstDash val="solid"/>
+                    </a:lnBlToTr>
+                    <a:solidFill>
+                      <a:schemeClr val="bg1"/>
+                    </a:solidFill>
+                  </a:tcPr>
+                </a:tc>
+                <a:extLst>
+                  <a:ext uri="{0D108BD9-81ED-4DB2-BD59-A6C34878D82A}">
+                    <a16:rowId xmlns="" xmlns:a16="http://schemas.microsoft.com/office/drawing/2014/main" val="10000"/>
+                  </a:ext>
+                </a:extLst>
+              </a:tr>
+              <a:tr h="4777945">
+                <a:tc>
+                  <a:txBody>
+                    <a:bodyPr/>
+                    <a:lstStyle/>
+                    <a:p>
+                      <a:pPr latinLnBrk="1"/>
+                      <a:endParaRPr lang="ko-KR" altLang="en-US" sz="1500" dirty="0"/>
+                    </a:p>
+                  </a:txBody>
+                  <a:tcPr>
+                    <a:lnL w="12700" cap="flat" cmpd="sng" algn="ctr">
+                      <a:solidFill>
+                        <a:schemeClr val="tx1"/>
+                      </a:solidFill>
+                      <a:prstDash val="solid"/>
+                      <a:round/>
+                      <a:headEnd type="none" w="med" len="med"/>
+                      <a:tailEnd type="none" w="med" len="med"/>
+                    </a:lnL>
+                    <a:lnR w="12700" cap="flat" cmpd="sng" algn="ctr">
+                      <a:solidFill>
+                        <a:schemeClr val="tx1"/>
+                      </a:solidFill>
+                      <a:prstDash val="solid"/>
+                      <a:round/>
+                      <a:headEnd type="none" w="med" len="med"/>
+                      <a:tailEnd type="none" w="med" len="med"/>
+                    </a:lnR>
+                    <a:lnT w="12700" cap="flat" cmpd="sng" algn="ctr">
+                      <a:noFill/>
+                      <a:prstDash val="solid"/>
+                      <a:round/>
+                      <a:headEnd type="none" w="med" len="med"/>
+                      <a:tailEnd type="none" w="med" len="med"/>
+                    </a:lnT>
+                    <a:lnB w="12700" cap="flat" cmpd="sng" algn="ctr">
+                      <a:solidFill>
+                        <a:schemeClr val="tx1"/>
+                      </a:solidFill>
+                      <a:prstDash val="solid"/>
+                      <a:round/>
+                      <a:headEnd type="none" w="med" len="med"/>
+                      <a:tailEnd type="none" w="med" len="med"/>
+                    </a:lnB>
+                    <a:lnTlToBr w="12700" cmpd="sng">
+                      <a:noFill/>
+                      <a:prstDash val="solid"/>
+                    </a:lnTlToBr>
+                    <a:lnBlToTr w="12700" cmpd="sng">
+                      <a:noFill/>
+                      <a:prstDash val="solid"/>
+                    </a:lnBlToTr>
+                    <a:solidFill>
+                      <a:srgbClr val="F6F6F6"/>
+                    </a:solidFill>
+                  </a:tcPr>
+                </a:tc>
+                <a:extLst>
+                  <a:ext uri="{0D108BD9-81ED-4DB2-BD59-A6C34878D82A}">
+                    <a16:rowId xmlns="" xmlns:a16="http://schemas.microsoft.com/office/drawing/2014/main" val="10001"/>
+                  </a:ext>
+                </a:extLst>
+              </a:tr>
+            </a:tbl>
+          </a:graphicData>
+        </a:graphic>
+      </p:graphicFrame>
+      <p:grpSp>
+        <p:nvGrpSpPr>
+          <p:cNvPr id="10" name="그룹 9"/>
+          <p:cNvGrpSpPr/>
+          <p:nvPr/>
+        </p:nvGrpSpPr>
+        <p:grpSpPr>
+          <a:xfrm>
+            <a:off x="318350" y="1349364"/>
+            <a:ext cx="5111784" cy="355428"/>
+            <a:chOff x="356082" y="1397293"/>
+            <a:chExt cx="5111784" cy="355428"/>
+          </a:xfrm>
+        </p:grpSpPr>
+        <p:sp>
+          <p:nvSpPr>
+            <p:cNvPr id="22" name="직사각형 39"/>
+            <p:cNvSpPr/>
+            <p:nvPr/>
+          </p:nvSpPr>
+          <p:spPr>
+            <a:xfrm>
+              <a:off x="356082" y="1423945"/>
+              <a:ext cx="1207049" cy="328776"/>
+            </a:xfrm>
+            <a:prstGeom prst="rect">
+              <a:avLst/>
+            </a:prstGeom>
+            <a:solidFill>
+              <a:srgbClr val="FFFFFF"/>
+            </a:solidFill>
+            <a:ln w="12700">
+              <a:noFill/>
+              <a:miter/>
+            </a:ln>
+          </p:spPr>
+          <p:txBody>
+            <a:bodyPr lIns="45719" rIns="45719" anchor="ctr"/>
+            <a:lstStyle/>
+            <a:p>
+              <a:pPr>
+                <a:defRPr sz="1500"/>
+              </a:pPr>
+              <a:r>
+                <a:rPr lang="en-US" sz="1900" dirty="0"/>
+                <a:t>e</a:t>
+              </a:r>
+              <a:r>
+                <a:rPr lang="en-US" sz="1900" dirty="0" smtClean="0"/>
+                <a:t>-Zone</a:t>
+              </a:r>
+              <a:endParaRPr sz="1900" dirty="0"/>
+            </a:p>
+          </p:txBody>
+        </p:sp>
+        <p:grpSp>
+          <p:nvGrpSpPr>
+            <p:cNvPr id="6" name="그룹 5"/>
+            <p:cNvGrpSpPr/>
+            <p:nvPr/>
+          </p:nvGrpSpPr>
+          <p:grpSpPr>
+            <a:xfrm>
+              <a:off x="1909120" y="1397293"/>
+              <a:ext cx="3558746" cy="319907"/>
+              <a:chOff x="1351005" y="1391330"/>
+              <a:chExt cx="3558746" cy="319907"/>
+            </a:xfrm>
+          </p:grpSpPr>
+          <p:pic>
+            <p:nvPicPr>
+              <p:cNvPr id="2" name="그림 1"/>
+              <p:cNvPicPr>
+                <a:picLocks noChangeAspect="1"/>
+              </p:cNvPicPr>
+              <p:nvPr/>
+            </p:nvPicPr>
+            <p:blipFill>
+              <a:blip r:embed="rId2"/>
+              <a:stretch>
+                <a:fillRect/>
+              </a:stretch>
+            </p:blipFill>
+            <p:spPr>
+              <a:xfrm>
+                <a:off x="4594815" y="1391330"/>
+                <a:ext cx="299939" cy="279013"/>
+              </a:xfrm>
+              <a:prstGeom prst="rect">
+                <a:avLst/>
+              </a:prstGeom>
+            </p:spPr>
+          </p:pic>
+          <p:cxnSp>
+            <p:nvCxnSpPr>
+              <p:cNvPr id="5" name="직선 연결선 4"/>
+              <p:cNvCxnSpPr/>
+              <p:nvPr/>
+            </p:nvCxnSpPr>
+            <p:spPr>
+              <a:xfrm>
+                <a:off x="1351005" y="1711237"/>
+                <a:ext cx="3558746" cy="0"/>
+              </a:xfrm>
+              <a:prstGeom prst="line">
+                <a:avLst/>
+              </a:prstGeom>
+              <a:ln w="28575"/>
+            </p:spPr>
+            <p:style>
+              <a:lnRef idx="1">
+                <a:schemeClr val="accent2"/>
+              </a:lnRef>
+              <a:fillRef idx="0">
+                <a:schemeClr val="accent2"/>
+              </a:fillRef>
+              <a:effectRef idx="0">
+                <a:schemeClr val="accent2"/>
+              </a:effectRef>
+              <a:fontRef idx="minor">
+                <a:schemeClr val="tx1"/>
+              </a:fontRef>
+            </p:style>
+          </p:cxnSp>
+        </p:grpSp>
+      </p:grpSp>
+      <p:pic>
+        <p:nvPicPr>
+          <p:cNvPr id="3" name="그림 2"/>
+          <p:cNvPicPr>
+            <a:picLocks noChangeAspect="1"/>
+          </p:cNvPicPr>
+          <p:nvPr/>
+        </p:nvPicPr>
+        <p:blipFill>
+          <a:blip r:embed="rId3"/>
+          <a:stretch>
+            <a:fillRect/>
+          </a:stretch>
+        </p:blipFill>
+        <p:spPr>
+          <a:xfrm>
+            <a:off x="525410" y="2096949"/>
+            <a:ext cx="4676940" cy="1747167"/>
+          </a:xfrm>
+          <a:prstGeom prst="rect">
+            <a:avLst/>
+          </a:prstGeom>
+        </p:spPr>
+      </p:pic>
+      <p:pic>
+        <p:nvPicPr>
+          <p:cNvPr id="4" name="그림 3"/>
+          <p:cNvPicPr>
+            <a:picLocks noChangeAspect="1"/>
+          </p:cNvPicPr>
+          <p:nvPr/>
+        </p:nvPicPr>
+        <p:blipFill>
+          <a:blip r:embed="rId4"/>
+          <a:stretch>
+            <a:fillRect/>
+          </a:stretch>
+        </p:blipFill>
+        <p:spPr>
+          <a:xfrm>
+            <a:off x="525410" y="4236273"/>
+            <a:ext cx="4799594" cy="1753468"/>
+          </a:xfrm>
+          <a:prstGeom prst="rect">
+            <a:avLst/>
+          </a:prstGeom>
+        </p:spPr>
+      </p:pic>
+      <p:pic>
+        <p:nvPicPr>
+          <p:cNvPr id="20" name="그림 19"/>
+          <p:cNvPicPr>
+            <a:picLocks noChangeAspect="1"/>
+          </p:cNvPicPr>
+          <p:nvPr/>
+        </p:nvPicPr>
+        <p:blipFill>
+          <a:blip r:embed="rId5"/>
+          <a:stretch>
+            <a:fillRect/>
+          </a:stretch>
+        </p:blipFill>
+        <p:spPr>
+          <a:xfrm>
+            <a:off x="5605067" y="1953186"/>
+            <a:ext cx="2278567" cy="4566645"/>
+          </a:xfrm>
+          <a:prstGeom prst="rect">
+            <a:avLst/>
+          </a:prstGeom>
+        </p:spPr>
+      </p:pic>
+      <p:sp>
+        <p:nvSpPr>
+          <p:cNvPr id="15" name="직사각형 14"/>
+          <p:cNvSpPr/>
+          <p:nvPr/>
+        </p:nvSpPr>
+        <p:spPr>
+          <a:xfrm>
+            <a:off x="5218980" y="1913110"/>
+            <a:ext cx="296562" cy="344798"/>
+          </a:xfrm>
+          <a:prstGeom prst="rect">
+            <a:avLst/>
+          </a:prstGeom>
+          <a:solidFill>
+            <a:srgbClr val="FF0000"/>
+          </a:solidFill>
+          <a:ln>
+            <a:noFill/>
+          </a:ln>
+        </p:spPr>
+        <p:style>
+          <a:lnRef idx="2">
+            <a:schemeClr val="accent1">
+              <a:shade val="50000"/>
+            </a:schemeClr>
+          </a:lnRef>
+          <a:fillRef idx="1">
+            <a:schemeClr val="accent1"/>
+          </a:fillRef>
+          <a:effectRef idx="0">
+            <a:schemeClr val="accent1"/>
+          </a:effectRef>
+          <a:fontRef idx="minor">
+            <a:schemeClr val="lt1"/>
+          </a:fontRef>
+        </p:style>
+        <p:txBody>
+          <a:bodyPr rtlCol="0" anchor="ctr"/>
+          <a:lstStyle/>
+          <a:p>
+            <a:pPr algn="ctr"/>
+            <a:r>
+              <a:rPr lang="en-US" altLang="ko-KR" b="1" dirty="0" smtClean="0">
+                <a:solidFill>
+                  <a:schemeClr val="bg1"/>
+                </a:solidFill>
+              </a:rPr>
+              <a:t>4</a:t>
+            </a:r>
+            <a:endParaRPr lang="ko-KR" altLang="en-US" b="1" dirty="0">
+              <a:solidFill>
+                <a:schemeClr val="bg1"/>
+              </a:solidFill>
+            </a:endParaRPr>
+          </a:p>
+        </p:txBody>
+      </p:sp>
+      <p:graphicFrame>
+        <p:nvGraphicFramePr>
+          <p:cNvPr id="16" name="표 15"/>
+          <p:cNvGraphicFramePr>
+            <a:graphicFrameLocks noGrp="1"/>
+          </p:cNvGraphicFramePr>
+          <p:nvPr>
+            <p:extLst>
+              <p:ext uri="{D42A27DB-BD31-4B8C-83A1-F6EECF244321}">
+                <p14:modId xmlns:p14="http://schemas.microsoft.com/office/powerpoint/2010/main" val="2814665941"/>
+              </p:ext>
+            </p:extLst>
+          </p:nvPr>
+        </p:nvGraphicFramePr>
+        <p:xfrm>
+          <a:off x="5621566" y="2372498"/>
+          <a:ext cx="2204380" cy="2215978"/>
+        </p:xfrm>
+        <a:graphic>
+          <a:graphicData uri="http://schemas.openxmlformats.org/drawingml/2006/table">
+            <a:tbl>
+              <a:tblPr firstRow="1" bandRow="1">
+                <a:tableStyleId>{5C22544A-7EE6-4342-B048-85BDC9FD1C3A}</a:tableStyleId>
+              </a:tblPr>
+              <a:tblGrid>
+                <a:gridCol w="2204380">
+                  <a:extLst>
+                    <a:ext uri="{9D8B030D-6E8A-4147-A177-3AD203B41FA5}">
+                      <a16:colId xmlns="" xmlns:a16="http://schemas.microsoft.com/office/drawing/2014/main" val="20000"/>
+                    </a:ext>
+                  </a:extLst>
+                </a:gridCol>
+              </a:tblGrid>
+              <a:tr h="2215978">
+                <a:tc>
+                  <a:txBody>
+                    <a:bodyPr/>
+                    <a:lstStyle/>
+                    <a:p>
+                      <a:pPr latinLnBrk="1"/>
+                      <a:endParaRPr lang="ko-KR" altLang="en-US" dirty="0"/>
+                    </a:p>
+                  </a:txBody>
+                  <a:tcPr>
+                    <a:lnL w="12700" cap="flat" cmpd="sng" algn="ctr">
+                      <a:noFill/>
+                      <a:prstDash val="solid"/>
+                      <a:round/>
+                      <a:headEnd type="none" w="med" len="med"/>
+                      <a:tailEnd type="none" w="med" len="med"/>
+                    </a:lnL>
+                    <a:lnR w="12700" cap="flat" cmpd="sng" algn="ctr">
+                      <a:noFill/>
+                      <a:prstDash val="solid"/>
+                      <a:round/>
+                      <a:headEnd type="none" w="med" len="med"/>
+                      <a:tailEnd type="none" w="med" len="med"/>
+                    </a:lnR>
+                    <a:lnT w="12700" cap="flat" cmpd="sng" algn="ctr">
+                      <a:noFill/>
+                      <a:prstDash val="solid"/>
+                      <a:round/>
+                      <a:headEnd type="none" w="med" len="med"/>
+                      <a:tailEnd type="none" w="med" len="med"/>
+                    </a:lnT>
+                    <a:lnB w="12700" cap="flat" cmpd="sng" algn="ctr">
+                      <a:noFill/>
+                      <a:prstDash val="solid"/>
+                      <a:round/>
+                      <a:headEnd type="none" w="med" len="med"/>
+                      <a:tailEnd type="none" w="med" len="med"/>
+                    </a:lnB>
+                    <a:lnTlToBr w="12700" cmpd="sng">
+                      <a:noFill/>
+                      <a:prstDash val="solid"/>
+                    </a:lnTlToBr>
+                    <a:lnBlToTr w="12700" cmpd="sng">
+                      <a:noFill/>
+                      <a:prstDash val="solid"/>
+                    </a:lnBlToTr>
+                    <a:solidFill>
+                      <a:schemeClr val="bg1"/>
+                    </a:solidFill>
+                  </a:tcPr>
+                </a:tc>
+                <a:extLst>
+                  <a:ext uri="{0D108BD9-81ED-4DB2-BD59-A6C34878D82A}">
+                    <a16:rowId xmlns="" xmlns:a16="http://schemas.microsoft.com/office/drawing/2014/main" val="10000"/>
+                  </a:ext>
+                </a:extLst>
+              </a:tr>
+            </a:tbl>
+          </a:graphicData>
+        </a:graphic>
+      </p:graphicFrame>
+      <p:sp>
+        <p:nvSpPr>
+          <p:cNvPr id="7" name="직사각형 6"/>
+          <p:cNvSpPr/>
+          <p:nvPr/>
+        </p:nvSpPr>
+        <p:spPr>
+          <a:xfrm>
+            <a:off x="5630524" y="1985738"/>
+            <a:ext cx="754520" cy="255373"/>
+          </a:xfrm>
+          <a:prstGeom prst="rect">
+            <a:avLst/>
+          </a:prstGeom>
+          <a:solidFill>
+            <a:schemeClr val="bg1"/>
+          </a:solidFill>
+          <a:ln>
+            <a:noFill/>
+          </a:ln>
+        </p:spPr>
+        <p:style>
+          <a:lnRef idx="2">
+            <a:schemeClr val="accent1">
+              <a:shade val="50000"/>
+            </a:schemeClr>
+          </a:lnRef>
+          <a:fillRef idx="1">
+            <a:schemeClr val="accent1"/>
+          </a:fillRef>
+          <a:effectRef idx="0">
+            <a:schemeClr val="accent1"/>
+          </a:effectRef>
+          <a:fontRef idx="minor">
+            <a:schemeClr val="lt1"/>
+          </a:fontRef>
+        </p:style>
+        <p:txBody>
+          <a:bodyPr rtlCol="0" anchor="ctr"/>
+          <a:lstStyle/>
+          <a:p>
+            <a:r>
+              <a:rPr lang="ko-KR" altLang="en-US" sz="900" b="1" dirty="0" smtClean="0">
+                <a:solidFill>
+                  <a:schemeClr val="tx1"/>
+                </a:solidFill>
+              </a:rPr>
+              <a:t>인원선택</a:t>
+            </a:r>
+            <a:endParaRPr lang="ko-KR" altLang="en-US" sz="900" b="1" dirty="0">
+              <a:solidFill>
+                <a:schemeClr val="tx1"/>
+              </a:solidFill>
+            </a:endParaRPr>
+          </a:p>
+        </p:txBody>
+      </p:sp>
+      <p:pic>
+        <p:nvPicPr>
+          <p:cNvPr id="8" name="그림 7"/>
+          <p:cNvPicPr>
+            <a:picLocks noChangeAspect="1"/>
+          </p:cNvPicPr>
+          <p:nvPr/>
+        </p:nvPicPr>
+        <p:blipFill>
+          <a:blip r:embed="rId6"/>
+          <a:stretch>
+            <a:fillRect/>
+          </a:stretch>
+        </p:blipFill>
+        <p:spPr>
+          <a:xfrm>
+            <a:off x="5630524" y="5315995"/>
+            <a:ext cx="2195422" cy="476316"/>
+          </a:xfrm>
+          <a:prstGeom prst="rect">
+            <a:avLst/>
+          </a:prstGeom>
+        </p:spPr>
+      </p:pic>
+      <p:pic>
+        <p:nvPicPr>
+          <p:cNvPr id="12" name="그림 11"/>
+          <p:cNvPicPr>
+            <a:picLocks noChangeAspect="1"/>
+          </p:cNvPicPr>
+          <p:nvPr/>
+        </p:nvPicPr>
+        <p:blipFill>
+          <a:blip r:embed="rId7"/>
+          <a:stretch>
+            <a:fillRect/>
+          </a:stretch>
+        </p:blipFill>
+        <p:spPr>
+          <a:xfrm>
+            <a:off x="5654191" y="2561968"/>
+            <a:ext cx="2171755" cy="468259"/>
+          </a:xfrm>
+          <a:prstGeom prst="rect">
+            <a:avLst/>
+          </a:prstGeom>
+        </p:spPr>
+      </p:pic>
+      <p:pic>
+        <p:nvPicPr>
+          <p:cNvPr id="13" name="그림 12"/>
+          <p:cNvPicPr>
+            <a:picLocks noChangeAspect="1"/>
+          </p:cNvPicPr>
+          <p:nvPr/>
+        </p:nvPicPr>
+        <p:blipFill>
+          <a:blip r:embed="rId8"/>
+          <a:stretch>
+            <a:fillRect/>
+          </a:stretch>
+        </p:blipFill>
+        <p:spPr>
+          <a:xfrm>
+            <a:off x="5682296" y="3105883"/>
+            <a:ext cx="2082920" cy="538283"/>
+          </a:xfrm>
+          <a:prstGeom prst="rect">
+            <a:avLst/>
+          </a:prstGeom>
+        </p:spPr>
+      </p:pic>
+      <p:pic>
+        <p:nvPicPr>
+          <p:cNvPr id="14" name="그림 13"/>
+          <p:cNvPicPr>
+            <a:picLocks noChangeAspect="1"/>
+          </p:cNvPicPr>
+          <p:nvPr/>
+        </p:nvPicPr>
+        <p:blipFill>
+          <a:blip r:embed="rId9"/>
+          <a:stretch>
+            <a:fillRect/>
+          </a:stretch>
+        </p:blipFill>
+        <p:spPr>
+          <a:xfrm>
+            <a:off x="5653653" y="3946163"/>
+            <a:ext cx="2111563" cy="160575"/>
+          </a:xfrm>
+          <a:prstGeom prst="rect">
+            <a:avLst/>
+          </a:prstGeom>
+        </p:spPr>
+      </p:pic>
+      <p:pic>
+        <p:nvPicPr>
+          <p:cNvPr id="18" name="그림 17"/>
+          <p:cNvPicPr>
+            <a:picLocks noChangeAspect="1"/>
+          </p:cNvPicPr>
+          <p:nvPr/>
+        </p:nvPicPr>
+        <p:blipFill>
+          <a:blip r:embed="rId10"/>
+          <a:stretch>
+            <a:fillRect/>
+          </a:stretch>
+        </p:blipFill>
+        <p:spPr>
+          <a:xfrm>
+            <a:off x="5521671" y="4664132"/>
+            <a:ext cx="2404169" cy="1882713"/>
+          </a:xfrm>
+          <a:prstGeom prst="rect">
+            <a:avLst/>
+          </a:prstGeom>
+        </p:spPr>
+      </p:pic>
+      <p:sp>
+        <p:nvSpPr>
+          <p:cNvPr id="19" name="직사각형 18"/>
+          <p:cNvSpPr/>
+          <p:nvPr/>
+        </p:nvSpPr>
+        <p:spPr>
+          <a:xfrm>
+            <a:off x="5679383" y="4146538"/>
+            <a:ext cx="959746" cy="354227"/>
+          </a:xfrm>
+          <a:prstGeom prst="rect">
+            <a:avLst/>
+          </a:prstGeom>
+          <a:solidFill>
+            <a:schemeClr val="bg1"/>
+          </a:solidFill>
+          <a:ln>
+            <a:noFill/>
+          </a:ln>
+        </p:spPr>
+        <p:style>
+          <a:lnRef idx="2">
+            <a:schemeClr val="accent1">
+              <a:shade val="50000"/>
+            </a:schemeClr>
+          </a:lnRef>
+          <a:fillRef idx="1">
+            <a:schemeClr val="accent1"/>
+          </a:fillRef>
+          <a:effectRef idx="0">
+            <a:schemeClr val="accent1"/>
+          </a:effectRef>
+          <a:fontRef idx="minor">
+            <a:schemeClr val="lt1"/>
+          </a:fontRef>
+        </p:style>
+        <p:txBody>
+          <a:bodyPr rtlCol="0" anchor="ctr"/>
+          <a:lstStyle/>
+          <a:p>
+            <a:r>
+              <a:rPr lang="ko-KR" altLang="en-US" sz="1100" b="1" dirty="0" smtClean="0">
+                <a:solidFill>
+                  <a:schemeClr val="tx1"/>
+                </a:solidFill>
+              </a:rPr>
+              <a:t>결제 금액 </a:t>
+            </a:r>
+            <a:r>
+              <a:rPr lang="en-US" altLang="ko-KR" sz="1100" b="1" dirty="0" smtClean="0">
+                <a:solidFill>
+                  <a:schemeClr val="tx1"/>
+                </a:solidFill>
+              </a:rPr>
+              <a:t>  </a:t>
+            </a:r>
+            <a:endParaRPr lang="ko-KR" altLang="en-US" sz="1100" b="1" dirty="0">
+              <a:solidFill>
+                <a:schemeClr val="tx1"/>
+              </a:solidFill>
+            </a:endParaRPr>
+          </a:p>
+        </p:txBody>
+      </p:sp>
+      <p:sp>
+        <p:nvSpPr>
+          <p:cNvPr id="25" name="직사각형 24"/>
+          <p:cNvSpPr/>
+          <p:nvPr/>
+        </p:nvSpPr>
+        <p:spPr>
+          <a:xfrm>
+            <a:off x="6805470" y="4152184"/>
+            <a:ext cx="959746" cy="354227"/>
+          </a:xfrm>
+          <a:prstGeom prst="rect">
+            <a:avLst/>
+          </a:prstGeom>
+          <a:solidFill>
+            <a:schemeClr val="bg1"/>
+          </a:solidFill>
+          <a:ln>
+            <a:noFill/>
+          </a:ln>
+        </p:spPr>
+        <p:style>
+          <a:lnRef idx="2">
+            <a:schemeClr val="accent1">
+              <a:shade val="50000"/>
+            </a:schemeClr>
+          </a:lnRef>
+          <a:fillRef idx="1">
+            <a:schemeClr val="accent1"/>
+          </a:fillRef>
+          <a:effectRef idx="0">
+            <a:schemeClr val="accent1"/>
+          </a:effectRef>
+          <a:fontRef idx="minor">
+            <a:schemeClr val="lt1"/>
+          </a:fontRef>
+        </p:style>
+        <p:txBody>
+          <a:bodyPr rtlCol="0" anchor="ctr"/>
+          <a:lstStyle/>
+          <a:p>
+            <a:pPr algn="r"/>
+            <a:r>
+              <a:rPr lang="en-US" altLang="ko-KR" sz="1000" b="1" dirty="0" smtClean="0">
+                <a:solidFill>
+                  <a:schemeClr val="tx1"/>
+                </a:solidFill>
+              </a:rPr>
+              <a:t>50000</a:t>
+            </a:r>
+            <a:r>
+              <a:rPr lang="ko-KR" altLang="en-US" sz="1000" b="1" dirty="0" smtClean="0">
+                <a:solidFill>
+                  <a:schemeClr val="tx1"/>
+                </a:solidFill>
+              </a:rPr>
+              <a:t>원</a:t>
+            </a:r>
+            <a:endParaRPr lang="ko-KR" altLang="en-US" sz="1000" b="1" dirty="0">
+              <a:solidFill>
+                <a:schemeClr val="tx1"/>
+              </a:solidFill>
+            </a:endParaRPr>
+          </a:p>
+        </p:txBody>
+      </p:sp>
+      <p:sp>
+        <p:nvSpPr>
+          <p:cNvPr id="30" name="직사각형 29"/>
+          <p:cNvSpPr/>
+          <p:nvPr/>
+        </p:nvSpPr>
+        <p:spPr>
+          <a:xfrm>
+            <a:off x="6639129" y="4745698"/>
+            <a:ext cx="1458268" cy="105511"/>
+          </a:xfrm>
+          <a:prstGeom prst="rect">
+            <a:avLst/>
+          </a:prstGeom>
+          <a:noFill/>
+          <a:ln>
+            <a:noFill/>
+          </a:ln>
+        </p:spPr>
+        <p:style>
+          <a:lnRef idx="2">
+            <a:schemeClr val="accent1">
+              <a:shade val="50000"/>
+            </a:schemeClr>
+          </a:lnRef>
+          <a:fillRef idx="1">
+            <a:schemeClr val="accent1"/>
+          </a:fillRef>
+          <a:effectRef idx="0">
+            <a:schemeClr val="accent1"/>
+          </a:effectRef>
+          <a:fontRef idx="minor">
+            <a:schemeClr val="lt1"/>
+          </a:fontRef>
+        </p:style>
+        <p:txBody>
+          <a:bodyPr rtlCol="0" anchor="ctr"/>
+          <a:lstStyle/>
+          <a:p>
+            <a:pPr algn="ctr"/>
+            <a:r>
+              <a:rPr lang="en-US" altLang="ko-KR" sz="800" dirty="0" smtClean="0">
+                <a:solidFill>
+                  <a:srgbClr val="FF0000"/>
+                </a:solidFill>
+              </a:rPr>
+              <a:t>*1</a:t>
+            </a:r>
+            <a:r>
+              <a:rPr lang="ko-KR" altLang="en-US" sz="800" dirty="0" smtClean="0">
+                <a:solidFill>
+                  <a:srgbClr val="FF0000"/>
+                </a:solidFill>
+              </a:rPr>
+              <a:t>인 금액 </a:t>
+            </a:r>
+            <a:r>
+              <a:rPr lang="en-US" altLang="ko-KR" sz="800" dirty="0" smtClean="0">
+                <a:solidFill>
+                  <a:srgbClr val="FF0000"/>
+                </a:solidFill>
+              </a:rPr>
+              <a:t>: 50,000 </a:t>
+            </a:r>
+            <a:r>
+              <a:rPr lang="ko-KR" altLang="en-US" sz="800" dirty="0">
+                <a:solidFill>
+                  <a:srgbClr val="FF0000"/>
+                </a:solidFill>
+              </a:rPr>
+              <a:t>원</a:t>
+            </a:r>
+          </a:p>
+        </p:txBody>
+      </p:sp>
+      <p:graphicFrame>
+        <p:nvGraphicFramePr>
+          <p:cNvPr id="27" name="표 26"/>
+          <p:cNvGraphicFramePr>
+            <a:graphicFrameLocks noGrp="1"/>
+          </p:cNvGraphicFramePr>
+          <p:nvPr>
+            <p:extLst>
+              <p:ext uri="{D42A27DB-BD31-4B8C-83A1-F6EECF244321}">
+                <p14:modId xmlns:p14="http://schemas.microsoft.com/office/powerpoint/2010/main" val="2867297473"/>
+              </p:ext>
+            </p:extLst>
+          </p:nvPr>
+        </p:nvGraphicFramePr>
+        <p:xfrm>
+          <a:off x="8517924" y="1283516"/>
+          <a:ext cx="3491813" cy="848244"/>
+        </p:xfrm>
+        <a:graphic>
+          <a:graphicData uri="http://schemas.openxmlformats.org/drawingml/2006/table">
+            <a:tbl>
+              <a:tblPr firstRow="1" bandRow="1">
+                <a:noFill/>
+              </a:tblPr>
+              <a:tblGrid>
+                <a:gridCol w="3491813"/>
+              </a:tblGrid>
+              <a:tr h="413450">
+                <a:tc>
+                  <a:txBody>
+                    <a:bodyPr/>
+                    <a:lstStyle/>
+                    <a:p>
+                      <a:pPr marL="0" marR="0" lvl="0" indent="0" algn="ctr" rtl="0">
+                        <a:lnSpc>
+                          <a:spcPct val="100000"/>
+                        </a:lnSpc>
+                        <a:spcBef>
+                          <a:spcPts val="0"/>
+                        </a:spcBef>
+                        <a:spcAft>
+                          <a:spcPts val="0"/>
+                        </a:spcAft>
+                        <a:buClr>
+                          <a:srgbClr val="000000"/>
+                        </a:buClr>
+                        <a:buSzPts val="1500"/>
+                        <a:buFont typeface="Arial"/>
+                        <a:buNone/>
+                      </a:pPr>
+                      <a:r>
+                        <a:rPr lang="ko-KR" altLang="en-US" sz="1700" b="0" u="none" strike="noStrike" cap="none" dirty="0" smtClean="0">
+                          <a:solidFill>
+                            <a:schemeClr val="dk1"/>
+                          </a:solidFill>
+                        </a:rPr>
+                        <a:t>화면코드</a:t>
+                      </a:r>
+                      <a:endParaRPr sz="1700" b="0" u="none" strike="noStrike" cap="none" dirty="0">
+                        <a:solidFill>
+                          <a:schemeClr val="dk1"/>
+                        </a:solidFill>
+                      </a:endParaRPr>
+                    </a:p>
+                  </a:txBody>
+                  <a:tcPr marL="74304" marR="74304" marT="45725" marB="45725" anchor="ctr">
+                    <a:lnL w="12700" cap="flat" cmpd="sng">
+                      <a:solidFill>
+                        <a:schemeClr val="dk1"/>
+                      </a:solidFill>
+                      <a:prstDash val="solid"/>
+                      <a:round/>
+                      <a:headEnd type="none" w="sm" len="sm"/>
+                      <a:tailEnd type="none" w="sm" len="sm"/>
+                    </a:lnL>
+                    <a:lnR w="12700" cap="flat" cmpd="sng">
+                      <a:solidFill>
+                        <a:schemeClr val="dk1"/>
+                      </a:solidFill>
+                      <a:prstDash val="solid"/>
+                      <a:round/>
+                      <a:headEnd type="none" w="sm" len="sm"/>
+                      <a:tailEnd type="none" w="sm" len="sm"/>
+                    </a:lnR>
+                    <a:lnT w="12700" cap="flat" cmpd="sng">
+                      <a:solidFill>
+                        <a:schemeClr val="dk1"/>
+                      </a:solidFill>
+                      <a:prstDash val="solid"/>
+                      <a:round/>
+                      <a:headEnd type="none" w="sm" len="sm"/>
+                      <a:tailEnd type="none" w="sm" len="sm"/>
+                    </a:lnT>
+                    <a:lnB w="12700" cap="flat" cmpd="sng" algn="ctr">
+                      <a:solidFill>
+                        <a:schemeClr val="dk1"/>
+                      </a:solidFill>
+                      <a:prstDash val="solid"/>
+                      <a:round/>
+                      <a:headEnd type="none" w="sm" len="sm"/>
+                      <a:tailEnd type="none" w="sm" len="sm"/>
+                    </a:lnB>
+                    <a:solidFill>
+                      <a:srgbClr val="D8D8D8"/>
+                    </a:solidFill>
+                  </a:tcPr>
+                </a:tc>
+              </a:tr>
+              <a:tr h="434794">
+                <a:tc>
+                  <a:txBody>
+                    <a:bodyPr/>
+                    <a:lstStyle/>
+                    <a:p>
+                      <a:pPr marL="0" marR="0" lvl="0" indent="0" algn="ctr" defTabSz="914400" rtl="0" eaLnBrk="1" fontAlgn="auto" latinLnBrk="1" hangingPunct="1">
+                        <a:lnSpc>
+                          <a:spcPct val="100000"/>
+                        </a:lnSpc>
+                        <a:spcBef>
+                          <a:spcPts val="0"/>
+                        </a:spcBef>
+                        <a:spcAft>
+                          <a:spcPts val="0"/>
+                        </a:spcAft>
+                        <a:buClrTx/>
+                        <a:buSzTx/>
+                        <a:buFontTx/>
+                        <a:buNone/>
+                        <a:tabLst/>
+                        <a:defRPr sz="1000" b="0">
+                          <a:solidFill>
+                            <a:srgbClr val="000000"/>
+                          </a:solidFill>
+                          <a:latin typeface="Arial"/>
+                          <a:ea typeface="Arial"/>
+                          <a:cs typeface="Arial"/>
+                          <a:sym typeface="Arial"/>
+                        </a:defRPr>
+                      </a:pPr>
+                      <a:r>
+                        <a:rPr lang="en-US" altLang="ko-KR" sz="1700" b="0" u="none" strike="noStrike" cap="none" dirty="0" err="1" smtClean="0">
+                          <a:solidFill>
+                            <a:schemeClr val="dk1"/>
+                          </a:solidFill>
+                        </a:rPr>
+                        <a:t>sh_user_w_semiDetail</a:t>
+                      </a:r>
+                      <a:endParaRPr lang="en-US" altLang="ko-KR" sz="1700" b="0" u="none" strike="noStrike" cap="none" dirty="0">
+                        <a:solidFill>
+                          <a:schemeClr val="dk1"/>
+                        </a:solidFill>
+                      </a:endParaRPr>
+                    </a:p>
+                  </a:txBody>
+                  <a:tcPr marL="74304" marR="74304" marT="45725" marB="45725" anchor="ctr">
+                    <a:lnL w="12700" cap="flat" cmpd="sng" algn="ctr">
+                      <a:solidFill>
+                        <a:schemeClr val="dk1"/>
+                      </a:solidFill>
+                      <a:prstDash val="solid"/>
+                      <a:round/>
+                      <a:headEnd type="none" w="sm" len="sm"/>
+                      <a:tailEnd type="none" w="sm" len="sm"/>
+                    </a:lnL>
+                    <a:lnR w="12700" cap="flat" cmpd="sng" algn="ctr">
+                      <a:solidFill>
+                        <a:schemeClr val="dk1"/>
+                      </a:solidFill>
+                      <a:prstDash val="solid"/>
+                      <a:round/>
+                      <a:headEnd type="none" w="sm" len="sm"/>
+                      <a:tailEnd type="none" w="sm" len="sm"/>
+                    </a:lnR>
+                    <a:lnT w="12700" cap="flat" cmpd="sng" algn="ctr">
+                      <a:solidFill>
+                        <a:schemeClr val="dk1"/>
+                      </a:solidFill>
+                      <a:prstDash val="solid"/>
+                      <a:round/>
+                      <a:headEnd type="none" w="sm" len="sm"/>
+                      <a:tailEnd type="none" w="sm" len="sm"/>
+                    </a:lnT>
+                    <a:lnB w="12700" cap="flat" cmpd="sng">
+                      <a:solidFill>
+                        <a:schemeClr val="dk1"/>
+                      </a:solidFill>
+                      <a:prstDash val="solid"/>
+                      <a:round/>
+                      <a:headEnd type="none" w="sm" len="sm"/>
+                      <a:tailEnd type="none" w="sm" len="sm"/>
+                    </a:lnB>
+                    <a:solidFill>
+                      <a:schemeClr val="bg1"/>
+                    </a:solidFill>
+                  </a:tcPr>
+                </a:tc>
+              </a:tr>
+            </a:tbl>
+          </a:graphicData>
+        </a:graphic>
+      </p:graphicFrame>
+      <p:sp>
+        <p:nvSpPr>
+          <p:cNvPr id="26" name="직사각형 25"/>
+          <p:cNvSpPr/>
+          <p:nvPr/>
+        </p:nvSpPr>
+        <p:spPr>
+          <a:xfrm>
+            <a:off x="200938" y="245240"/>
+            <a:ext cx="6899646" cy="477054"/>
+          </a:xfrm>
+          <a:prstGeom prst="rect">
+            <a:avLst/>
+          </a:prstGeom>
+        </p:spPr>
+        <p:txBody>
+          <a:bodyPr wrap="none">
+            <a:spAutoFit/>
+          </a:bodyPr>
+          <a:lstStyle/>
+          <a:p>
+            <a:pPr lvl="0" algn="ctr">
+              <a:buClr>
+                <a:srgbClr val="000000"/>
+              </a:buClr>
+              <a:buSzPts val="1500"/>
+              <a:defRPr/>
+            </a:pPr>
+            <a:r>
+              <a:rPr lang="en-US" altLang="ko-KR" sz="2500" dirty="0" smtClean="0">
+                <a:solidFill>
+                  <a:schemeClr val="bg1"/>
+                </a:solidFill>
+                <a:latin typeface="+mj-lt"/>
+              </a:rPr>
+              <a:t>[</a:t>
+            </a:r>
+            <a:r>
+              <a:rPr lang="ko-KR" altLang="en-US" sz="2500" dirty="0" smtClean="0">
+                <a:solidFill>
+                  <a:schemeClr val="bg1"/>
+                </a:solidFill>
+                <a:latin typeface="+mj-lt"/>
+              </a:rPr>
+              <a:t>화면 설계</a:t>
+            </a:r>
+            <a:r>
+              <a:rPr lang="en-US" altLang="ko-KR" sz="2500" dirty="0" smtClean="0">
+                <a:solidFill>
+                  <a:schemeClr val="bg1"/>
+                </a:solidFill>
+                <a:latin typeface="+mj-lt"/>
+              </a:rPr>
+              <a:t>]</a:t>
+            </a:r>
+            <a:r>
+              <a:rPr lang="ko-KR" altLang="en-US" sz="2500" dirty="0" smtClean="0">
+                <a:solidFill>
+                  <a:schemeClr val="bg1"/>
+                </a:solidFill>
+                <a:latin typeface="+mj-lt"/>
+              </a:rPr>
+              <a:t>사용자</a:t>
+            </a:r>
+            <a:r>
+              <a:rPr lang="en-US" altLang="ko-KR" sz="2500" dirty="0">
+                <a:solidFill>
+                  <a:schemeClr val="bg1"/>
+                </a:solidFill>
+              </a:rPr>
+              <a:t> - </a:t>
+            </a:r>
+            <a:r>
+              <a:rPr lang="ko-KR" altLang="en-US" sz="2500" dirty="0">
+                <a:solidFill>
+                  <a:schemeClr val="bg1"/>
+                </a:solidFill>
+              </a:rPr>
+              <a:t>웹</a:t>
+            </a:r>
+            <a:r>
+              <a:rPr lang="ko-KR" altLang="en-US" sz="2500" dirty="0" smtClean="0">
+                <a:solidFill>
+                  <a:schemeClr val="bg1"/>
+                </a:solidFill>
+                <a:latin typeface="+mj-lt"/>
+              </a:rPr>
+              <a:t> </a:t>
+            </a:r>
+            <a:r>
+              <a:rPr lang="en-US" altLang="ko-KR" sz="2500" dirty="0" smtClean="0">
+                <a:solidFill>
+                  <a:schemeClr val="bg1"/>
+                </a:solidFill>
+                <a:latin typeface="+mj-lt"/>
+              </a:rPr>
+              <a:t>– </a:t>
+            </a:r>
+            <a:r>
+              <a:rPr lang="ko-KR" altLang="en-US" sz="2500" dirty="0" smtClean="0">
+                <a:solidFill>
+                  <a:schemeClr val="bg1"/>
+                </a:solidFill>
+                <a:latin typeface="+mj-lt"/>
+              </a:rPr>
+              <a:t>세미나 상세페이지 </a:t>
+            </a:r>
+            <a:r>
+              <a:rPr lang="en-US" altLang="ko-KR" sz="2500" dirty="0" smtClean="0">
+                <a:solidFill>
+                  <a:schemeClr val="bg1"/>
+                </a:solidFill>
+                <a:latin typeface="+mj-lt"/>
+              </a:rPr>
+              <a:t>-2</a:t>
+            </a:r>
+            <a:endParaRPr lang="ko-KR" altLang="en-US" sz="2500" dirty="0">
+              <a:solidFill>
+                <a:schemeClr val="bg1"/>
+              </a:solidFill>
+              <a:latin typeface="+mj-lt"/>
+            </a:endParaRPr>
+          </a:p>
+        </p:txBody>
+      </p:sp>
+    </p:spTree>
+    <p:extLst>
+      <p:ext uri="{BB962C8B-B14F-4D97-AF65-F5344CB8AC3E}">
+        <p14:creationId xmlns:p14="http://schemas.microsoft.com/office/powerpoint/2010/main" val="3191213322"/>
+      </p:ext>
+    </p:extLst>
+  </p:cSld>
+  <p:clrMapOvr>
+    <a:masterClrMapping/>
+  </p:clrMapOvr>
+  <p:timing>
+    <p:tnLst>
+      <p:par>
+        <p:cTn id="1" dur="indefinite" restart="never" nodeType="tmRoot"/>
+      </p:par>
+    </p:tnLst>
+  </p:timing>
+</p:sld>
+</file>
+
+<file path=ppt/slides/slide4.xml><?xml version="1.0" encoding="utf-8"?>
+<p:sld xmlns:a="http://schemas.openxmlformats.org/drawingml/2006/main" xmlns:r="http://schemas.openxmlformats.org/officeDocument/2006/relationships" xmlns:p="http://schemas.openxmlformats.org/presentationml/2006/main">
+  <p:cSld>
+    <p:spTree>
+      <p:nvGrpSpPr>
+        <p:cNvPr id="1" name=""/>
+        <p:cNvGrpSpPr/>
+        <p:nvPr/>
+      </p:nvGrpSpPr>
+      <p:grpSpPr>
+        <a:xfrm>
+          <a:off x="0" y="0"/>
+          <a:ext cx="0" cy="0"/>
+          <a:chOff x="0" y="0"/>
+          <a:chExt cx="0" cy="0"/>
+        </a:xfrm>
+      </p:grpSpPr>
+      <p:sp>
+        <p:nvSpPr>
+          <p:cNvPr id="26" name="직사각형 25"/>
+          <p:cNvSpPr/>
+          <p:nvPr/>
+        </p:nvSpPr>
+        <p:spPr>
+          <a:xfrm>
+            <a:off x="354828" y="245240"/>
+            <a:ext cx="6591868" cy="477054"/>
+          </a:xfrm>
+          <a:prstGeom prst="rect">
+            <a:avLst/>
+          </a:prstGeom>
+        </p:spPr>
+        <p:txBody>
+          <a:bodyPr wrap="none">
+            <a:spAutoFit/>
+          </a:bodyPr>
+          <a:lstStyle/>
+          <a:p>
+            <a:pPr lvl="0" algn="ctr">
+              <a:buClr>
+                <a:srgbClr val="000000"/>
+              </a:buClr>
+              <a:buSzPts val="1500"/>
+              <a:defRPr/>
+            </a:pPr>
+            <a:r>
+              <a:rPr lang="en-US" altLang="ko-KR" sz="2500" dirty="0" smtClean="0">
+                <a:solidFill>
+                  <a:schemeClr val="bg1"/>
+                </a:solidFill>
+                <a:latin typeface="+mj-lt"/>
+              </a:rPr>
+              <a:t>[</a:t>
+            </a:r>
+            <a:r>
+              <a:rPr lang="ko-KR" altLang="en-US" sz="2500" dirty="0" smtClean="0">
+                <a:solidFill>
+                  <a:schemeClr val="bg1"/>
+                </a:solidFill>
+                <a:latin typeface="+mj-lt"/>
+              </a:rPr>
+              <a:t>화면 </a:t>
+            </a:r>
+            <a:r>
+              <a:rPr lang="ko-KR" altLang="en-US" sz="2500" dirty="0" smtClean="0">
+                <a:solidFill>
+                  <a:schemeClr val="bg1"/>
+                </a:solidFill>
+                <a:latin typeface="+mj-lt"/>
+              </a:rPr>
+              <a:t>구현</a:t>
+            </a:r>
+            <a:r>
+              <a:rPr lang="en-US" altLang="ko-KR" sz="2500" dirty="0" smtClean="0">
+                <a:solidFill>
+                  <a:schemeClr val="bg1"/>
+                </a:solidFill>
+                <a:latin typeface="+mj-lt"/>
+              </a:rPr>
+              <a:t>]</a:t>
+            </a:r>
+            <a:r>
+              <a:rPr lang="ko-KR" altLang="en-US" sz="2500" dirty="0" smtClean="0">
+                <a:solidFill>
+                  <a:schemeClr val="bg1"/>
+                </a:solidFill>
+                <a:latin typeface="+mj-lt"/>
+              </a:rPr>
+              <a:t>사용자</a:t>
+            </a:r>
+            <a:r>
+              <a:rPr lang="en-US" altLang="ko-KR" sz="2500" dirty="0">
+                <a:solidFill>
+                  <a:schemeClr val="bg1"/>
+                </a:solidFill>
+              </a:rPr>
+              <a:t> - </a:t>
+            </a:r>
+            <a:r>
+              <a:rPr lang="ko-KR" altLang="en-US" sz="2500" dirty="0">
+                <a:solidFill>
+                  <a:schemeClr val="bg1"/>
+                </a:solidFill>
+              </a:rPr>
+              <a:t>웹</a:t>
+            </a:r>
+            <a:r>
+              <a:rPr lang="ko-KR" altLang="en-US" sz="2500" dirty="0" smtClean="0">
+                <a:solidFill>
+                  <a:schemeClr val="bg1"/>
+                </a:solidFill>
+                <a:latin typeface="+mj-lt"/>
+              </a:rPr>
+              <a:t> </a:t>
+            </a:r>
+            <a:r>
+              <a:rPr lang="en-US" altLang="ko-KR" sz="2500" dirty="0" smtClean="0">
+                <a:solidFill>
+                  <a:schemeClr val="bg1"/>
+                </a:solidFill>
+                <a:latin typeface="+mj-lt"/>
+              </a:rPr>
+              <a:t>– </a:t>
+            </a:r>
+            <a:r>
+              <a:rPr lang="ko-KR" altLang="en-US" sz="2500" dirty="0" smtClean="0">
+                <a:solidFill>
+                  <a:schemeClr val="bg1"/>
+                </a:solidFill>
+                <a:latin typeface="+mj-lt"/>
+              </a:rPr>
+              <a:t>세미나 </a:t>
+            </a:r>
+            <a:r>
+              <a:rPr lang="ko-KR" altLang="en-US" sz="2500" dirty="0" smtClean="0">
+                <a:solidFill>
+                  <a:schemeClr val="bg1"/>
+                </a:solidFill>
+                <a:latin typeface="+mj-lt"/>
+              </a:rPr>
+              <a:t>상세페이지</a:t>
+            </a:r>
+            <a:endParaRPr lang="ko-KR" altLang="en-US" sz="2500" dirty="0">
+              <a:solidFill>
+                <a:schemeClr val="bg1"/>
+              </a:solidFill>
+              <a:latin typeface="+mj-lt"/>
+            </a:endParaRPr>
+          </a:p>
+        </p:txBody>
+      </p:sp>
+      <p:pic>
+        <p:nvPicPr>
+          <p:cNvPr id="1026" name="Picture 2"/>
+          <p:cNvPicPr>
+            <a:picLocks noChangeAspect="1" noChangeArrowheads="1"/>
+          </p:cNvPicPr>
+          <p:nvPr/>
+        </p:nvPicPr>
+        <p:blipFill>
+          <a:blip r:embed="rId2">
+            <a:extLst>
+              <a:ext uri="{28A0092B-C50C-407E-A947-70E740481C1C}">
+                <a14:useLocalDpi xmlns:a14="http://schemas.microsoft.com/office/drawing/2010/main" val="0"/>
+              </a:ext>
+            </a:extLst>
+          </a:blip>
+          <a:srcRect/>
+          <a:stretch>
+            <a:fillRect/>
+          </a:stretch>
+        </p:blipFill>
+        <p:spPr bwMode="auto">
+          <a:xfrm>
+            <a:off x="1561911" y="1705232"/>
+            <a:ext cx="9031416" cy="4694610"/>
+          </a:xfrm>
+          <a:prstGeom prst="rect">
+            <a:avLst/>
+          </a:prstGeom>
+          <a:noFill/>
+          <a:ln>
+            <a:noFill/>
+          </a:ln>
+          <a:effectLst/>
+          <a:extLst>
+            <a:ext uri="{909E8E84-426E-40DD-AFC4-6F175D3DCCD1}">
+              <a14:hiddenFill xmlns:a14="http://schemas.microsoft.com/office/drawing/2010/main">
+                <a:solidFill>
+                  <a:schemeClr val="accent1"/>
+                </a:solidFill>
+              </a14:hiddenFill>
+            </a:ext>
+            <a:ext uri="{91240B29-F687-4F45-9708-019B960494DF}">
+              <a14:hiddenLine xmlns:a14="http://schemas.microsoft.com/office/drawing/2010/main" w="9525">
+                <a:solidFill>
+                  <a:schemeClr val="tx1"/>
+                </a:solidFill>
+                <a:miter lim="800000"/>
+                <a:headEnd/>
+                <a:tailEnd/>
+              </a14:hiddenLine>
+            </a:ext>
+            <a:ext uri="{AF507438-7753-43E0-B8FC-AC1667EBCBE1}">
+              <a14:hiddenEffects xmlns:a14="http://schemas.microsoft.com/office/drawing/2010/main">
+                <a:effectLst>
+                  <a:outerShdw dist="35921" dir="2700000" algn="ctr" rotWithShape="0">
+                    <a:schemeClr val="bg2"/>
+                  </a:outerShdw>
+                </a:effectLst>
+              </a14:hiddenEffects>
+            </a:ext>
+          </a:extLst>
+        </p:spPr>
+      </p:pic>
+    </p:spTree>
+    <p:extLst>
+      <p:ext uri="{BB962C8B-B14F-4D97-AF65-F5344CB8AC3E}">
+        <p14:creationId xmlns:p14="http://schemas.microsoft.com/office/powerpoint/2010/main" val="3333256868"/>
+      </p:ext>
+    </p:extLst>
+  </p:cSld>
+  <p:clrMapOvr>
+    <a:masterClrMapping/>
+  </p:clrMapOvr>
+  <p:timing>
+    <p:tnLst>
+      <p:par>
+        <p:cTn id="1" dur="indefinite" restart="never" nodeType="tmRoot"/>
+      </p:par>
+    </p:tnLst>
+  </p:timing>
+</p:sld>
+</file>
+
+<file path=ppt/slides/slide5.xml><?xml version="1.0" encoding="utf-8"?>
+<p:sld xmlns:a="http://schemas.openxmlformats.org/drawingml/2006/main" xmlns:r="http://schemas.openxmlformats.org/officeDocument/2006/relationships" xmlns:p="http://schemas.openxmlformats.org/presentationml/2006/main">
+  <p:cSld>
+    <p:spTree>
+      <p:nvGrpSpPr>
+        <p:cNvPr id="1" name=""/>
+        <p:cNvGrpSpPr/>
+        <p:nvPr/>
+      </p:nvGrpSpPr>
+      <p:grpSpPr>
+        <a:xfrm>
+          <a:off x="0" y="0"/>
+          <a:ext cx="0" cy="0"/>
+          <a:chOff x="0" y="0"/>
+          <a:chExt cx="0" cy="0"/>
+        </a:xfrm>
+      </p:grpSpPr>
+      <p:grpSp>
+        <p:nvGrpSpPr>
+          <p:cNvPr id="7" name="그룹 6"/>
+          <p:cNvGrpSpPr/>
+          <p:nvPr/>
+        </p:nvGrpSpPr>
+        <p:grpSpPr>
+          <a:xfrm>
+            <a:off x="2215222" y="2013345"/>
+            <a:ext cx="7423377" cy="3936021"/>
+            <a:chOff x="1151435" y="1859173"/>
+            <a:chExt cx="7423377" cy="3936021"/>
+          </a:xfrm>
+        </p:grpSpPr>
+        <p:pic>
+          <p:nvPicPr>
+            <p:cNvPr id="2051" name="Picture 3"/>
+            <p:cNvPicPr>
+              <a:picLocks noChangeAspect="1" noChangeArrowheads="1"/>
+            </p:cNvPicPr>
+            <p:nvPr/>
+          </p:nvPicPr>
+          <p:blipFill>
+            <a:blip r:embed="rId2">
+              <a:extLst>
+                <a:ext uri="{28A0092B-C50C-407E-A947-70E740481C1C}">
+                  <a14:useLocalDpi xmlns:a14="http://schemas.microsoft.com/office/drawing/2010/main" val="0"/>
+                </a:ext>
+              </a:extLst>
+            </a:blip>
+            <a:srcRect/>
+            <a:stretch>
+              <a:fillRect/>
+            </a:stretch>
+          </p:blipFill>
+          <p:spPr bwMode="auto">
+            <a:xfrm>
+              <a:off x="1622828" y="1859173"/>
+              <a:ext cx="5732764" cy="391393"/>
+            </a:xfrm>
+            <a:prstGeom prst="rect">
+              <a:avLst/>
+            </a:prstGeom>
+            <a:noFill/>
+            <a:ln>
+              <a:noFill/>
+            </a:ln>
+            <a:effectLst/>
+            <a:extLst>
+              <a:ext uri="{909E8E84-426E-40DD-AFC4-6F175D3DCCD1}">
+                <a14:hiddenFill xmlns:a14="http://schemas.microsoft.com/office/drawing/2010/main">
+                  <a:solidFill>
+                    <a:schemeClr val="accent1"/>
+                  </a:solidFill>
+                </a14:hiddenFill>
+              </a:ext>
+              <a:ext uri="{91240B29-F687-4F45-9708-019B960494DF}">
+                <a14:hiddenLine xmlns:a14="http://schemas.microsoft.com/office/drawing/2010/main" w="9525">
+                  <a:solidFill>
+                    <a:schemeClr val="tx1"/>
+                  </a:solidFill>
+                  <a:miter lim="800000"/>
+                  <a:headEnd/>
+                  <a:tailEnd/>
+                </a14:hiddenLine>
+              </a:ext>
+              <a:ext uri="{AF507438-7753-43E0-B8FC-AC1667EBCBE1}">
+                <a14:hiddenEffects xmlns:a14="http://schemas.microsoft.com/office/drawing/2010/main">
+                  <a:effectLst>
+                    <a:outerShdw dist="35921" dir="2700000" algn="ctr" rotWithShape="0">
+                      <a:schemeClr val="bg2"/>
+                    </a:outerShdw>
+                  </a:effectLst>
+                </a14:hiddenEffects>
+              </a:ext>
+            </a:extLst>
+          </p:spPr>
+        </p:pic>
+        <p:pic>
+          <p:nvPicPr>
+            <p:cNvPr id="2052" name="Picture 4"/>
+            <p:cNvPicPr>
+              <a:picLocks noChangeAspect="1" noChangeArrowheads="1"/>
+            </p:cNvPicPr>
+            <p:nvPr/>
+          </p:nvPicPr>
+          <p:blipFill>
+            <a:blip r:embed="rId3">
+              <a:extLst>
+                <a:ext uri="{28A0092B-C50C-407E-A947-70E740481C1C}">
+                  <a14:useLocalDpi xmlns:a14="http://schemas.microsoft.com/office/drawing/2010/main" val="0"/>
+                </a:ext>
+              </a:extLst>
+            </a:blip>
+            <a:srcRect/>
+            <a:stretch>
+              <a:fillRect/>
+            </a:stretch>
+          </p:blipFill>
+          <p:spPr bwMode="auto">
+            <a:xfrm>
+              <a:off x="1729127" y="3459247"/>
+              <a:ext cx="5964237" cy="257175"/>
+            </a:xfrm>
+            <a:prstGeom prst="rect">
+              <a:avLst/>
+            </a:prstGeom>
+            <a:noFill/>
+            <a:ln>
+              <a:noFill/>
+            </a:ln>
+            <a:effectLst/>
+            <a:extLst>
+              <a:ext uri="{909E8E84-426E-40DD-AFC4-6F175D3DCCD1}">
+                <a14:hiddenFill xmlns:a14="http://schemas.microsoft.com/office/drawing/2010/main">
+                  <a:solidFill>
+                    <a:schemeClr val="accent1"/>
+                  </a:solidFill>
+                </a14:hiddenFill>
+              </a:ext>
+              <a:ext uri="{91240B29-F687-4F45-9708-019B960494DF}">
+                <a14:hiddenLine xmlns:a14="http://schemas.microsoft.com/office/drawing/2010/main" w="9525">
+                  <a:solidFill>
+                    <a:schemeClr val="tx1"/>
+                  </a:solidFill>
+                  <a:miter lim="800000"/>
+                  <a:headEnd/>
+                  <a:tailEnd/>
+                </a14:hiddenLine>
+              </a:ext>
+              <a:ext uri="{AF507438-7753-43E0-B8FC-AC1667EBCBE1}">
+                <a14:hiddenEffects xmlns:a14="http://schemas.microsoft.com/office/drawing/2010/main">
+                  <a:effectLst>
+                    <a:outerShdw dist="35921" dir="2700000" algn="ctr" rotWithShape="0">
+                      <a:schemeClr val="bg2"/>
+                    </a:outerShdw>
+                  </a:effectLst>
+                </a14:hiddenEffects>
+              </a:ext>
+            </a:extLst>
+          </p:spPr>
+        </p:pic>
+        <p:pic>
+          <p:nvPicPr>
+            <p:cNvPr id="2053" name="Picture 5"/>
+            <p:cNvPicPr>
+              <a:picLocks noChangeAspect="1" noChangeArrowheads="1"/>
+            </p:cNvPicPr>
+            <p:nvPr/>
+          </p:nvPicPr>
+          <p:blipFill>
+            <a:blip r:embed="rId4">
+              <a:extLst>
+                <a:ext uri="{28A0092B-C50C-407E-A947-70E740481C1C}">
+                  <a14:useLocalDpi xmlns:a14="http://schemas.microsoft.com/office/drawing/2010/main" val="0"/>
+                </a:ext>
+              </a:extLst>
+            </a:blip>
+            <a:srcRect/>
+            <a:stretch>
+              <a:fillRect/>
+            </a:stretch>
+          </p:blipFill>
+          <p:spPr bwMode="auto">
+            <a:xfrm>
+              <a:off x="1622828" y="4918894"/>
+              <a:ext cx="6811963" cy="876300"/>
+            </a:xfrm>
+            <a:prstGeom prst="rect">
+              <a:avLst/>
+            </a:prstGeom>
+            <a:noFill/>
+            <a:ln>
+              <a:noFill/>
+            </a:ln>
+            <a:effectLst/>
+            <a:extLst>
+              <a:ext uri="{909E8E84-426E-40DD-AFC4-6F175D3DCCD1}">
+                <a14:hiddenFill xmlns:a14="http://schemas.microsoft.com/office/drawing/2010/main">
+                  <a:solidFill>
+                    <a:schemeClr val="accent1"/>
+                  </a:solidFill>
+                </a14:hiddenFill>
+              </a:ext>
+              <a:ext uri="{91240B29-F687-4F45-9708-019B960494DF}">
+                <a14:hiddenLine xmlns:a14="http://schemas.microsoft.com/office/drawing/2010/main" w="9525">
+                  <a:solidFill>
+                    <a:schemeClr val="tx1"/>
+                  </a:solidFill>
+                  <a:miter lim="800000"/>
+                  <a:headEnd/>
+                  <a:tailEnd/>
+                </a14:hiddenLine>
+              </a:ext>
+              <a:ext uri="{AF507438-7753-43E0-B8FC-AC1667EBCBE1}">
+                <a14:hiddenEffects xmlns:a14="http://schemas.microsoft.com/office/drawing/2010/main">
+                  <a:effectLst>
+                    <a:outerShdw dist="35921" dir="2700000" algn="ctr" rotWithShape="0">
+                      <a:schemeClr val="bg2"/>
+                    </a:outerShdw>
+                  </a:effectLst>
+                </a14:hiddenEffects>
+              </a:ext>
+            </a:extLst>
+          </p:spPr>
+        </p:pic>
+        <p:sp>
+          <p:nvSpPr>
+            <p:cNvPr id="4" name="직사각형 3"/>
+            <p:cNvSpPr/>
+            <p:nvPr/>
+          </p:nvSpPr>
+          <p:spPr>
+            <a:xfrm>
+              <a:off x="4184066" y="2563601"/>
+              <a:ext cx="3937686" cy="461319"/>
+            </a:xfrm>
+            <a:prstGeom prst="rect">
+              <a:avLst/>
+            </a:prstGeom>
+            <a:noFill/>
+            <a:ln>
+              <a:solidFill>
+                <a:schemeClr val="bg1"/>
+              </a:solidFill>
+            </a:ln>
+          </p:spPr>
+          <p:style>
+            <a:lnRef idx="2">
+              <a:schemeClr val="accent1">
+                <a:shade val="50000"/>
+              </a:schemeClr>
+            </a:lnRef>
+            <a:fillRef idx="1">
+              <a:schemeClr val="accent1"/>
+            </a:fillRef>
+            <a:effectRef idx="0">
+              <a:schemeClr val="accent1"/>
+            </a:effectRef>
+            <a:fontRef idx="minor">
+              <a:schemeClr val="lt1"/>
+            </a:fontRef>
+          </p:style>
+          <p:txBody>
+            <a:bodyPr rtlCol="0" anchor="ctr"/>
+            <a:lstStyle/>
+            <a:p>
+              <a:pPr algn="ctr"/>
+              <a:r>
+                <a:rPr lang="en-US" altLang="ko-KR" sz="1500" dirty="0" err="1">
+                  <a:solidFill>
+                    <a:schemeClr val="tx1"/>
+                  </a:solidFill>
+                </a:rPr>
+                <a:t>u</a:t>
+              </a:r>
+              <a:r>
+                <a:rPr lang="en-US" altLang="ko-KR" sz="1500" dirty="0" err="1" smtClean="0">
+                  <a:solidFill>
+                    <a:schemeClr val="tx1"/>
+                  </a:solidFill>
+                </a:rPr>
+                <a:t>rl</a:t>
+              </a:r>
+              <a:r>
+                <a:rPr lang="ko-KR" altLang="en-US" sz="1500" dirty="0" smtClean="0">
+                  <a:solidFill>
+                    <a:schemeClr val="tx1"/>
+                  </a:solidFill>
+                </a:rPr>
+                <a:t>로 세미나 코드 </a:t>
+              </a:r>
+              <a:r>
+                <a:rPr lang="ko-KR" altLang="en-US" sz="1500" dirty="0" err="1" smtClean="0">
+                  <a:solidFill>
+                    <a:schemeClr val="tx1"/>
+                  </a:solidFill>
+                </a:rPr>
+                <a:t>파라미터</a:t>
+              </a:r>
+              <a:r>
+                <a:rPr lang="ko-KR" altLang="en-US" sz="1500" dirty="0" smtClean="0">
+                  <a:solidFill>
+                    <a:schemeClr val="tx1"/>
+                  </a:solidFill>
+                </a:rPr>
+                <a:t> 전</a:t>
+              </a:r>
+              <a:r>
+                <a:rPr lang="ko-KR" altLang="en-US" sz="1500" dirty="0">
+                  <a:solidFill>
+                    <a:schemeClr val="tx1"/>
+                  </a:solidFill>
+                </a:rPr>
+                <a:t>달</a:t>
+              </a:r>
+            </a:p>
+          </p:txBody>
+        </p:sp>
+        <p:sp>
+          <p:nvSpPr>
+            <p:cNvPr id="9" name="직사각형 8"/>
+            <p:cNvSpPr/>
+            <p:nvPr/>
+          </p:nvSpPr>
+          <p:spPr>
+            <a:xfrm>
+              <a:off x="4637126" y="3981356"/>
+              <a:ext cx="3937686" cy="461319"/>
+            </a:xfrm>
+            <a:prstGeom prst="rect">
+              <a:avLst/>
+            </a:prstGeom>
+            <a:noFill/>
+            <a:ln>
+              <a:noFill/>
+            </a:ln>
+          </p:spPr>
+          <p:style>
+            <a:lnRef idx="2">
+              <a:schemeClr val="accent1">
+                <a:shade val="50000"/>
+              </a:schemeClr>
+            </a:lnRef>
+            <a:fillRef idx="1">
+              <a:schemeClr val="accent1"/>
+            </a:fillRef>
+            <a:effectRef idx="0">
+              <a:schemeClr val="accent1"/>
+            </a:effectRef>
+            <a:fontRef idx="minor">
+              <a:schemeClr val="lt1"/>
+            </a:fontRef>
+          </p:style>
+          <p:txBody>
+            <a:bodyPr rtlCol="0" anchor="ctr"/>
+            <a:lstStyle/>
+            <a:p>
+              <a:r>
+                <a:rPr lang="en-US" altLang="ko-KR" sz="1500" dirty="0" smtClean="0">
+                  <a:solidFill>
+                    <a:schemeClr val="tx1"/>
+                  </a:solidFill>
+                </a:rPr>
+                <a:t>Dao</a:t>
+              </a:r>
+              <a:r>
+                <a:rPr lang="ko-KR" altLang="en-US" sz="1500" dirty="0" smtClean="0">
+                  <a:solidFill>
+                    <a:schemeClr val="tx1"/>
+                  </a:solidFill>
+                </a:rPr>
+                <a:t>와 연결</a:t>
+              </a:r>
+              <a:endParaRPr lang="ko-KR" altLang="en-US" sz="1500" dirty="0">
+                <a:solidFill>
+                  <a:schemeClr val="tx1"/>
+                </a:solidFill>
+              </a:endParaRPr>
+            </a:p>
+          </p:txBody>
+        </p:sp>
+        <p:sp>
+          <p:nvSpPr>
+            <p:cNvPr id="10" name="직사각형 9"/>
+            <p:cNvSpPr/>
+            <p:nvPr/>
+          </p:nvSpPr>
+          <p:spPr>
+            <a:xfrm>
+              <a:off x="1210144" y="3090825"/>
+              <a:ext cx="1155383" cy="381625"/>
+            </a:xfrm>
+            <a:prstGeom prst="rect">
+              <a:avLst/>
+            </a:prstGeom>
+            <a:noFill/>
+            <a:ln>
+              <a:noFill/>
+            </a:ln>
+          </p:spPr>
+          <p:style>
+            <a:lnRef idx="2">
+              <a:schemeClr val="accent1">
+                <a:shade val="50000"/>
+              </a:schemeClr>
+            </a:lnRef>
+            <a:fillRef idx="1">
+              <a:schemeClr val="accent1"/>
+            </a:fillRef>
+            <a:effectRef idx="0">
+              <a:schemeClr val="accent1"/>
+            </a:effectRef>
+            <a:fontRef idx="minor">
+              <a:schemeClr val="lt1"/>
+            </a:fontRef>
+          </p:style>
+          <p:txBody>
+            <a:bodyPr rtlCol="0" anchor="ctr"/>
+            <a:lstStyle/>
+            <a:p>
+              <a:pPr algn="ctr"/>
+              <a:r>
+                <a:rPr lang="en-US" altLang="ko-KR" sz="1300" dirty="0" smtClean="0">
+                  <a:solidFill>
+                    <a:schemeClr val="tx1"/>
+                  </a:solidFill>
+                </a:rPr>
+                <a:t>Controller : </a:t>
+              </a:r>
+              <a:endParaRPr lang="ko-KR" altLang="en-US" sz="1300" dirty="0">
+                <a:solidFill>
+                  <a:schemeClr val="tx1"/>
+                </a:solidFill>
+              </a:endParaRPr>
+            </a:p>
+          </p:txBody>
+        </p:sp>
+        <p:sp>
+          <p:nvSpPr>
+            <p:cNvPr id="11" name="직사각형 10"/>
+            <p:cNvSpPr/>
+            <p:nvPr/>
+          </p:nvSpPr>
+          <p:spPr>
+            <a:xfrm>
+              <a:off x="1151435" y="4521699"/>
+              <a:ext cx="1155383" cy="381625"/>
+            </a:xfrm>
+            <a:prstGeom prst="rect">
+              <a:avLst/>
+            </a:prstGeom>
+            <a:noFill/>
+            <a:ln>
+              <a:noFill/>
+            </a:ln>
+          </p:spPr>
+          <p:style>
+            <a:lnRef idx="2">
+              <a:schemeClr val="accent1">
+                <a:shade val="50000"/>
+              </a:schemeClr>
+            </a:lnRef>
+            <a:fillRef idx="1">
+              <a:schemeClr val="accent1"/>
+            </a:fillRef>
+            <a:effectRef idx="0">
+              <a:schemeClr val="accent1"/>
+            </a:effectRef>
+            <a:fontRef idx="minor">
+              <a:schemeClr val="lt1"/>
+            </a:fontRef>
+          </p:style>
+          <p:txBody>
+            <a:bodyPr rtlCol="0" anchor="ctr"/>
+            <a:lstStyle/>
+            <a:p>
+              <a:pPr algn="ctr"/>
+              <a:r>
+                <a:rPr lang="en-US" altLang="ko-KR" sz="1300" dirty="0" smtClean="0">
+                  <a:solidFill>
+                    <a:schemeClr val="tx1"/>
+                  </a:solidFill>
+                </a:rPr>
+                <a:t>Service : </a:t>
+              </a:r>
+              <a:endParaRPr lang="ko-KR" altLang="en-US" sz="1300" dirty="0">
+                <a:solidFill>
+                  <a:schemeClr val="tx1"/>
+                </a:solidFill>
+              </a:endParaRPr>
+            </a:p>
+          </p:txBody>
+        </p:sp>
+        <p:cxnSp>
+          <p:nvCxnSpPr>
+            <p:cNvPr id="6" name="직선 화살표 연결선 5"/>
+            <p:cNvCxnSpPr/>
+            <p:nvPr/>
+          </p:nvCxnSpPr>
+          <p:spPr>
+            <a:xfrm>
+              <a:off x="4361547" y="2563602"/>
+              <a:ext cx="0" cy="461319"/>
+            </a:xfrm>
+            <a:prstGeom prst="straightConnector1">
+              <a:avLst/>
+            </a:prstGeom>
+            <a:ln w="38100">
+              <a:tailEnd type="arrow"/>
+            </a:ln>
+          </p:spPr>
+          <p:style>
+            <a:lnRef idx="1">
+              <a:schemeClr val="accent1"/>
+            </a:lnRef>
+            <a:fillRef idx="0">
+              <a:schemeClr val="accent1"/>
+            </a:fillRef>
+            <a:effectRef idx="0">
+              <a:schemeClr val="accent1"/>
+            </a:effectRef>
+            <a:fontRef idx="minor">
+              <a:schemeClr val="tx1"/>
+            </a:fontRef>
+          </p:style>
+        </p:cxnSp>
+        <p:cxnSp>
+          <p:nvCxnSpPr>
+            <p:cNvPr id="15" name="직선 화살표 연결선 14"/>
+            <p:cNvCxnSpPr/>
+            <p:nvPr/>
+          </p:nvCxnSpPr>
+          <p:spPr>
+            <a:xfrm>
+              <a:off x="4320358" y="4031574"/>
+              <a:ext cx="0" cy="461319"/>
+            </a:xfrm>
+            <a:prstGeom prst="straightConnector1">
+              <a:avLst/>
+            </a:prstGeom>
+            <a:ln w="38100">
+              <a:tailEnd type="arrow"/>
+            </a:ln>
+          </p:spPr>
+          <p:style>
+            <a:lnRef idx="1">
+              <a:schemeClr val="accent1"/>
+            </a:lnRef>
+            <a:fillRef idx="0">
+              <a:schemeClr val="accent1"/>
+            </a:fillRef>
+            <a:effectRef idx="0">
+              <a:schemeClr val="accent1"/>
+            </a:effectRef>
+            <a:fontRef idx="minor">
+              <a:schemeClr val="tx1"/>
+            </a:fontRef>
+          </p:style>
+        </p:cxnSp>
+      </p:grpSp>
+    </p:spTree>
+    <p:extLst>
+      <p:ext uri="{BB962C8B-B14F-4D97-AF65-F5344CB8AC3E}">
+        <p14:creationId xmlns:p14="http://schemas.microsoft.com/office/powerpoint/2010/main" val="3841617134"/>
+      </p:ext>
+    </p:extLst>
+  </p:cSld>
+  <p:clrMapOvr>
+    <a:masterClrMapping/>
+  </p:clrMapOvr>
+</p:sld>
+</file>
+
+<file path=ppt/slides/slide6.xml><?xml version="1.0" encoding="utf-8"?>
+<p:sld xmlns:a="http://schemas.openxmlformats.org/drawingml/2006/main" xmlns:r="http://schemas.openxmlformats.org/officeDocument/2006/relationships" xmlns:p="http://schemas.openxmlformats.org/presentationml/2006/main">
+  <p:cSld>
+    <p:spTree>
+      <p:nvGrpSpPr>
+        <p:cNvPr id="1" name=""/>
+        <p:cNvGrpSpPr/>
+        <p:nvPr/>
+      </p:nvGrpSpPr>
+      <p:grpSpPr>
+        <a:xfrm>
+          <a:off x="0" y="0"/>
+          <a:ext cx="0" cy="0"/>
+          <a:chOff x="0" y="0"/>
+          <a:chExt cx="0" cy="0"/>
+        </a:xfrm>
+      </p:grpSpPr>
+      <p:pic>
+        <p:nvPicPr>
+          <p:cNvPr id="3074" name="Picture 2"/>
+          <p:cNvPicPr>
+            <a:picLocks noChangeAspect="1" noChangeArrowheads="1"/>
+          </p:cNvPicPr>
+          <p:nvPr/>
+        </p:nvPicPr>
+        <p:blipFill>
+          <a:blip r:embed="rId2">
+            <a:extLst>
+              <a:ext uri="{28A0092B-C50C-407E-A947-70E740481C1C}">
+                <a14:useLocalDpi xmlns:a14="http://schemas.microsoft.com/office/drawing/2010/main" val="0"/>
+              </a:ext>
+            </a:extLst>
+          </a:blip>
+          <a:srcRect/>
+          <a:stretch>
+            <a:fillRect/>
+          </a:stretch>
+        </p:blipFill>
+        <p:spPr bwMode="auto">
+          <a:xfrm>
+            <a:off x="3641123" y="3232265"/>
+            <a:ext cx="8257567" cy="1458037"/>
+          </a:xfrm>
+          <a:prstGeom prst="rect">
+            <a:avLst/>
+          </a:prstGeom>
+          <a:noFill/>
+          <a:ln>
+            <a:noFill/>
+          </a:ln>
+          <a:effectLst/>
+          <a:extLst>
+            <a:ext uri="{909E8E84-426E-40DD-AFC4-6F175D3DCCD1}">
+              <a14:hiddenFill xmlns:a14="http://schemas.microsoft.com/office/drawing/2010/main">
+                <a:solidFill>
+                  <a:schemeClr val="accent1"/>
+                </a:solidFill>
+              </a14:hiddenFill>
+            </a:ext>
+            <a:ext uri="{91240B29-F687-4F45-9708-019B960494DF}">
+              <a14:hiddenLine xmlns:a14="http://schemas.microsoft.com/office/drawing/2010/main" w="9525">
+                <a:solidFill>
+                  <a:schemeClr val="tx1"/>
+                </a:solidFill>
+                <a:miter lim="800000"/>
+                <a:headEnd/>
+                <a:tailEnd/>
+              </a14:hiddenLine>
+            </a:ext>
+            <a:ext uri="{AF507438-7753-43E0-B8FC-AC1667EBCBE1}">
+              <a14:hiddenEffects xmlns:a14="http://schemas.microsoft.com/office/drawing/2010/main">
+                <a:effectLst>
+                  <a:outerShdw dist="35921" dir="2700000" algn="ctr" rotWithShape="0">
+                    <a:schemeClr val="bg2"/>
+                  </a:outerShdw>
+                </a:effectLst>
+              </a14:hiddenEffects>
+            </a:ext>
+          </a:extLst>
+        </p:spPr>
+      </p:pic>
+      <p:pic>
+        <p:nvPicPr>
+          <p:cNvPr id="3076" name="Picture 4"/>
+          <p:cNvPicPr>
+            <a:picLocks noChangeAspect="1" noChangeArrowheads="1"/>
+          </p:cNvPicPr>
+          <p:nvPr/>
+        </p:nvPicPr>
+        <p:blipFill>
+          <a:blip r:embed="rId3">
+            <a:extLst>
+              <a:ext uri="{28A0092B-C50C-407E-A947-70E740481C1C}">
+                <a14:useLocalDpi xmlns:a14="http://schemas.microsoft.com/office/drawing/2010/main" val="0"/>
+              </a:ext>
+            </a:extLst>
+          </a:blip>
+          <a:srcRect/>
+          <a:stretch>
+            <a:fillRect/>
+          </a:stretch>
+        </p:blipFill>
+        <p:spPr bwMode="auto">
+          <a:xfrm>
+            <a:off x="386866" y="1260389"/>
+            <a:ext cx="2939675" cy="5401790"/>
+          </a:xfrm>
+          <a:prstGeom prst="rect">
+            <a:avLst/>
+          </a:prstGeom>
+          <a:noFill/>
+          <a:ln>
+            <a:noFill/>
+          </a:ln>
+          <a:effectLst/>
+          <a:extLst>
+            <a:ext uri="{909E8E84-426E-40DD-AFC4-6F175D3DCCD1}">
+              <a14:hiddenFill xmlns:a14="http://schemas.microsoft.com/office/drawing/2010/main">
+                <a:solidFill>
+                  <a:schemeClr val="accent1"/>
+                </a:solidFill>
+              </a14:hiddenFill>
+            </a:ext>
+            <a:ext uri="{91240B29-F687-4F45-9708-019B960494DF}">
+              <a14:hiddenLine xmlns:a14="http://schemas.microsoft.com/office/drawing/2010/main" w="9525">
+                <a:solidFill>
+                  <a:schemeClr val="tx1"/>
+                </a:solidFill>
+                <a:miter lim="800000"/>
+                <a:headEnd/>
+                <a:tailEnd/>
+              </a14:hiddenLine>
+            </a:ext>
+            <a:ext uri="{AF507438-7753-43E0-B8FC-AC1667EBCBE1}">
+              <a14:hiddenEffects xmlns:a14="http://schemas.microsoft.com/office/drawing/2010/main">
+                <a:effectLst>
+                  <a:outerShdw dist="35921" dir="2700000" algn="ctr" rotWithShape="0">
+                    <a:schemeClr val="bg2"/>
+                  </a:outerShdw>
+                </a:effectLst>
+              </a14:hiddenEffects>
+            </a:ext>
+          </a:extLst>
+        </p:spPr>
+      </p:pic>
+    </p:spTree>
+    <p:extLst>
+      <p:ext uri="{BB962C8B-B14F-4D97-AF65-F5344CB8AC3E}">
+        <p14:creationId xmlns:p14="http://schemas.microsoft.com/office/powerpoint/2010/main" val="1451881825"/>
+      </p:ext>
+    </p:extLst>
+  </p:cSld>
+  <p:clrMapOvr>
+    <a:masterClrMapping/>
+  </p:clrMapOvr>
+</p:sld>
+</file>
+
 <file path=ppt/theme/theme1.xml><?xml version="1.0" encoding="utf-8"?>
 <a:theme xmlns:a="http://schemas.openxmlformats.org/drawingml/2006/main" name="Office 테마">
   <a:themeElements>
@@ -3699,7 +8933,7 @@
   <a:extraClrSchemeLst/>
   <a:extLst>
     <a:ext uri="{05A4C25C-085E-4340-85A3-A5531E510DB2}">
-      <thm15:themeFamily xmlns:thm15="http://schemas.microsoft.com/office/thememl/2012/main" name="Office Theme" id="{62F939B6-93AF-4DB8-9C6B-D6C7DFDC589F}" vid="{4A3C46E8-61CC-4603-A589-7422A47A8E4A}"/>
+      <thm15:themeFamily xmlns:thm15="http://schemas.microsoft.com/office/thememl/2012/main" xmlns="" name="Office Theme" id="{62F939B6-93AF-4DB8-9C6B-D6C7DFDC589F}" vid="{4A3C46E8-61CC-4603-A589-7422A47A8E4A}"/>
     </a:ext>
   </a:extLst>
 </a:theme>
@@ -3960,7 +9194,7 @@
   <a:extraClrSchemeLst/>
   <a:extLst>
     <a:ext uri="{05A4C25C-085E-4340-85A3-A5531E510DB2}">
-      <thm15:themeFamily xmlns:thm15="http://schemas.microsoft.com/office/thememl/2012/main" name="Office Theme" id="{62F939B6-93AF-4DB8-9C6B-D6C7DFDC589F}" vid="{4A3C46E8-61CC-4603-A589-7422A47A8E4A}"/>
+      <thm15:themeFamily xmlns:thm15="http://schemas.microsoft.com/office/thememl/2012/main" xmlns="" name="Office Theme" id="{62F939B6-93AF-4DB8-9C6B-D6C7DFDC589F}" vid="{4A3C46E8-61CC-4603-A589-7422A47A8E4A}"/>
     </a:ext>
   </a:extLst>
 </a:theme>

--- a/0 발표용 파워포인트/0417 3차발표/0417 project05 - 파워포인트 - 서희.pptx
+++ b/0 발표용 파워포인트/0417 3차발표/0417 project05 - 파워포인트 - 서희.pptx
@@ -114,7 +114,7 @@
   </p:defaultTextStyle>
   <p:extLst>
     <p:ext uri="{EFAFB233-063F-42B5-8137-9DF3F51BA10A}">
-      <p15:sldGuideLst xmlns:p15="http://schemas.microsoft.com/office/powerpoint/2012/main" xmlns="">
+      <p15:sldGuideLst xmlns="" xmlns:p15="http://schemas.microsoft.com/office/powerpoint/2012/main">
         <p15:guide id="1" orient="horz" pos="2160">
           <p15:clr>
             <a:srgbClr val="A4A3A4"/>
@@ -3518,7 +3518,7 @@
                 <a:gridCol w="8032096">
                   <a:extLst>
                     <a:ext uri="{9D8B030D-6E8A-4147-A177-3AD203B41FA5}">
-                      <a16:colId xmlns="" xmlns:a16="http://schemas.microsoft.com/office/drawing/2014/main" val="20000"/>
+                      <a16:colId xmlns:a16="http://schemas.microsoft.com/office/drawing/2014/main" xmlns="" val="20000"/>
                     </a:ext>
                   </a:extLst>
                 </a:gridCol>
@@ -3583,7 +3583,7 @@
                 </a:tc>
                 <a:extLst>
                   <a:ext uri="{0D108BD9-81ED-4DB2-BD59-A6C34878D82A}">
-                    <a16:rowId xmlns="" xmlns:a16="http://schemas.microsoft.com/office/drawing/2014/main" val="10000"/>
+                    <a16:rowId xmlns:a16="http://schemas.microsoft.com/office/drawing/2014/main" xmlns="" val="10000"/>
                   </a:ext>
                 </a:extLst>
               </a:tr>
@@ -3647,7 +3647,7 @@
                 </a:tc>
                 <a:extLst>
                   <a:ext uri="{0D108BD9-81ED-4DB2-BD59-A6C34878D82A}">
-                    <a16:rowId xmlns="" xmlns:a16="http://schemas.microsoft.com/office/drawing/2014/main" val="10001"/>
+                    <a16:rowId xmlns:a16="http://schemas.microsoft.com/office/drawing/2014/main" xmlns="" val="10001"/>
                   </a:ext>
                 </a:extLst>
               </a:tr>
@@ -4160,14 +4160,14 @@
                 <a:gridCol w="342705">
                   <a:extLst>
                     <a:ext uri="{9D8B030D-6E8A-4147-A177-3AD203B41FA5}">
-                      <a16:colId xmlns="" xmlns:a16="http://schemas.microsoft.com/office/drawing/2014/main" val="20000"/>
+                      <a16:colId xmlns:a16="http://schemas.microsoft.com/office/drawing/2014/main" xmlns="" val="20000"/>
                     </a:ext>
                   </a:extLst>
                 </a:gridCol>
                 <a:gridCol w="3149108">
                   <a:extLst>
                     <a:ext uri="{9D8B030D-6E8A-4147-A177-3AD203B41FA5}">
-                      <a16:colId xmlns="" xmlns:a16="http://schemas.microsoft.com/office/drawing/2014/main" val="20001"/>
+                      <a16:colId xmlns:a16="http://schemas.microsoft.com/office/drawing/2014/main" xmlns="" val="20001"/>
                     </a:ext>
                   </a:extLst>
                 </a:gridCol>
@@ -4264,7 +4264,7 @@
                 </a:tc>
                 <a:extLst>
                   <a:ext uri="{0D108BD9-81ED-4DB2-BD59-A6C34878D82A}">
-                    <a16:rowId xmlns="" xmlns:a16="http://schemas.microsoft.com/office/drawing/2014/main" val="10000"/>
+                    <a16:rowId xmlns:a16="http://schemas.microsoft.com/office/drawing/2014/main" xmlns="" val="10000"/>
                   </a:ext>
                 </a:extLst>
               </a:tr>
@@ -4380,7 +4380,7 @@
                 </a:tc>
                 <a:extLst>
                   <a:ext uri="{0D108BD9-81ED-4DB2-BD59-A6C34878D82A}">
-                    <a16:rowId xmlns="" xmlns:a16="http://schemas.microsoft.com/office/drawing/2014/main" val="10001"/>
+                    <a16:rowId xmlns:a16="http://schemas.microsoft.com/office/drawing/2014/main" xmlns="" val="10001"/>
                   </a:ext>
                 </a:extLst>
               </a:tr>
@@ -4553,7 +4553,7 @@
                 </a:tc>
                 <a:extLst>
                   <a:ext uri="{0D108BD9-81ED-4DB2-BD59-A6C34878D82A}">
-                    <a16:rowId xmlns="" xmlns:a16="http://schemas.microsoft.com/office/drawing/2014/main" val="10002"/>
+                    <a16:rowId xmlns:a16="http://schemas.microsoft.com/office/drawing/2014/main" xmlns="" val="10002"/>
                   </a:ext>
                 </a:extLst>
               </a:tr>
@@ -4877,14 +4877,14 @@
                 <a:gridCol w="611879">
                   <a:extLst>
                     <a:ext uri="{9D8B030D-6E8A-4147-A177-3AD203B41FA5}">
-                      <a16:colId xmlns="" xmlns:a16="http://schemas.microsoft.com/office/drawing/2014/main" val="20000"/>
+                      <a16:colId xmlns:a16="http://schemas.microsoft.com/office/drawing/2014/main" xmlns="" val="20000"/>
                     </a:ext>
                   </a:extLst>
                 </a:gridCol>
                 <a:gridCol w="1499571">
                   <a:extLst>
                     <a:ext uri="{9D8B030D-6E8A-4147-A177-3AD203B41FA5}">
-                      <a16:colId xmlns="" xmlns:a16="http://schemas.microsoft.com/office/drawing/2014/main" val="20001"/>
+                      <a16:colId xmlns:a16="http://schemas.microsoft.com/office/drawing/2014/main" xmlns="" val="20001"/>
                     </a:ext>
                   </a:extLst>
                 </a:gridCol>
@@ -5049,7 +5049,7 @@
                 </a:tc>
                 <a:extLst>
                   <a:ext uri="{0D108BD9-81ED-4DB2-BD59-A6C34878D82A}">
-                    <a16:rowId xmlns="" xmlns:a16="http://schemas.microsoft.com/office/drawing/2014/main" val="10000"/>
+                    <a16:rowId xmlns:a16="http://schemas.microsoft.com/office/drawing/2014/main" xmlns="" val="10000"/>
                   </a:ext>
                 </a:extLst>
               </a:tr>
@@ -5278,7 +5278,7 @@
                 </a:tc>
                 <a:extLst>
                   <a:ext uri="{0D108BD9-81ED-4DB2-BD59-A6C34878D82A}">
-                    <a16:rowId xmlns="" xmlns:a16="http://schemas.microsoft.com/office/drawing/2014/main" val="10001"/>
+                    <a16:rowId xmlns:a16="http://schemas.microsoft.com/office/drawing/2014/main" xmlns="" val="10001"/>
                   </a:ext>
                 </a:extLst>
               </a:tr>
@@ -5443,7 +5443,7 @@
                 </a:tc>
                 <a:extLst>
                   <a:ext uri="{0D108BD9-81ED-4DB2-BD59-A6C34878D82A}">
-                    <a16:rowId xmlns="" xmlns:a16="http://schemas.microsoft.com/office/drawing/2014/main" val="10002"/>
+                    <a16:rowId xmlns:a16="http://schemas.microsoft.com/office/drawing/2014/main" xmlns="" val="10002"/>
                   </a:ext>
                 </a:extLst>
               </a:tr>
@@ -5616,7 +5616,7 @@
                 </a:tc>
                 <a:extLst>
                   <a:ext uri="{0D108BD9-81ED-4DB2-BD59-A6C34878D82A}">
-                    <a16:rowId xmlns="" xmlns:a16="http://schemas.microsoft.com/office/drawing/2014/main" val="10003"/>
+                    <a16:rowId xmlns:a16="http://schemas.microsoft.com/office/drawing/2014/main" xmlns="" val="10003"/>
                   </a:ext>
                 </a:extLst>
               </a:tr>
@@ -5821,7 +5821,7 @@
                 </a:tc>
                 <a:extLst>
                   <a:ext uri="{0D108BD9-81ED-4DB2-BD59-A6C34878D82A}">
-                    <a16:rowId xmlns="" xmlns:a16="http://schemas.microsoft.com/office/drawing/2014/main" val="10004"/>
+                    <a16:rowId xmlns:a16="http://schemas.microsoft.com/office/drawing/2014/main" xmlns="" val="10004"/>
                   </a:ext>
                 </a:extLst>
               </a:tr>
@@ -6242,14 +6242,14 @@
                 <a:gridCol w="342705">
                   <a:extLst>
                     <a:ext uri="{9D8B030D-6E8A-4147-A177-3AD203B41FA5}">
-                      <a16:colId xmlns="" xmlns:a16="http://schemas.microsoft.com/office/drawing/2014/main" val="20000"/>
+                      <a16:colId xmlns:a16="http://schemas.microsoft.com/office/drawing/2014/main" xmlns="" val="20000"/>
                     </a:ext>
                   </a:extLst>
                 </a:gridCol>
                 <a:gridCol w="3149108">
                   <a:extLst>
                     <a:ext uri="{9D8B030D-6E8A-4147-A177-3AD203B41FA5}">
-                      <a16:colId xmlns="" xmlns:a16="http://schemas.microsoft.com/office/drawing/2014/main" val="20001"/>
+                      <a16:colId xmlns:a16="http://schemas.microsoft.com/office/drawing/2014/main" xmlns="" val="20001"/>
                     </a:ext>
                   </a:extLst>
                 </a:gridCol>
@@ -6346,7 +6346,7 @@
                 </a:tc>
                 <a:extLst>
                   <a:ext uri="{0D108BD9-81ED-4DB2-BD59-A6C34878D82A}">
-                    <a16:rowId xmlns="" xmlns:a16="http://schemas.microsoft.com/office/drawing/2014/main" val="10000"/>
+                    <a16:rowId xmlns:a16="http://schemas.microsoft.com/office/drawing/2014/main" xmlns="" val="10000"/>
                   </a:ext>
                 </a:extLst>
               </a:tr>
@@ -6461,7 +6461,7 @@
                 </a:tc>
                 <a:extLst>
                   <a:ext uri="{0D108BD9-81ED-4DB2-BD59-A6C34878D82A}">
-                    <a16:rowId xmlns="" xmlns:a16="http://schemas.microsoft.com/office/drawing/2014/main" val="10001"/>
+                    <a16:rowId xmlns:a16="http://schemas.microsoft.com/office/drawing/2014/main" xmlns="" val="10001"/>
                   </a:ext>
                 </a:extLst>
               </a:tr>
@@ -6497,7 +6497,7 @@
                 <a:gridCol w="8040334">
                   <a:extLst>
                     <a:ext uri="{9D8B030D-6E8A-4147-A177-3AD203B41FA5}">
-                      <a16:colId xmlns="" xmlns:a16="http://schemas.microsoft.com/office/drawing/2014/main" val="20000"/>
+                      <a16:colId xmlns:a16="http://schemas.microsoft.com/office/drawing/2014/main" xmlns="" val="20000"/>
                     </a:ext>
                   </a:extLst>
                 </a:gridCol>
@@ -6562,7 +6562,7 @@
                 </a:tc>
                 <a:extLst>
                   <a:ext uri="{0D108BD9-81ED-4DB2-BD59-A6C34878D82A}">
-                    <a16:rowId xmlns="" xmlns:a16="http://schemas.microsoft.com/office/drawing/2014/main" val="10000"/>
+                    <a16:rowId xmlns:a16="http://schemas.microsoft.com/office/drawing/2014/main" xmlns="" val="10000"/>
                   </a:ext>
                 </a:extLst>
               </a:tr>
@@ -6626,7 +6626,7 @@
                 </a:tc>
                 <a:extLst>
                   <a:ext uri="{0D108BD9-81ED-4DB2-BD59-A6C34878D82A}">
-                    <a16:rowId xmlns="" xmlns:a16="http://schemas.microsoft.com/office/drawing/2014/main" val="10001"/>
+                    <a16:rowId xmlns:a16="http://schemas.microsoft.com/office/drawing/2014/main" xmlns="" val="10001"/>
                   </a:ext>
                 </a:extLst>
               </a:tr>
@@ -6918,7 +6918,7 @@
                 <a:gridCol w="2204380">
                   <a:extLst>
                     <a:ext uri="{9D8B030D-6E8A-4147-A177-3AD203B41FA5}">
-                      <a16:colId xmlns="" xmlns:a16="http://schemas.microsoft.com/office/drawing/2014/main" val="20000"/>
+                      <a16:colId xmlns:a16="http://schemas.microsoft.com/office/drawing/2014/main" xmlns="" val="20000"/>
                     </a:ext>
                   </a:extLst>
                 </a:gridCol>
@@ -6977,7 +6977,7 @@
                 </a:tc>
                 <a:extLst>
                   <a:ext uri="{0D108BD9-81ED-4DB2-BD59-A6C34878D82A}">
-                    <a16:rowId xmlns="" xmlns:a16="http://schemas.microsoft.com/office/drawing/2014/main" val="10000"/>
+                    <a16:rowId xmlns:a16="http://schemas.microsoft.com/office/drawing/2014/main" xmlns="" val="10000"/>
                   </a:ext>
                 </a:extLst>
               </a:tr>
@@ -7775,16 +7775,7 @@
                 </a:solidFill>
                 <a:latin typeface="+mj-lt"/>
               </a:rPr>
-              <a:t>화면 </a:t>
-            </a:r>
-            <a:r>
-              <a:rPr lang="ko-KR" altLang="en-US" sz="2500" dirty="0" smtClean="0">
-                <a:solidFill>
-                  <a:schemeClr val="bg1"/>
-                </a:solidFill>
-                <a:latin typeface="+mj-lt"/>
-              </a:rPr>
-              <a:t>구현</a:t>
+              <a:t>화면 구현</a:t>
             </a:r>
             <a:r>
               <a:rPr lang="en-US" altLang="ko-KR" sz="2500" dirty="0" smtClean="0">
@@ -7845,16 +7836,7 @@
                 </a:solidFill>
                 <a:latin typeface="+mj-lt"/>
               </a:rPr>
-              <a:t>세미나 </a:t>
-            </a:r>
-            <a:r>
-              <a:rPr lang="ko-KR" altLang="en-US" sz="2500" dirty="0" smtClean="0">
-                <a:solidFill>
-                  <a:schemeClr val="bg1"/>
-                </a:solidFill>
-                <a:latin typeface="+mj-lt"/>
-              </a:rPr>
-              <a:t>상세페이지</a:t>
+              <a:t>세미나 상세페이지</a:t>
             </a:r>
             <a:endParaRPr lang="ko-KR" altLang="en-US" sz="2500" dirty="0">
               <a:solidFill>
@@ -7974,10 +7956,10 @@
         </p:nvGrpSpPr>
         <p:grpSpPr>
           <a:xfrm>
-            <a:off x="2215222" y="2013345"/>
-            <a:ext cx="7423377" cy="3936021"/>
+            <a:off x="2069400" y="2038059"/>
+            <a:ext cx="7365712" cy="3936021"/>
             <a:chOff x="1151435" y="1859173"/>
-            <a:chExt cx="7423377" cy="3936021"/>
+            <a:chExt cx="7365712" cy="3936021"/>
           </a:xfrm>
         </p:grpSpPr>
         <p:pic>
@@ -8273,7 +8255,7 @@
           </p:nvSpPr>
           <p:spPr>
             <a:xfrm>
-              <a:off x="4637126" y="3981356"/>
+              <a:off x="4579461" y="3981355"/>
               <a:ext cx="3937686" cy="461319"/>
             </a:xfrm>
             <a:prstGeom prst="rect">
@@ -8480,9 +8462,9 @@
             <p:nvPr/>
           </p:nvCxnSpPr>
           <p:spPr>
-            <a:xfrm>
-              <a:off x="4320358" y="4031574"/>
-              <a:ext cx="0" cy="461319"/>
+            <a:xfrm flipV="1">
+              <a:off x="4366385" y="3956776"/>
+              <a:ext cx="0" cy="443740"/>
             </a:xfrm>
             <a:prstGeom prst="straightConnector1">
               <a:avLst/>
@@ -8507,6 +8489,122 @@
           </p:style>
         </p:cxnSp>
       </p:grpSp>
+      <p:sp>
+        <p:nvSpPr>
+          <p:cNvPr id="12" name="직사각형 11"/>
+          <p:cNvSpPr/>
+          <p:nvPr/>
+        </p:nvSpPr>
+        <p:spPr>
+          <a:xfrm>
+            <a:off x="354828" y="245240"/>
+            <a:ext cx="6591868" cy="477054"/>
+          </a:xfrm>
+          <a:prstGeom prst="rect">
+            <a:avLst/>
+          </a:prstGeom>
+        </p:spPr>
+        <p:txBody>
+          <a:bodyPr wrap="none">
+            <a:spAutoFit/>
+          </a:bodyPr>
+          <a:lstStyle/>
+          <a:p>
+            <a:pPr lvl="0" algn="ctr">
+              <a:buClr>
+                <a:srgbClr val="000000"/>
+              </a:buClr>
+              <a:buSzPts val="1500"/>
+              <a:defRPr/>
+            </a:pPr>
+            <a:r>
+              <a:rPr lang="en-US" altLang="ko-KR" sz="2500" dirty="0" smtClean="0">
+                <a:solidFill>
+                  <a:schemeClr val="bg1"/>
+                </a:solidFill>
+                <a:latin typeface="+mj-lt"/>
+              </a:rPr>
+              <a:t>[</a:t>
+            </a:r>
+            <a:r>
+              <a:rPr lang="ko-KR" altLang="en-US" sz="2500" dirty="0" smtClean="0">
+                <a:solidFill>
+                  <a:schemeClr val="bg1"/>
+                </a:solidFill>
+                <a:latin typeface="+mj-lt"/>
+              </a:rPr>
+              <a:t>화면 구현</a:t>
+            </a:r>
+            <a:r>
+              <a:rPr lang="en-US" altLang="ko-KR" sz="2500" dirty="0" smtClean="0">
+                <a:solidFill>
+                  <a:schemeClr val="bg1"/>
+                </a:solidFill>
+                <a:latin typeface="+mj-lt"/>
+              </a:rPr>
+              <a:t>]</a:t>
+            </a:r>
+            <a:r>
+              <a:rPr lang="ko-KR" altLang="en-US" sz="2500" dirty="0" smtClean="0">
+                <a:solidFill>
+                  <a:schemeClr val="bg1"/>
+                </a:solidFill>
+                <a:latin typeface="+mj-lt"/>
+              </a:rPr>
+              <a:t>사용자</a:t>
+            </a:r>
+            <a:r>
+              <a:rPr lang="en-US" altLang="ko-KR" sz="2500" dirty="0">
+                <a:solidFill>
+                  <a:schemeClr val="bg1"/>
+                </a:solidFill>
+              </a:rPr>
+              <a:t> - </a:t>
+            </a:r>
+            <a:r>
+              <a:rPr lang="ko-KR" altLang="en-US" sz="2500" dirty="0">
+                <a:solidFill>
+                  <a:schemeClr val="bg1"/>
+                </a:solidFill>
+              </a:rPr>
+              <a:t>웹</a:t>
+            </a:r>
+            <a:r>
+              <a:rPr lang="ko-KR" altLang="en-US" sz="2500" dirty="0" smtClean="0">
+                <a:solidFill>
+                  <a:schemeClr val="bg1"/>
+                </a:solidFill>
+                <a:latin typeface="+mj-lt"/>
+              </a:rPr>
+              <a:t> </a:t>
+            </a:r>
+            <a:r>
+              <a:rPr lang="en-US" altLang="ko-KR" sz="2500" dirty="0" smtClean="0">
+                <a:solidFill>
+                  <a:schemeClr val="bg1"/>
+                </a:solidFill>
+                <a:latin typeface="+mj-lt"/>
+              </a:rPr>
+              <a:t>– </a:t>
+            </a:r>
+            <a:r>
+              <a:rPr lang="ko-KR" altLang="en-US" sz="2500" dirty="0" smtClean="0">
+                <a:solidFill>
+                  <a:schemeClr val="bg1"/>
+                </a:solidFill>
+                <a:latin typeface="+mj-lt"/>
+              </a:rPr>
+              <a:t>세미나 상세페이지</a:t>
+            </a:r>
+            <a:endParaRPr lang="ko-KR" altLang="en-US" sz="2500" dirty="0">
+              <a:solidFill>
+                <a:schemeClr val="bg1"/>
+              </a:solidFill>
+              <a:latin typeface="+mj-lt"/>
+            </a:endParaRPr>
+          </a:p>
+        </p:txBody>
+      </p:sp>
     </p:spTree>
     <p:extLst>
       <p:ext uri="{BB962C8B-B14F-4D97-AF65-F5344CB8AC3E}">
@@ -8560,8 +8658,8 @@
         </p:blipFill>
         <p:spPr bwMode="auto">
           <a:xfrm>
-            <a:off x="3641123" y="3232265"/>
-            <a:ext cx="8257567" cy="1458037"/>
+            <a:off x="4291914" y="2770756"/>
+            <a:ext cx="7590302" cy="1340218"/>
           </a:xfrm>
           <a:prstGeom prst="rect">
             <a:avLst/>
@@ -8624,7 +8722,7 @@
         </p:blipFill>
         <p:spPr bwMode="auto">
           <a:xfrm>
-            <a:off x="386866" y="1260389"/>
+            <a:off x="559861" y="1260388"/>
             <a:ext cx="2939675" cy="5401790"/>
           </a:xfrm>
           <a:prstGeom prst="rect">
@@ -8665,6 +8763,164 @@
           </a:extLst>
         </p:spPr>
       </p:pic>
+      <p:sp>
+        <p:nvSpPr>
+          <p:cNvPr id="2" name="직사각형 1"/>
+          <p:cNvSpPr/>
+          <p:nvPr/>
+        </p:nvSpPr>
+        <p:spPr>
+          <a:xfrm>
+            <a:off x="279157" y="2215978"/>
+            <a:ext cx="3501081" cy="667265"/>
+          </a:xfrm>
+          <a:prstGeom prst="rect">
+            <a:avLst/>
+          </a:prstGeom>
+          <a:noFill/>
+          <a:ln w="28575"/>
+        </p:spPr>
+        <p:style>
+          <a:lnRef idx="2">
+            <a:schemeClr val="accent1">
+              <a:shade val="50000"/>
+            </a:schemeClr>
+          </a:lnRef>
+          <a:fillRef idx="1">
+            <a:schemeClr val="accent1"/>
+          </a:fillRef>
+          <a:effectRef idx="0">
+            <a:schemeClr val="accent1"/>
+          </a:effectRef>
+          <a:fontRef idx="minor">
+            <a:schemeClr val="lt1"/>
+          </a:fontRef>
+        </p:style>
+        <p:txBody>
+          <a:bodyPr rtlCol="0" anchor="ctr"/>
+          <a:lstStyle/>
+          <a:p>
+            <a:pPr algn="ctr"/>
+            <a:endParaRPr lang="ko-KR" altLang="en-US"/>
+          </a:p>
+        </p:txBody>
+      </p:sp>
+      <p:sp>
+        <p:nvSpPr>
+          <p:cNvPr id="5" name="직사각형 4"/>
+          <p:cNvSpPr/>
+          <p:nvPr/>
+        </p:nvSpPr>
+        <p:spPr>
+          <a:xfrm>
+            <a:off x="354828" y="245240"/>
+            <a:ext cx="6591868" cy="477054"/>
+          </a:xfrm>
+          <a:prstGeom prst="rect">
+            <a:avLst/>
+          </a:prstGeom>
+        </p:spPr>
+        <p:txBody>
+          <a:bodyPr wrap="none">
+            <a:spAutoFit/>
+          </a:bodyPr>
+          <a:lstStyle/>
+          <a:p>
+            <a:pPr lvl="0" algn="ctr">
+              <a:buClr>
+                <a:srgbClr val="000000"/>
+              </a:buClr>
+              <a:buSzPts val="1500"/>
+              <a:defRPr/>
+            </a:pPr>
+            <a:r>
+              <a:rPr lang="en-US" altLang="ko-KR" sz="2500" dirty="0" smtClean="0">
+                <a:solidFill>
+                  <a:schemeClr val="bg1"/>
+                </a:solidFill>
+                <a:latin typeface="+mj-lt"/>
+              </a:rPr>
+              <a:t>[</a:t>
+            </a:r>
+            <a:r>
+              <a:rPr lang="ko-KR" altLang="en-US" sz="2500" dirty="0" smtClean="0">
+                <a:solidFill>
+                  <a:schemeClr val="bg1"/>
+                </a:solidFill>
+                <a:latin typeface="+mj-lt"/>
+              </a:rPr>
+              <a:t>화면 구현</a:t>
+            </a:r>
+            <a:r>
+              <a:rPr lang="en-US" altLang="ko-KR" sz="2500" dirty="0" smtClean="0">
+                <a:solidFill>
+                  <a:schemeClr val="bg1"/>
+                </a:solidFill>
+                <a:latin typeface="+mj-lt"/>
+              </a:rPr>
+              <a:t>]</a:t>
+            </a:r>
+            <a:r>
+              <a:rPr lang="ko-KR" altLang="en-US" sz="2500" dirty="0" smtClean="0">
+                <a:solidFill>
+                  <a:schemeClr val="bg1"/>
+                </a:solidFill>
+                <a:latin typeface="+mj-lt"/>
+              </a:rPr>
+              <a:t>사용자</a:t>
+            </a:r>
+            <a:r>
+              <a:rPr lang="en-US" altLang="ko-KR" sz="2500" dirty="0">
+                <a:solidFill>
+                  <a:schemeClr val="bg1"/>
+                </a:solidFill>
+              </a:rPr>
+              <a:t> - </a:t>
+            </a:r>
+            <a:r>
+              <a:rPr lang="ko-KR" altLang="en-US" sz="2500" dirty="0">
+                <a:solidFill>
+                  <a:schemeClr val="bg1"/>
+                </a:solidFill>
+              </a:rPr>
+              <a:t>웹</a:t>
+            </a:r>
+            <a:r>
+              <a:rPr lang="ko-KR" altLang="en-US" sz="2500" dirty="0" smtClean="0">
+                <a:solidFill>
+                  <a:schemeClr val="bg1"/>
+                </a:solidFill>
+                <a:latin typeface="+mj-lt"/>
+              </a:rPr>
+              <a:t> </a:t>
+            </a:r>
+            <a:r>
+              <a:rPr lang="en-US" altLang="ko-KR" sz="2500" dirty="0" smtClean="0">
+                <a:solidFill>
+                  <a:schemeClr val="bg1"/>
+                </a:solidFill>
+                <a:latin typeface="+mj-lt"/>
+              </a:rPr>
+              <a:t>– </a:t>
+            </a:r>
+            <a:r>
+              <a:rPr lang="ko-KR" altLang="en-US" sz="2500" dirty="0" smtClean="0">
+                <a:solidFill>
+                  <a:schemeClr val="bg1"/>
+                </a:solidFill>
+                <a:latin typeface="+mj-lt"/>
+              </a:rPr>
+              <a:t>세미나 상세페이지</a:t>
+            </a:r>
+            <a:endParaRPr lang="ko-KR" altLang="en-US" sz="2500" dirty="0">
+              <a:solidFill>
+                <a:schemeClr val="bg1"/>
+              </a:solidFill>
+              <a:latin typeface="+mj-lt"/>
+            </a:endParaRPr>
+          </a:p>
+        </p:txBody>
+      </p:sp>
     </p:spTree>
     <p:extLst>
       <p:ext uri="{BB962C8B-B14F-4D97-AF65-F5344CB8AC3E}">
@@ -8933,7 +9189,7 @@
   <a:extraClrSchemeLst/>
   <a:extLst>
     <a:ext uri="{05A4C25C-085E-4340-85A3-A5531E510DB2}">
-      <thm15:themeFamily xmlns:thm15="http://schemas.microsoft.com/office/thememl/2012/main" xmlns="" name="Office Theme" id="{62F939B6-93AF-4DB8-9C6B-D6C7DFDC589F}" vid="{4A3C46E8-61CC-4603-A589-7422A47A8E4A}"/>
+      <thm15:themeFamily xmlns="" xmlns:thm15="http://schemas.microsoft.com/office/thememl/2012/main" name="Office Theme" id="{62F939B6-93AF-4DB8-9C6B-D6C7DFDC589F}" vid="{4A3C46E8-61CC-4603-A589-7422A47A8E4A}"/>
     </a:ext>
   </a:extLst>
 </a:theme>
@@ -9194,7 +9450,7 @@
   <a:extraClrSchemeLst/>
   <a:extLst>
     <a:ext uri="{05A4C25C-085E-4340-85A3-A5531E510DB2}">
-      <thm15:themeFamily xmlns:thm15="http://schemas.microsoft.com/office/thememl/2012/main" xmlns="" name="Office Theme" id="{62F939B6-93AF-4DB8-9C6B-D6C7DFDC589F}" vid="{4A3C46E8-61CC-4603-A589-7422A47A8E4A}"/>
+      <thm15:themeFamily xmlns="" xmlns:thm15="http://schemas.microsoft.com/office/thememl/2012/main" name="Office Theme" id="{62F939B6-93AF-4DB8-9C6B-D6C7DFDC589F}" vid="{4A3C46E8-61CC-4603-A589-7422A47A8E4A}"/>
     </a:ext>
   </a:extLst>
 </a:theme>

--- a/0 발표용 파워포인트/0417 3차발표/0417 project05 - 파워포인트 - 서희.pptx
+++ b/0 발표용 파워포인트/0417 3차발표/0417 project05 - 파워포인트 - 서희.pptx
@@ -114,7 +114,7 @@
   </p:defaultTextStyle>
   <p:extLst>
     <p:ext uri="{EFAFB233-063F-42B5-8137-9DF3F51BA10A}">
-      <p15:sldGuideLst xmlns="" xmlns:p15="http://schemas.microsoft.com/office/powerpoint/2012/main">
+      <p15:sldGuideLst xmlns:p15="http://schemas.microsoft.com/office/powerpoint/2012/main" xmlns="">
         <p15:guide id="1" orient="horz" pos="2160">
           <p15:clr>
             <a:srgbClr val="A4A3A4"/>
@@ -3518,7 +3518,7 @@
                 <a:gridCol w="8032096">
                   <a:extLst>
                     <a:ext uri="{9D8B030D-6E8A-4147-A177-3AD203B41FA5}">
-                      <a16:colId xmlns:a16="http://schemas.microsoft.com/office/drawing/2014/main" xmlns="" val="20000"/>
+                      <a16:colId xmlns="" xmlns:a16="http://schemas.microsoft.com/office/drawing/2014/main" val="20000"/>
                     </a:ext>
                   </a:extLst>
                 </a:gridCol>
@@ -3583,7 +3583,7 @@
                 </a:tc>
                 <a:extLst>
                   <a:ext uri="{0D108BD9-81ED-4DB2-BD59-A6C34878D82A}">
-                    <a16:rowId xmlns:a16="http://schemas.microsoft.com/office/drawing/2014/main" xmlns="" val="10000"/>
+                    <a16:rowId xmlns="" xmlns:a16="http://schemas.microsoft.com/office/drawing/2014/main" val="10000"/>
                   </a:ext>
                 </a:extLst>
               </a:tr>
@@ -3647,7 +3647,7 @@
                 </a:tc>
                 <a:extLst>
                   <a:ext uri="{0D108BD9-81ED-4DB2-BD59-A6C34878D82A}">
-                    <a16:rowId xmlns:a16="http://schemas.microsoft.com/office/drawing/2014/main" xmlns="" val="10001"/>
+                    <a16:rowId xmlns="" xmlns:a16="http://schemas.microsoft.com/office/drawing/2014/main" val="10001"/>
                   </a:ext>
                 </a:extLst>
               </a:tr>
@@ -4160,14 +4160,14 @@
                 <a:gridCol w="342705">
                   <a:extLst>
                     <a:ext uri="{9D8B030D-6E8A-4147-A177-3AD203B41FA5}">
-                      <a16:colId xmlns:a16="http://schemas.microsoft.com/office/drawing/2014/main" xmlns="" val="20000"/>
+                      <a16:colId xmlns="" xmlns:a16="http://schemas.microsoft.com/office/drawing/2014/main" val="20000"/>
                     </a:ext>
                   </a:extLst>
                 </a:gridCol>
                 <a:gridCol w="3149108">
                   <a:extLst>
                     <a:ext uri="{9D8B030D-6E8A-4147-A177-3AD203B41FA5}">
-                      <a16:colId xmlns:a16="http://schemas.microsoft.com/office/drawing/2014/main" xmlns="" val="20001"/>
+                      <a16:colId xmlns="" xmlns:a16="http://schemas.microsoft.com/office/drawing/2014/main" val="20001"/>
                     </a:ext>
                   </a:extLst>
                 </a:gridCol>
@@ -4264,7 +4264,7 @@
                 </a:tc>
                 <a:extLst>
                   <a:ext uri="{0D108BD9-81ED-4DB2-BD59-A6C34878D82A}">
-                    <a16:rowId xmlns:a16="http://schemas.microsoft.com/office/drawing/2014/main" xmlns="" val="10000"/>
+                    <a16:rowId xmlns="" xmlns:a16="http://schemas.microsoft.com/office/drawing/2014/main" val="10000"/>
                   </a:ext>
                 </a:extLst>
               </a:tr>
@@ -4380,7 +4380,7 @@
                 </a:tc>
                 <a:extLst>
                   <a:ext uri="{0D108BD9-81ED-4DB2-BD59-A6C34878D82A}">
-                    <a16:rowId xmlns:a16="http://schemas.microsoft.com/office/drawing/2014/main" xmlns="" val="10001"/>
+                    <a16:rowId xmlns="" xmlns:a16="http://schemas.microsoft.com/office/drawing/2014/main" val="10001"/>
                   </a:ext>
                 </a:extLst>
               </a:tr>
@@ -4553,7 +4553,7 @@
                 </a:tc>
                 <a:extLst>
                   <a:ext uri="{0D108BD9-81ED-4DB2-BD59-A6C34878D82A}">
-                    <a16:rowId xmlns:a16="http://schemas.microsoft.com/office/drawing/2014/main" xmlns="" val="10002"/>
+                    <a16:rowId xmlns="" xmlns:a16="http://schemas.microsoft.com/office/drawing/2014/main" val="10002"/>
                   </a:ext>
                 </a:extLst>
               </a:tr>
@@ -4877,14 +4877,14 @@
                 <a:gridCol w="611879">
                   <a:extLst>
                     <a:ext uri="{9D8B030D-6E8A-4147-A177-3AD203B41FA5}">
-                      <a16:colId xmlns:a16="http://schemas.microsoft.com/office/drawing/2014/main" xmlns="" val="20000"/>
+                      <a16:colId xmlns="" xmlns:a16="http://schemas.microsoft.com/office/drawing/2014/main" val="20000"/>
                     </a:ext>
                   </a:extLst>
                 </a:gridCol>
                 <a:gridCol w="1499571">
                   <a:extLst>
                     <a:ext uri="{9D8B030D-6E8A-4147-A177-3AD203B41FA5}">
-                      <a16:colId xmlns:a16="http://schemas.microsoft.com/office/drawing/2014/main" xmlns="" val="20001"/>
+                      <a16:colId xmlns="" xmlns:a16="http://schemas.microsoft.com/office/drawing/2014/main" val="20001"/>
                     </a:ext>
                   </a:extLst>
                 </a:gridCol>
@@ -5049,7 +5049,7 @@
                 </a:tc>
                 <a:extLst>
                   <a:ext uri="{0D108BD9-81ED-4DB2-BD59-A6C34878D82A}">
-                    <a16:rowId xmlns:a16="http://schemas.microsoft.com/office/drawing/2014/main" xmlns="" val="10000"/>
+                    <a16:rowId xmlns="" xmlns:a16="http://schemas.microsoft.com/office/drawing/2014/main" val="10000"/>
                   </a:ext>
                 </a:extLst>
               </a:tr>
@@ -5278,7 +5278,7 @@
                 </a:tc>
                 <a:extLst>
                   <a:ext uri="{0D108BD9-81ED-4DB2-BD59-A6C34878D82A}">
-                    <a16:rowId xmlns:a16="http://schemas.microsoft.com/office/drawing/2014/main" xmlns="" val="10001"/>
+                    <a16:rowId xmlns="" xmlns:a16="http://schemas.microsoft.com/office/drawing/2014/main" val="10001"/>
                   </a:ext>
                 </a:extLst>
               </a:tr>
@@ -5443,7 +5443,7 @@
                 </a:tc>
                 <a:extLst>
                   <a:ext uri="{0D108BD9-81ED-4DB2-BD59-A6C34878D82A}">
-                    <a16:rowId xmlns:a16="http://schemas.microsoft.com/office/drawing/2014/main" xmlns="" val="10002"/>
+                    <a16:rowId xmlns="" xmlns:a16="http://schemas.microsoft.com/office/drawing/2014/main" val="10002"/>
                   </a:ext>
                 </a:extLst>
               </a:tr>
@@ -5616,7 +5616,7 @@
                 </a:tc>
                 <a:extLst>
                   <a:ext uri="{0D108BD9-81ED-4DB2-BD59-A6C34878D82A}">
-                    <a16:rowId xmlns:a16="http://schemas.microsoft.com/office/drawing/2014/main" xmlns="" val="10003"/>
+                    <a16:rowId xmlns="" xmlns:a16="http://schemas.microsoft.com/office/drawing/2014/main" val="10003"/>
                   </a:ext>
                 </a:extLst>
               </a:tr>
@@ -5821,7 +5821,7 @@
                 </a:tc>
                 <a:extLst>
                   <a:ext uri="{0D108BD9-81ED-4DB2-BD59-A6C34878D82A}">
-                    <a16:rowId xmlns:a16="http://schemas.microsoft.com/office/drawing/2014/main" xmlns="" val="10004"/>
+                    <a16:rowId xmlns="" xmlns:a16="http://schemas.microsoft.com/office/drawing/2014/main" val="10004"/>
                   </a:ext>
                 </a:extLst>
               </a:tr>
@@ -6242,14 +6242,14 @@
                 <a:gridCol w="342705">
                   <a:extLst>
                     <a:ext uri="{9D8B030D-6E8A-4147-A177-3AD203B41FA5}">
-                      <a16:colId xmlns:a16="http://schemas.microsoft.com/office/drawing/2014/main" xmlns="" val="20000"/>
+                      <a16:colId xmlns="" xmlns:a16="http://schemas.microsoft.com/office/drawing/2014/main" val="20000"/>
                     </a:ext>
                   </a:extLst>
                 </a:gridCol>
                 <a:gridCol w="3149108">
                   <a:extLst>
                     <a:ext uri="{9D8B030D-6E8A-4147-A177-3AD203B41FA5}">
-                      <a16:colId xmlns:a16="http://schemas.microsoft.com/office/drawing/2014/main" xmlns="" val="20001"/>
+                      <a16:colId xmlns="" xmlns:a16="http://schemas.microsoft.com/office/drawing/2014/main" val="20001"/>
                     </a:ext>
                   </a:extLst>
                 </a:gridCol>
@@ -6346,7 +6346,7 @@
                 </a:tc>
                 <a:extLst>
                   <a:ext uri="{0D108BD9-81ED-4DB2-BD59-A6C34878D82A}">
-                    <a16:rowId xmlns:a16="http://schemas.microsoft.com/office/drawing/2014/main" xmlns="" val="10000"/>
+                    <a16:rowId xmlns="" xmlns:a16="http://schemas.microsoft.com/office/drawing/2014/main" val="10000"/>
                   </a:ext>
                 </a:extLst>
               </a:tr>
@@ -6461,7 +6461,7 @@
                 </a:tc>
                 <a:extLst>
                   <a:ext uri="{0D108BD9-81ED-4DB2-BD59-A6C34878D82A}">
-                    <a16:rowId xmlns:a16="http://schemas.microsoft.com/office/drawing/2014/main" xmlns="" val="10001"/>
+                    <a16:rowId xmlns="" xmlns:a16="http://schemas.microsoft.com/office/drawing/2014/main" val="10001"/>
                   </a:ext>
                 </a:extLst>
               </a:tr>
@@ -6497,7 +6497,7 @@
                 <a:gridCol w="8040334">
                   <a:extLst>
                     <a:ext uri="{9D8B030D-6E8A-4147-A177-3AD203B41FA5}">
-                      <a16:colId xmlns:a16="http://schemas.microsoft.com/office/drawing/2014/main" xmlns="" val="20000"/>
+                      <a16:colId xmlns="" xmlns:a16="http://schemas.microsoft.com/office/drawing/2014/main" val="20000"/>
                     </a:ext>
                   </a:extLst>
                 </a:gridCol>
@@ -6562,7 +6562,7 @@
                 </a:tc>
                 <a:extLst>
                   <a:ext uri="{0D108BD9-81ED-4DB2-BD59-A6C34878D82A}">
-                    <a16:rowId xmlns:a16="http://schemas.microsoft.com/office/drawing/2014/main" xmlns="" val="10000"/>
+                    <a16:rowId xmlns="" xmlns:a16="http://schemas.microsoft.com/office/drawing/2014/main" val="10000"/>
                   </a:ext>
                 </a:extLst>
               </a:tr>
@@ -6626,7 +6626,7 @@
                 </a:tc>
                 <a:extLst>
                   <a:ext uri="{0D108BD9-81ED-4DB2-BD59-A6C34878D82A}">
-                    <a16:rowId xmlns:a16="http://schemas.microsoft.com/office/drawing/2014/main" xmlns="" val="10001"/>
+                    <a16:rowId xmlns="" xmlns:a16="http://schemas.microsoft.com/office/drawing/2014/main" val="10001"/>
                   </a:ext>
                 </a:extLst>
               </a:tr>
@@ -6918,7 +6918,7 @@
                 <a:gridCol w="2204380">
                   <a:extLst>
                     <a:ext uri="{9D8B030D-6E8A-4147-A177-3AD203B41FA5}">
-                      <a16:colId xmlns:a16="http://schemas.microsoft.com/office/drawing/2014/main" xmlns="" val="20000"/>
+                      <a16:colId xmlns="" xmlns:a16="http://schemas.microsoft.com/office/drawing/2014/main" val="20000"/>
                     </a:ext>
                   </a:extLst>
                 </a:gridCol>
@@ -6977,7 +6977,7 @@
                 </a:tc>
                 <a:extLst>
                   <a:ext uri="{0D108BD9-81ED-4DB2-BD59-A6C34878D82A}">
-                    <a16:rowId xmlns:a16="http://schemas.microsoft.com/office/drawing/2014/main" xmlns="" val="10000"/>
+                    <a16:rowId xmlns="" xmlns:a16="http://schemas.microsoft.com/office/drawing/2014/main" val="10000"/>
                   </a:ext>
                 </a:extLst>
               </a:tr>
@@ -7877,8 +7877,13 @@
             <a:avLst/>
           </a:prstGeom>
           <a:noFill/>
-          <a:ln>
-            <a:noFill/>
+          <a:ln w="9525">
+            <a:solidFill>
+              <a:schemeClr val="tx1"/>
+            </a:solidFill>
+            <a:miter lim="800000"/>
+            <a:headEnd/>
+            <a:tailEnd/>
           </a:ln>
           <a:effectLst/>
           <a:extLst>
@@ -7888,16 +7893,6 @@
                   <a:schemeClr val="accent1"/>
                 </a:solidFill>
               </a14:hiddenFill>
-            </a:ext>
-            <a:ext uri="{91240B29-F687-4F45-9708-019B960494DF}">
-              <a14:hiddenLine xmlns:a14="http://schemas.microsoft.com/office/drawing/2010/main" w="9525">
-                <a:solidFill>
-                  <a:schemeClr val="tx1"/>
-                </a:solidFill>
-                <a:miter lim="800000"/>
-                <a:headEnd/>
-                <a:tailEnd/>
-              </a14:hiddenLine>
             </a:ext>
             <a:ext uri="{AF507438-7753-43E0-B8FC-AC1667EBCBE1}">
               <a14:hiddenEffects xmlns:a14="http://schemas.microsoft.com/office/drawing/2010/main">
@@ -7956,10 +7951,10 @@
         </p:nvGrpSpPr>
         <p:grpSpPr>
           <a:xfrm>
-            <a:off x="2069400" y="2038059"/>
-            <a:ext cx="7365712" cy="3936021"/>
-            <a:chOff x="1151435" y="1859173"/>
-            <a:chExt cx="7365712" cy="3936021"/>
+            <a:off x="2045753" y="2020873"/>
+            <a:ext cx="7365712" cy="3953207"/>
+            <a:chOff x="1151435" y="1841987"/>
+            <a:chExt cx="7365712" cy="3953207"/>
           </a:xfrm>
         </p:grpSpPr>
         <p:pic>
@@ -7985,15 +7980,20 @@
           </p:blipFill>
           <p:spPr bwMode="auto">
             <a:xfrm>
-              <a:off x="1622828" y="1859173"/>
+              <a:off x="1960600" y="1841987"/>
               <a:ext cx="5732764" cy="391393"/>
             </a:xfrm>
             <a:prstGeom prst="rect">
               <a:avLst/>
             </a:prstGeom>
             <a:noFill/>
-            <a:ln>
-              <a:noFill/>
+            <a:ln w="9525">
+              <a:solidFill>
+                <a:schemeClr val="tx1"/>
+              </a:solidFill>
+              <a:miter lim="800000"/>
+              <a:headEnd/>
+              <a:tailEnd/>
             </a:ln>
             <a:effectLst/>
             <a:extLst>
@@ -8003,16 +8003,6 @@
                     <a:schemeClr val="accent1"/>
                   </a:solidFill>
                 </a14:hiddenFill>
-              </a:ext>
-              <a:ext uri="{91240B29-F687-4F45-9708-019B960494DF}">
-                <a14:hiddenLine xmlns:a14="http://schemas.microsoft.com/office/drawing/2010/main" w="9525">
-                  <a:solidFill>
-                    <a:schemeClr val="tx1"/>
-                  </a:solidFill>
-                  <a:miter lim="800000"/>
-                  <a:headEnd/>
-                  <a:tailEnd/>
-                </a14:hiddenLine>
               </a:ext>
               <a:ext uri="{AF507438-7753-43E0-B8FC-AC1667EBCBE1}">
                 <a14:hiddenEffects xmlns:a14="http://schemas.microsoft.com/office/drawing/2010/main">
@@ -8056,8 +8046,13 @@
               <a:avLst/>
             </a:prstGeom>
             <a:noFill/>
-            <a:ln>
-              <a:noFill/>
+            <a:ln w="9525">
+              <a:solidFill>
+                <a:schemeClr val="tx1"/>
+              </a:solidFill>
+              <a:miter lim="800000"/>
+              <a:headEnd/>
+              <a:tailEnd/>
             </a:ln>
             <a:effectLst/>
             <a:extLst>
@@ -8067,16 +8062,6 @@
                     <a:schemeClr val="accent1"/>
                   </a:solidFill>
                 </a14:hiddenFill>
-              </a:ext>
-              <a:ext uri="{91240B29-F687-4F45-9708-019B960494DF}">
-                <a14:hiddenLine xmlns:a14="http://schemas.microsoft.com/office/drawing/2010/main" w="9525">
-                  <a:solidFill>
-                    <a:schemeClr val="tx1"/>
-                  </a:solidFill>
-                  <a:miter lim="800000"/>
-                  <a:headEnd/>
-                  <a:tailEnd/>
-                </a14:hiddenLine>
               </a:ext>
               <a:ext uri="{AF507438-7753-43E0-B8FC-AC1667EBCBE1}">
                 <a14:hiddenEffects xmlns:a14="http://schemas.microsoft.com/office/drawing/2010/main">
@@ -8120,8 +8105,13 @@
               <a:avLst/>
             </a:prstGeom>
             <a:noFill/>
-            <a:ln>
-              <a:noFill/>
+            <a:ln w="9525">
+              <a:solidFill>
+                <a:schemeClr val="tx1"/>
+              </a:solidFill>
+              <a:miter lim="800000"/>
+              <a:headEnd/>
+              <a:tailEnd/>
             </a:ln>
             <a:effectLst/>
             <a:extLst>
@@ -8131,16 +8121,6 @@
                     <a:schemeClr val="accent1"/>
                   </a:solidFill>
                 </a14:hiddenFill>
-              </a:ext>
-              <a:ext uri="{91240B29-F687-4F45-9708-019B960494DF}">
-                <a14:hiddenLine xmlns:a14="http://schemas.microsoft.com/office/drawing/2010/main" w="9525">
-                  <a:solidFill>
-                    <a:schemeClr val="tx1"/>
-                  </a:solidFill>
-                  <a:miter lim="800000"/>
-                  <a:headEnd/>
-                  <a:tailEnd/>
-                </a14:hiddenLine>
               </a:ext>
               <a:ext uri="{AF507438-7753-43E0-B8FC-AC1667EBCBE1}">
                 <a14:hiddenEffects xmlns:a14="http://schemas.microsoft.com/office/drawing/2010/main">
@@ -8729,8 +8709,13 @@
             <a:avLst/>
           </a:prstGeom>
           <a:noFill/>
-          <a:ln>
-            <a:noFill/>
+          <a:ln w="9525">
+            <a:solidFill>
+              <a:schemeClr val="tx1"/>
+            </a:solidFill>
+            <a:miter lim="800000"/>
+            <a:headEnd/>
+            <a:tailEnd/>
           </a:ln>
           <a:effectLst/>
           <a:extLst>
@@ -8740,16 +8725,6 @@
                   <a:schemeClr val="accent1"/>
                 </a:solidFill>
               </a14:hiddenFill>
-            </a:ext>
-            <a:ext uri="{91240B29-F687-4F45-9708-019B960494DF}">
-              <a14:hiddenLine xmlns:a14="http://schemas.microsoft.com/office/drawing/2010/main" w="9525">
-                <a:solidFill>
-                  <a:schemeClr val="tx1"/>
-                </a:solidFill>
-                <a:miter lim="800000"/>
-                <a:headEnd/>
-                <a:tailEnd/>
-              </a14:hiddenLine>
             </a:ext>
             <a:ext uri="{AF507438-7753-43E0-B8FC-AC1667EBCBE1}">
               <a14:hiddenEffects xmlns:a14="http://schemas.microsoft.com/office/drawing/2010/main">
@@ -9189,7 +9164,7 @@
   <a:extraClrSchemeLst/>
   <a:extLst>
     <a:ext uri="{05A4C25C-085E-4340-85A3-A5531E510DB2}">
-      <thm15:themeFamily xmlns="" xmlns:thm15="http://schemas.microsoft.com/office/thememl/2012/main" name="Office Theme" id="{62F939B6-93AF-4DB8-9C6B-D6C7DFDC589F}" vid="{4A3C46E8-61CC-4603-A589-7422A47A8E4A}"/>
+      <thm15:themeFamily xmlns:thm15="http://schemas.microsoft.com/office/thememl/2012/main" xmlns="" name="Office Theme" id="{62F939B6-93AF-4DB8-9C6B-D6C7DFDC589F}" vid="{4A3C46E8-61CC-4603-A589-7422A47A8E4A}"/>
     </a:ext>
   </a:extLst>
 </a:theme>
@@ -9450,7 +9425,7 @@
   <a:extraClrSchemeLst/>
   <a:extLst>
     <a:ext uri="{05A4C25C-085E-4340-85A3-A5531E510DB2}">
-      <thm15:themeFamily xmlns="" xmlns:thm15="http://schemas.microsoft.com/office/thememl/2012/main" name="Office Theme" id="{62F939B6-93AF-4DB8-9C6B-D6C7DFDC589F}" vid="{4A3C46E8-61CC-4603-A589-7422A47A8E4A}"/>
+      <thm15:themeFamily xmlns:thm15="http://schemas.microsoft.com/office/thememl/2012/main" xmlns="" name="Office Theme" id="{62F939B6-93AF-4DB8-9C6B-D6C7DFDC589F}" vid="{4A3C46E8-61CC-4603-A589-7422A47A8E4A}"/>
     </a:ext>
   </a:extLst>
 </a:theme>

--- a/0 발표용 파워포인트/0417 3차발표/0417 project05 - 파워포인트 - 서희.pptx
+++ b/0 발표용 파워포인트/0417 3차발표/0417 project05 - 파워포인트 - 서희.pptx
@@ -5,7 +5,7 @@
     <p:sldMasterId id="2147483648" r:id="rId1"/>
   </p:sldMasterIdLst>
   <p:notesMasterIdLst>
-    <p:notesMasterId r:id="rId8"/>
+    <p:notesMasterId r:id="rId9"/>
   </p:notesMasterIdLst>
   <p:sldIdLst>
     <p:sldId id="256" r:id="rId2"/>
@@ -14,6 +14,7 @@
     <p:sldId id="259" r:id="rId5"/>
     <p:sldId id="260" r:id="rId6"/>
     <p:sldId id="261" r:id="rId7"/>
+    <p:sldId id="262" r:id="rId8"/>
   </p:sldIdLst>
   <p:sldSz cx="12192000" cy="6858000"/>
   <p:notesSz cx="6858000" cy="9144000"/>
@@ -114,7 +115,7 @@
   </p:defaultTextStyle>
   <p:extLst>
     <p:ext uri="{EFAFB233-063F-42B5-8137-9DF3F51BA10A}">
-      <p15:sldGuideLst xmlns:p15="http://schemas.microsoft.com/office/powerpoint/2012/main" xmlns="">
+      <p15:sldGuideLst xmlns="" xmlns:p15="http://schemas.microsoft.com/office/powerpoint/2012/main">
         <p15:guide id="1" orient="horz" pos="2160">
           <p15:clr>
             <a:srgbClr val="A4A3A4"/>
@@ -3518,7 +3519,7 @@
                 <a:gridCol w="8032096">
                   <a:extLst>
                     <a:ext uri="{9D8B030D-6E8A-4147-A177-3AD203B41FA5}">
-                      <a16:colId xmlns="" xmlns:a16="http://schemas.microsoft.com/office/drawing/2014/main" val="20000"/>
+                      <a16:colId xmlns:a16="http://schemas.microsoft.com/office/drawing/2014/main" xmlns="" val="20000"/>
                     </a:ext>
                   </a:extLst>
                 </a:gridCol>
@@ -3583,7 +3584,7 @@
                 </a:tc>
                 <a:extLst>
                   <a:ext uri="{0D108BD9-81ED-4DB2-BD59-A6C34878D82A}">
-                    <a16:rowId xmlns="" xmlns:a16="http://schemas.microsoft.com/office/drawing/2014/main" val="10000"/>
+                    <a16:rowId xmlns:a16="http://schemas.microsoft.com/office/drawing/2014/main" xmlns="" val="10000"/>
                   </a:ext>
                 </a:extLst>
               </a:tr>
@@ -3647,7 +3648,7 @@
                 </a:tc>
                 <a:extLst>
                   <a:ext uri="{0D108BD9-81ED-4DB2-BD59-A6C34878D82A}">
-                    <a16:rowId xmlns="" xmlns:a16="http://schemas.microsoft.com/office/drawing/2014/main" val="10001"/>
+                    <a16:rowId xmlns:a16="http://schemas.microsoft.com/office/drawing/2014/main" xmlns="" val="10001"/>
                   </a:ext>
                 </a:extLst>
               </a:tr>
@@ -4160,14 +4161,14 @@
                 <a:gridCol w="342705">
                   <a:extLst>
                     <a:ext uri="{9D8B030D-6E8A-4147-A177-3AD203B41FA5}">
-                      <a16:colId xmlns="" xmlns:a16="http://schemas.microsoft.com/office/drawing/2014/main" val="20000"/>
+                      <a16:colId xmlns:a16="http://schemas.microsoft.com/office/drawing/2014/main" xmlns="" val="20000"/>
                     </a:ext>
                   </a:extLst>
                 </a:gridCol>
                 <a:gridCol w="3149108">
                   <a:extLst>
                     <a:ext uri="{9D8B030D-6E8A-4147-A177-3AD203B41FA5}">
-                      <a16:colId xmlns="" xmlns:a16="http://schemas.microsoft.com/office/drawing/2014/main" val="20001"/>
+                      <a16:colId xmlns:a16="http://schemas.microsoft.com/office/drawing/2014/main" xmlns="" val="20001"/>
                     </a:ext>
                   </a:extLst>
                 </a:gridCol>
@@ -4264,7 +4265,7 @@
                 </a:tc>
                 <a:extLst>
                   <a:ext uri="{0D108BD9-81ED-4DB2-BD59-A6C34878D82A}">
-                    <a16:rowId xmlns="" xmlns:a16="http://schemas.microsoft.com/office/drawing/2014/main" val="10000"/>
+                    <a16:rowId xmlns:a16="http://schemas.microsoft.com/office/drawing/2014/main" xmlns="" val="10000"/>
                   </a:ext>
                 </a:extLst>
               </a:tr>
@@ -4380,7 +4381,7 @@
                 </a:tc>
                 <a:extLst>
                   <a:ext uri="{0D108BD9-81ED-4DB2-BD59-A6C34878D82A}">
-                    <a16:rowId xmlns="" xmlns:a16="http://schemas.microsoft.com/office/drawing/2014/main" val="10001"/>
+                    <a16:rowId xmlns:a16="http://schemas.microsoft.com/office/drawing/2014/main" xmlns="" val="10001"/>
                   </a:ext>
                 </a:extLst>
               </a:tr>
@@ -4553,7 +4554,7 @@
                 </a:tc>
                 <a:extLst>
                   <a:ext uri="{0D108BD9-81ED-4DB2-BD59-A6C34878D82A}">
-                    <a16:rowId xmlns="" xmlns:a16="http://schemas.microsoft.com/office/drawing/2014/main" val="10002"/>
+                    <a16:rowId xmlns:a16="http://schemas.microsoft.com/office/drawing/2014/main" xmlns="" val="10002"/>
                   </a:ext>
                 </a:extLst>
               </a:tr>
@@ -4877,14 +4878,14 @@
                 <a:gridCol w="611879">
                   <a:extLst>
                     <a:ext uri="{9D8B030D-6E8A-4147-A177-3AD203B41FA5}">
-                      <a16:colId xmlns="" xmlns:a16="http://schemas.microsoft.com/office/drawing/2014/main" val="20000"/>
+                      <a16:colId xmlns:a16="http://schemas.microsoft.com/office/drawing/2014/main" xmlns="" val="20000"/>
                     </a:ext>
                   </a:extLst>
                 </a:gridCol>
                 <a:gridCol w="1499571">
                   <a:extLst>
                     <a:ext uri="{9D8B030D-6E8A-4147-A177-3AD203B41FA5}">
-                      <a16:colId xmlns="" xmlns:a16="http://schemas.microsoft.com/office/drawing/2014/main" val="20001"/>
+                      <a16:colId xmlns:a16="http://schemas.microsoft.com/office/drawing/2014/main" xmlns="" val="20001"/>
                     </a:ext>
                   </a:extLst>
                 </a:gridCol>
@@ -5049,7 +5050,7 @@
                 </a:tc>
                 <a:extLst>
                   <a:ext uri="{0D108BD9-81ED-4DB2-BD59-A6C34878D82A}">
-                    <a16:rowId xmlns="" xmlns:a16="http://schemas.microsoft.com/office/drawing/2014/main" val="10000"/>
+                    <a16:rowId xmlns:a16="http://schemas.microsoft.com/office/drawing/2014/main" xmlns="" val="10000"/>
                   </a:ext>
                 </a:extLst>
               </a:tr>
@@ -5278,7 +5279,7 @@
                 </a:tc>
                 <a:extLst>
                   <a:ext uri="{0D108BD9-81ED-4DB2-BD59-A6C34878D82A}">
-                    <a16:rowId xmlns="" xmlns:a16="http://schemas.microsoft.com/office/drawing/2014/main" val="10001"/>
+                    <a16:rowId xmlns:a16="http://schemas.microsoft.com/office/drawing/2014/main" xmlns="" val="10001"/>
                   </a:ext>
                 </a:extLst>
               </a:tr>
@@ -5443,7 +5444,7 @@
                 </a:tc>
                 <a:extLst>
                   <a:ext uri="{0D108BD9-81ED-4DB2-BD59-A6C34878D82A}">
-                    <a16:rowId xmlns="" xmlns:a16="http://schemas.microsoft.com/office/drawing/2014/main" val="10002"/>
+                    <a16:rowId xmlns:a16="http://schemas.microsoft.com/office/drawing/2014/main" xmlns="" val="10002"/>
                   </a:ext>
                 </a:extLst>
               </a:tr>
@@ -5616,7 +5617,7 @@
                 </a:tc>
                 <a:extLst>
                   <a:ext uri="{0D108BD9-81ED-4DB2-BD59-A6C34878D82A}">
-                    <a16:rowId xmlns="" xmlns:a16="http://schemas.microsoft.com/office/drawing/2014/main" val="10003"/>
+                    <a16:rowId xmlns:a16="http://schemas.microsoft.com/office/drawing/2014/main" xmlns="" val="10003"/>
                   </a:ext>
                 </a:extLst>
               </a:tr>
@@ -5821,7 +5822,7 @@
                 </a:tc>
                 <a:extLst>
                   <a:ext uri="{0D108BD9-81ED-4DB2-BD59-A6C34878D82A}">
-                    <a16:rowId xmlns="" xmlns:a16="http://schemas.microsoft.com/office/drawing/2014/main" val="10004"/>
+                    <a16:rowId xmlns:a16="http://schemas.microsoft.com/office/drawing/2014/main" xmlns="" val="10004"/>
                   </a:ext>
                 </a:extLst>
               </a:tr>
@@ -6242,14 +6243,14 @@
                 <a:gridCol w="342705">
                   <a:extLst>
                     <a:ext uri="{9D8B030D-6E8A-4147-A177-3AD203B41FA5}">
-                      <a16:colId xmlns="" xmlns:a16="http://schemas.microsoft.com/office/drawing/2014/main" val="20000"/>
+                      <a16:colId xmlns:a16="http://schemas.microsoft.com/office/drawing/2014/main" xmlns="" val="20000"/>
                     </a:ext>
                   </a:extLst>
                 </a:gridCol>
                 <a:gridCol w="3149108">
                   <a:extLst>
                     <a:ext uri="{9D8B030D-6E8A-4147-A177-3AD203B41FA5}">
-                      <a16:colId xmlns="" xmlns:a16="http://schemas.microsoft.com/office/drawing/2014/main" val="20001"/>
+                      <a16:colId xmlns:a16="http://schemas.microsoft.com/office/drawing/2014/main" xmlns="" val="20001"/>
                     </a:ext>
                   </a:extLst>
                 </a:gridCol>
@@ -6346,7 +6347,7 @@
                 </a:tc>
                 <a:extLst>
                   <a:ext uri="{0D108BD9-81ED-4DB2-BD59-A6C34878D82A}">
-                    <a16:rowId xmlns="" xmlns:a16="http://schemas.microsoft.com/office/drawing/2014/main" val="10000"/>
+                    <a16:rowId xmlns:a16="http://schemas.microsoft.com/office/drawing/2014/main" xmlns="" val="10000"/>
                   </a:ext>
                 </a:extLst>
               </a:tr>
@@ -6461,7 +6462,7 @@
                 </a:tc>
                 <a:extLst>
                   <a:ext uri="{0D108BD9-81ED-4DB2-BD59-A6C34878D82A}">
-                    <a16:rowId xmlns="" xmlns:a16="http://schemas.microsoft.com/office/drawing/2014/main" val="10001"/>
+                    <a16:rowId xmlns:a16="http://schemas.microsoft.com/office/drawing/2014/main" xmlns="" val="10001"/>
                   </a:ext>
                 </a:extLst>
               </a:tr>
@@ -6497,7 +6498,7 @@
                 <a:gridCol w="8040334">
                   <a:extLst>
                     <a:ext uri="{9D8B030D-6E8A-4147-A177-3AD203B41FA5}">
-                      <a16:colId xmlns="" xmlns:a16="http://schemas.microsoft.com/office/drawing/2014/main" val="20000"/>
+                      <a16:colId xmlns:a16="http://schemas.microsoft.com/office/drawing/2014/main" xmlns="" val="20000"/>
                     </a:ext>
                   </a:extLst>
                 </a:gridCol>
@@ -6562,7 +6563,7 @@
                 </a:tc>
                 <a:extLst>
                   <a:ext uri="{0D108BD9-81ED-4DB2-BD59-A6C34878D82A}">
-                    <a16:rowId xmlns="" xmlns:a16="http://schemas.microsoft.com/office/drawing/2014/main" val="10000"/>
+                    <a16:rowId xmlns:a16="http://schemas.microsoft.com/office/drawing/2014/main" xmlns="" val="10000"/>
                   </a:ext>
                 </a:extLst>
               </a:tr>
@@ -6626,7 +6627,7 @@
                 </a:tc>
                 <a:extLst>
                   <a:ext uri="{0D108BD9-81ED-4DB2-BD59-A6C34878D82A}">
-                    <a16:rowId xmlns="" xmlns:a16="http://schemas.microsoft.com/office/drawing/2014/main" val="10001"/>
+                    <a16:rowId xmlns:a16="http://schemas.microsoft.com/office/drawing/2014/main" xmlns="" val="10001"/>
                   </a:ext>
                 </a:extLst>
               </a:tr>
@@ -6918,7 +6919,7 @@
                 <a:gridCol w="2204380">
                   <a:extLst>
                     <a:ext uri="{9D8B030D-6E8A-4147-A177-3AD203B41FA5}">
-                      <a16:colId xmlns="" xmlns:a16="http://schemas.microsoft.com/office/drawing/2014/main" val="20000"/>
+                      <a16:colId xmlns:a16="http://schemas.microsoft.com/office/drawing/2014/main" xmlns="" val="20000"/>
                     </a:ext>
                   </a:extLst>
                 </a:gridCol>
@@ -6977,7 +6978,7 @@
                 </a:tc>
                 <a:extLst>
                   <a:ext uri="{0D108BD9-81ED-4DB2-BD59-A6C34878D82A}">
-                    <a16:rowId xmlns="" xmlns:a16="http://schemas.microsoft.com/office/drawing/2014/main" val="10000"/>
+                    <a16:rowId xmlns:a16="http://schemas.microsoft.com/office/drawing/2014/main" xmlns="" val="10000"/>
                   </a:ext>
                 </a:extLst>
               </a:tr>
@@ -8909,6 +8910,329 @@
 </p:sld>
 </file>
 
+<file path=ppt/slides/slide7.xml><?xml version="1.0" encoding="utf-8"?>
+<p:sld xmlns:a="http://schemas.openxmlformats.org/drawingml/2006/main" xmlns:r="http://schemas.openxmlformats.org/officeDocument/2006/relationships" xmlns:p="http://schemas.openxmlformats.org/presentationml/2006/main">
+  <p:cSld>
+    <p:spTree>
+      <p:nvGrpSpPr>
+        <p:cNvPr id="1" name=""/>
+        <p:cNvGrpSpPr/>
+        <p:nvPr/>
+      </p:nvGrpSpPr>
+      <p:grpSpPr>
+        <a:xfrm>
+          <a:off x="0" y="0"/>
+          <a:ext cx="0" cy="0"/>
+          <a:chOff x="0" y="0"/>
+          <a:chExt cx="0" cy="0"/>
+        </a:xfrm>
+      </p:grpSpPr>
+      <p:pic>
+        <p:nvPicPr>
+          <p:cNvPr id="1026" name="Picture 2"/>
+          <p:cNvPicPr>
+            <a:picLocks noChangeAspect="1" noChangeArrowheads="1"/>
+          </p:cNvPicPr>
+          <p:nvPr/>
+        </p:nvPicPr>
+        <p:blipFill>
+          <a:blip r:embed="rId2">
+            <a:extLst>
+              <a:ext uri="{28A0092B-C50C-407E-A947-70E740481C1C}">
+                <a14:useLocalDpi xmlns:a14="http://schemas.microsoft.com/office/drawing/2010/main" val="0"/>
+              </a:ext>
+            </a:extLst>
+          </a:blip>
+          <a:srcRect/>
+          <a:stretch>
+            <a:fillRect/>
+          </a:stretch>
+        </p:blipFill>
+        <p:spPr bwMode="auto">
+          <a:xfrm>
+            <a:off x="624747" y="1610799"/>
+            <a:ext cx="5458896" cy="2162132"/>
+          </a:xfrm>
+          <a:prstGeom prst="rect">
+            <a:avLst/>
+          </a:prstGeom>
+          <a:noFill/>
+          <a:ln w="9525">
+            <a:solidFill>
+              <a:schemeClr val="tx1"/>
+            </a:solidFill>
+            <a:miter lim="800000"/>
+            <a:headEnd/>
+            <a:tailEnd/>
+          </a:ln>
+          <a:effectLst/>
+          <a:extLst>
+            <a:ext uri="{909E8E84-426E-40DD-AFC4-6F175D3DCCD1}">
+              <a14:hiddenFill xmlns:a14="http://schemas.microsoft.com/office/drawing/2010/main">
+                <a:solidFill>
+                  <a:schemeClr val="accent1"/>
+                </a:solidFill>
+              </a14:hiddenFill>
+            </a:ext>
+            <a:ext uri="{AF507438-7753-43E0-B8FC-AC1667EBCBE1}">
+              <a14:hiddenEffects xmlns:a14="http://schemas.microsoft.com/office/drawing/2010/main">
+                <a:effectLst>
+                  <a:outerShdw dist="35921" dir="2700000" algn="ctr" rotWithShape="0">
+                    <a:schemeClr val="bg2"/>
+                  </a:outerShdw>
+                </a:effectLst>
+              </a14:hiddenEffects>
+            </a:ext>
+          </a:extLst>
+        </p:spPr>
+      </p:pic>
+      <p:pic>
+        <p:nvPicPr>
+          <p:cNvPr id="1027" name="Picture 3"/>
+          <p:cNvPicPr>
+            <a:picLocks noChangeAspect="1" noChangeArrowheads="1"/>
+          </p:cNvPicPr>
+          <p:nvPr/>
+        </p:nvPicPr>
+        <p:blipFill>
+          <a:blip r:embed="rId3">
+            <a:extLst>
+              <a:ext uri="{28A0092B-C50C-407E-A947-70E740481C1C}">
+                <a14:useLocalDpi xmlns:a14="http://schemas.microsoft.com/office/drawing/2010/main" val="0"/>
+              </a:ext>
+            </a:extLst>
+          </a:blip>
+          <a:srcRect/>
+          <a:stretch>
+            <a:fillRect/>
+          </a:stretch>
+        </p:blipFill>
+        <p:spPr bwMode="auto">
+          <a:xfrm>
+            <a:off x="624747" y="4306213"/>
+            <a:ext cx="5420369" cy="2132216"/>
+          </a:xfrm>
+          <a:prstGeom prst="rect">
+            <a:avLst/>
+          </a:prstGeom>
+          <a:noFill/>
+          <a:ln w="9525">
+            <a:solidFill>
+              <a:schemeClr val="tx1"/>
+            </a:solidFill>
+            <a:miter lim="800000"/>
+            <a:headEnd/>
+            <a:tailEnd/>
+          </a:ln>
+          <a:effectLst/>
+          <a:extLst>
+            <a:ext uri="{909E8E84-426E-40DD-AFC4-6F175D3DCCD1}">
+              <a14:hiddenFill xmlns:a14="http://schemas.microsoft.com/office/drawing/2010/main">
+                <a:solidFill>
+                  <a:schemeClr val="accent1"/>
+                </a:solidFill>
+              </a14:hiddenFill>
+            </a:ext>
+            <a:ext uri="{AF507438-7753-43E0-B8FC-AC1667EBCBE1}">
+              <a14:hiddenEffects xmlns:a14="http://schemas.microsoft.com/office/drawing/2010/main">
+                <a:effectLst>
+                  <a:outerShdw dist="35921" dir="2700000" algn="ctr" rotWithShape="0">
+                    <a:schemeClr val="bg2"/>
+                  </a:outerShdw>
+                </a:effectLst>
+              </a14:hiddenEffects>
+            </a:ext>
+          </a:extLst>
+        </p:spPr>
+      </p:pic>
+      <p:pic>
+        <p:nvPicPr>
+          <p:cNvPr id="1028" name="Picture 4"/>
+          <p:cNvPicPr>
+            <a:picLocks noChangeAspect="1" noChangeArrowheads="1"/>
+          </p:cNvPicPr>
+          <p:nvPr/>
+        </p:nvPicPr>
+        <p:blipFill>
+          <a:blip r:embed="rId4">
+            <a:extLst>
+              <a:ext uri="{28A0092B-C50C-407E-A947-70E740481C1C}">
+                <a14:useLocalDpi xmlns:a14="http://schemas.microsoft.com/office/drawing/2010/main" val="0"/>
+              </a:ext>
+            </a:extLst>
+          </a:blip>
+          <a:srcRect/>
+          <a:stretch>
+            <a:fillRect/>
+          </a:stretch>
+        </p:blipFill>
+        <p:spPr bwMode="auto">
+          <a:xfrm>
+            <a:off x="7407483" y="2108885"/>
+            <a:ext cx="3878054" cy="3685407"/>
+          </a:xfrm>
+          <a:prstGeom prst="rect">
+            <a:avLst/>
+          </a:prstGeom>
+          <a:noFill/>
+          <a:ln w="9525">
+            <a:solidFill>
+              <a:schemeClr val="tx1"/>
+            </a:solidFill>
+            <a:miter lim="800000"/>
+            <a:headEnd/>
+            <a:tailEnd/>
+          </a:ln>
+          <a:effectLst/>
+          <a:extLst>
+            <a:ext uri="{909E8E84-426E-40DD-AFC4-6F175D3DCCD1}">
+              <a14:hiddenFill xmlns:a14="http://schemas.microsoft.com/office/drawing/2010/main">
+                <a:solidFill>
+                  <a:schemeClr val="accent1"/>
+                </a:solidFill>
+              </a14:hiddenFill>
+            </a:ext>
+            <a:ext uri="{AF507438-7753-43E0-B8FC-AC1667EBCBE1}">
+              <a14:hiddenEffects xmlns:a14="http://schemas.microsoft.com/office/drawing/2010/main">
+                <a:effectLst>
+                  <a:outerShdw dist="35921" dir="2700000" algn="ctr" rotWithShape="0">
+                    <a:schemeClr val="bg2"/>
+                  </a:outerShdw>
+                </a:effectLst>
+              </a14:hiddenEffects>
+            </a:ext>
+          </a:extLst>
+        </p:spPr>
+      </p:pic>
+      <p:sp>
+        <p:nvSpPr>
+          <p:cNvPr id="7" name="직사각형 6"/>
+          <p:cNvSpPr/>
+          <p:nvPr/>
+        </p:nvSpPr>
+        <p:spPr>
+          <a:xfrm>
+            <a:off x="354828" y="245240"/>
+            <a:ext cx="6591868" cy="477054"/>
+          </a:xfrm>
+          <a:prstGeom prst="rect">
+            <a:avLst/>
+          </a:prstGeom>
+        </p:spPr>
+        <p:txBody>
+          <a:bodyPr wrap="none">
+            <a:spAutoFit/>
+          </a:bodyPr>
+          <a:lstStyle/>
+          <a:p>
+            <a:pPr lvl="0" algn="ctr">
+              <a:buClr>
+                <a:srgbClr val="000000"/>
+              </a:buClr>
+              <a:buSzPts val="1500"/>
+              <a:defRPr/>
+            </a:pPr>
+            <a:r>
+              <a:rPr lang="en-US" altLang="ko-KR" sz="2500" dirty="0" smtClean="0">
+                <a:solidFill>
+                  <a:schemeClr val="bg1"/>
+                </a:solidFill>
+                <a:latin typeface="+mj-lt"/>
+              </a:rPr>
+              <a:t>[</a:t>
+            </a:r>
+            <a:r>
+              <a:rPr lang="ko-KR" altLang="en-US" sz="2500" dirty="0" smtClean="0">
+                <a:solidFill>
+                  <a:schemeClr val="bg1"/>
+                </a:solidFill>
+                <a:latin typeface="+mj-lt"/>
+              </a:rPr>
+              <a:t>화면 구현</a:t>
+            </a:r>
+            <a:r>
+              <a:rPr lang="en-US" altLang="ko-KR" sz="2500" dirty="0" smtClean="0">
+                <a:solidFill>
+                  <a:schemeClr val="bg1"/>
+                </a:solidFill>
+                <a:latin typeface="+mj-lt"/>
+              </a:rPr>
+              <a:t>]</a:t>
+            </a:r>
+            <a:r>
+              <a:rPr lang="ko-KR" altLang="en-US" sz="2500" dirty="0" smtClean="0">
+                <a:solidFill>
+                  <a:schemeClr val="bg1"/>
+                </a:solidFill>
+                <a:latin typeface="+mj-lt"/>
+              </a:rPr>
+              <a:t>사용자</a:t>
+            </a:r>
+            <a:r>
+              <a:rPr lang="en-US" altLang="ko-KR" sz="2500" dirty="0">
+                <a:solidFill>
+                  <a:schemeClr val="bg1"/>
+                </a:solidFill>
+              </a:rPr>
+              <a:t> - </a:t>
+            </a:r>
+            <a:r>
+              <a:rPr lang="ko-KR" altLang="en-US" sz="2500" dirty="0">
+                <a:solidFill>
+                  <a:schemeClr val="bg1"/>
+                </a:solidFill>
+              </a:rPr>
+              <a:t>웹</a:t>
+            </a:r>
+            <a:r>
+              <a:rPr lang="ko-KR" altLang="en-US" sz="2500" dirty="0" smtClean="0">
+                <a:solidFill>
+                  <a:schemeClr val="bg1"/>
+                </a:solidFill>
+                <a:latin typeface="+mj-lt"/>
+              </a:rPr>
+              <a:t> </a:t>
+            </a:r>
+            <a:r>
+              <a:rPr lang="en-US" altLang="ko-KR" sz="2500" dirty="0" smtClean="0">
+                <a:solidFill>
+                  <a:schemeClr val="bg1"/>
+                </a:solidFill>
+                <a:latin typeface="+mj-lt"/>
+              </a:rPr>
+              <a:t>– </a:t>
+            </a:r>
+            <a:r>
+              <a:rPr lang="ko-KR" altLang="en-US" sz="2500" dirty="0" smtClean="0">
+                <a:solidFill>
+                  <a:schemeClr val="bg1"/>
+                </a:solidFill>
+                <a:latin typeface="+mj-lt"/>
+              </a:rPr>
+              <a:t>세미나 상세페이지</a:t>
+            </a:r>
+            <a:endParaRPr lang="ko-KR" altLang="en-US" sz="2500" dirty="0">
+              <a:solidFill>
+                <a:schemeClr val="bg1"/>
+              </a:solidFill>
+              <a:latin typeface="+mj-lt"/>
+            </a:endParaRPr>
+          </a:p>
+        </p:txBody>
+      </p:sp>
+    </p:spTree>
+    <p:extLst>
+      <p:ext uri="{BB962C8B-B14F-4D97-AF65-F5344CB8AC3E}">
+        <p14:creationId xmlns:p14="http://schemas.microsoft.com/office/powerpoint/2010/main" val="1269017025"/>
+      </p:ext>
+    </p:extLst>
+  </p:cSld>
+  <p:clrMapOvr>
+    <a:masterClrMapping/>
+  </p:clrMapOvr>
+</p:sld>
+</file>
+
 <file path=ppt/theme/theme1.xml><?xml version="1.0" encoding="utf-8"?>
 <a:theme xmlns:a="http://schemas.openxmlformats.org/drawingml/2006/main" name="Office 테마">
   <a:themeElements>
@@ -9164,7 +9488,7 @@
   <a:extraClrSchemeLst/>
   <a:extLst>
     <a:ext uri="{05A4C25C-085E-4340-85A3-A5531E510DB2}">
-      <thm15:themeFamily xmlns:thm15="http://schemas.microsoft.com/office/thememl/2012/main" xmlns="" name="Office Theme" id="{62F939B6-93AF-4DB8-9C6B-D6C7DFDC589F}" vid="{4A3C46E8-61CC-4603-A589-7422A47A8E4A}"/>
+      <thm15:themeFamily xmlns="" xmlns:thm15="http://schemas.microsoft.com/office/thememl/2012/main" name="Office Theme" id="{62F939B6-93AF-4DB8-9C6B-D6C7DFDC589F}" vid="{4A3C46E8-61CC-4603-A589-7422A47A8E4A}"/>
     </a:ext>
   </a:extLst>
 </a:theme>
@@ -9425,7 +9749,7 @@
   <a:extraClrSchemeLst/>
   <a:extLst>
     <a:ext uri="{05A4C25C-085E-4340-85A3-A5531E510DB2}">
-      <thm15:themeFamily xmlns:thm15="http://schemas.microsoft.com/office/thememl/2012/main" xmlns="" name="Office Theme" id="{62F939B6-93AF-4DB8-9C6B-D6C7DFDC589F}" vid="{4A3C46E8-61CC-4603-A589-7422A47A8E4A}"/>
+      <thm15:themeFamily xmlns="" xmlns:thm15="http://schemas.microsoft.com/office/thememl/2012/main" name="Office Theme" id="{62F939B6-93AF-4DB8-9C6B-D6C7DFDC589F}" vid="{4A3C46E8-61CC-4603-A589-7422A47A8E4A}"/>
     </a:ext>
   </a:extLst>
 </a:theme>

--- a/0 발표용 파워포인트/0417 3차발표/0417 project05 - 파워포인트 - 서희.pptx
+++ b/0 발표용 파워포인트/0417 3차발표/0417 project05 - 파워포인트 - 서희.pptx
@@ -5,7 +5,7 @@
     <p:sldMasterId id="2147483648" r:id="rId1"/>
   </p:sldMasterIdLst>
   <p:notesMasterIdLst>
-    <p:notesMasterId r:id="rId9"/>
+    <p:notesMasterId r:id="rId10"/>
   </p:notesMasterIdLst>
   <p:sldIdLst>
     <p:sldId id="256" r:id="rId2"/>
@@ -13,8 +13,9 @@
     <p:sldId id="258" r:id="rId4"/>
     <p:sldId id="259" r:id="rId5"/>
     <p:sldId id="260" r:id="rId6"/>
-    <p:sldId id="261" r:id="rId7"/>
-    <p:sldId id="262" r:id="rId8"/>
+    <p:sldId id="263" r:id="rId7"/>
+    <p:sldId id="261" r:id="rId8"/>
+    <p:sldId id="262" r:id="rId9"/>
   </p:sldIdLst>
   <p:sldSz cx="12192000" cy="6858000"/>
   <p:notesSz cx="6858000" cy="9144000"/>
@@ -115,7 +116,7 @@
   </p:defaultTextStyle>
   <p:extLst>
     <p:ext uri="{EFAFB233-063F-42B5-8137-9DF3F51BA10A}">
-      <p15:sldGuideLst xmlns="" xmlns:p15="http://schemas.microsoft.com/office/powerpoint/2012/main">
+      <p15:sldGuideLst xmlns:p15="http://schemas.microsoft.com/office/powerpoint/2012/main" xmlns="">
         <p15:guide id="1" orient="horz" pos="2160">
           <p15:clr>
             <a:srgbClr val="A4A3A4"/>
@@ -3519,7 +3520,7 @@
                 <a:gridCol w="8032096">
                   <a:extLst>
                     <a:ext uri="{9D8B030D-6E8A-4147-A177-3AD203B41FA5}">
-                      <a16:colId xmlns:a16="http://schemas.microsoft.com/office/drawing/2014/main" xmlns="" val="20000"/>
+                      <a16:colId xmlns="" xmlns:a16="http://schemas.microsoft.com/office/drawing/2014/main" val="20000"/>
                     </a:ext>
                   </a:extLst>
                 </a:gridCol>
@@ -3584,7 +3585,7 @@
                 </a:tc>
                 <a:extLst>
                   <a:ext uri="{0D108BD9-81ED-4DB2-BD59-A6C34878D82A}">
-                    <a16:rowId xmlns:a16="http://schemas.microsoft.com/office/drawing/2014/main" xmlns="" val="10000"/>
+                    <a16:rowId xmlns="" xmlns:a16="http://schemas.microsoft.com/office/drawing/2014/main" val="10000"/>
                   </a:ext>
                 </a:extLst>
               </a:tr>
@@ -3648,7 +3649,7 @@
                 </a:tc>
                 <a:extLst>
                   <a:ext uri="{0D108BD9-81ED-4DB2-BD59-A6C34878D82A}">
-                    <a16:rowId xmlns:a16="http://schemas.microsoft.com/office/drawing/2014/main" xmlns="" val="10001"/>
+                    <a16:rowId xmlns="" xmlns:a16="http://schemas.microsoft.com/office/drawing/2014/main" val="10001"/>
                   </a:ext>
                 </a:extLst>
               </a:tr>
@@ -4161,14 +4162,14 @@
                 <a:gridCol w="342705">
                   <a:extLst>
                     <a:ext uri="{9D8B030D-6E8A-4147-A177-3AD203B41FA5}">
-                      <a16:colId xmlns:a16="http://schemas.microsoft.com/office/drawing/2014/main" xmlns="" val="20000"/>
+                      <a16:colId xmlns="" xmlns:a16="http://schemas.microsoft.com/office/drawing/2014/main" val="20000"/>
                     </a:ext>
                   </a:extLst>
                 </a:gridCol>
                 <a:gridCol w="3149108">
                   <a:extLst>
                     <a:ext uri="{9D8B030D-6E8A-4147-A177-3AD203B41FA5}">
-                      <a16:colId xmlns:a16="http://schemas.microsoft.com/office/drawing/2014/main" xmlns="" val="20001"/>
+                      <a16:colId xmlns="" xmlns:a16="http://schemas.microsoft.com/office/drawing/2014/main" val="20001"/>
                     </a:ext>
                   </a:extLst>
                 </a:gridCol>
@@ -4265,7 +4266,7 @@
                 </a:tc>
                 <a:extLst>
                   <a:ext uri="{0D108BD9-81ED-4DB2-BD59-A6C34878D82A}">
-                    <a16:rowId xmlns:a16="http://schemas.microsoft.com/office/drawing/2014/main" xmlns="" val="10000"/>
+                    <a16:rowId xmlns="" xmlns:a16="http://schemas.microsoft.com/office/drawing/2014/main" val="10000"/>
                   </a:ext>
                 </a:extLst>
               </a:tr>
@@ -4381,7 +4382,7 @@
                 </a:tc>
                 <a:extLst>
                   <a:ext uri="{0D108BD9-81ED-4DB2-BD59-A6C34878D82A}">
-                    <a16:rowId xmlns:a16="http://schemas.microsoft.com/office/drawing/2014/main" xmlns="" val="10001"/>
+                    <a16:rowId xmlns="" xmlns:a16="http://schemas.microsoft.com/office/drawing/2014/main" val="10001"/>
                   </a:ext>
                 </a:extLst>
               </a:tr>
@@ -4554,7 +4555,7 @@
                 </a:tc>
                 <a:extLst>
                   <a:ext uri="{0D108BD9-81ED-4DB2-BD59-A6C34878D82A}">
-                    <a16:rowId xmlns:a16="http://schemas.microsoft.com/office/drawing/2014/main" xmlns="" val="10002"/>
+                    <a16:rowId xmlns="" xmlns:a16="http://schemas.microsoft.com/office/drawing/2014/main" val="10002"/>
                   </a:ext>
                 </a:extLst>
               </a:tr>
@@ -4878,14 +4879,14 @@
                 <a:gridCol w="611879">
                   <a:extLst>
                     <a:ext uri="{9D8B030D-6E8A-4147-A177-3AD203B41FA5}">
-                      <a16:colId xmlns:a16="http://schemas.microsoft.com/office/drawing/2014/main" xmlns="" val="20000"/>
+                      <a16:colId xmlns="" xmlns:a16="http://schemas.microsoft.com/office/drawing/2014/main" val="20000"/>
                     </a:ext>
                   </a:extLst>
                 </a:gridCol>
                 <a:gridCol w="1499571">
                   <a:extLst>
                     <a:ext uri="{9D8B030D-6E8A-4147-A177-3AD203B41FA5}">
-                      <a16:colId xmlns:a16="http://schemas.microsoft.com/office/drawing/2014/main" xmlns="" val="20001"/>
+                      <a16:colId xmlns="" xmlns:a16="http://schemas.microsoft.com/office/drawing/2014/main" val="20001"/>
                     </a:ext>
                   </a:extLst>
                 </a:gridCol>
@@ -5050,7 +5051,7 @@
                 </a:tc>
                 <a:extLst>
                   <a:ext uri="{0D108BD9-81ED-4DB2-BD59-A6C34878D82A}">
-                    <a16:rowId xmlns:a16="http://schemas.microsoft.com/office/drawing/2014/main" xmlns="" val="10000"/>
+                    <a16:rowId xmlns="" xmlns:a16="http://schemas.microsoft.com/office/drawing/2014/main" val="10000"/>
                   </a:ext>
                 </a:extLst>
               </a:tr>
@@ -5279,7 +5280,7 @@
                 </a:tc>
                 <a:extLst>
                   <a:ext uri="{0D108BD9-81ED-4DB2-BD59-A6C34878D82A}">
-                    <a16:rowId xmlns:a16="http://schemas.microsoft.com/office/drawing/2014/main" xmlns="" val="10001"/>
+                    <a16:rowId xmlns="" xmlns:a16="http://schemas.microsoft.com/office/drawing/2014/main" val="10001"/>
                   </a:ext>
                 </a:extLst>
               </a:tr>
@@ -5444,7 +5445,7 @@
                 </a:tc>
                 <a:extLst>
                   <a:ext uri="{0D108BD9-81ED-4DB2-BD59-A6C34878D82A}">
-                    <a16:rowId xmlns:a16="http://schemas.microsoft.com/office/drawing/2014/main" xmlns="" val="10002"/>
+                    <a16:rowId xmlns="" xmlns:a16="http://schemas.microsoft.com/office/drawing/2014/main" val="10002"/>
                   </a:ext>
                 </a:extLst>
               </a:tr>
@@ -5617,7 +5618,7 @@
                 </a:tc>
                 <a:extLst>
                   <a:ext uri="{0D108BD9-81ED-4DB2-BD59-A6C34878D82A}">
-                    <a16:rowId xmlns:a16="http://schemas.microsoft.com/office/drawing/2014/main" xmlns="" val="10003"/>
+                    <a16:rowId xmlns="" xmlns:a16="http://schemas.microsoft.com/office/drawing/2014/main" val="10003"/>
                   </a:ext>
                 </a:extLst>
               </a:tr>
@@ -5822,7 +5823,7 @@
                 </a:tc>
                 <a:extLst>
                   <a:ext uri="{0D108BD9-81ED-4DB2-BD59-A6C34878D82A}">
-                    <a16:rowId xmlns:a16="http://schemas.microsoft.com/office/drawing/2014/main" xmlns="" val="10004"/>
+                    <a16:rowId xmlns="" xmlns:a16="http://schemas.microsoft.com/office/drawing/2014/main" val="10004"/>
                   </a:ext>
                 </a:extLst>
               </a:tr>
@@ -6243,14 +6244,14 @@
                 <a:gridCol w="342705">
                   <a:extLst>
                     <a:ext uri="{9D8B030D-6E8A-4147-A177-3AD203B41FA5}">
-                      <a16:colId xmlns:a16="http://schemas.microsoft.com/office/drawing/2014/main" xmlns="" val="20000"/>
+                      <a16:colId xmlns="" xmlns:a16="http://schemas.microsoft.com/office/drawing/2014/main" val="20000"/>
                     </a:ext>
                   </a:extLst>
                 </a:gridCol>
                 <a:gridCol w="3149108">
                   <a:extLst>
                     <a:ext uri="{9D8B030D-6E8A-4147-A177-3AD203B41FA5}">
-                      <a16:colId xmlns:a16="http://schemas.microsoft.com/office/drawing/2014/main" xmlns="" val="20001"/>
+                      <a16:colId xmlns="" xmlns:a16="http://schemas.microsoft.com/office/drawing/2014/main" val="20001"/>
                     </a:ext>
                   </a:extLst>
                 </a:gridCol>
@@ -6347,7 +6348,7 @@
                 </a:tc>
                 <a:extLst>
                   <a:ext uri="{0D108BD9-81ED-4DB2-BD59-A6C34878D82A}">
-                    <a16:rowId xmlns:a16="http://schemas.microsoft.com/office/drawing/2014/main" xmlns="" val="10000"/>
+                    <a16:rowId xmlns="" xmlns:a16="http://schemas.microsoft.com/office/drawing/2014/main" val="10000"/>
                   </a:ext>
                 </a:extLst>
               </a:tr>
@@ -6462,7 +6463,7 @@
                 </a:tc>
                 <a:extLst>
                   <a:ext uri="{0D108BD9-81ED-4DB2-BD59-A6C34878D82A}">
-                    <a16:rowId xmlns:a16="http://schemas.microsoft.com/office/drawing/2014/main" xmlns="" val="10001"/>
+                    <a16:rowId xmlns="" xmlns:a16="http://schemas.microsoft.com/office/drawing/2014/main" val="10001"/>
                   </a:ext>
                 </a:extLst>
               </a:tr>
@@ -6498,7 +6499,7 @@
                 <a:gridCol w="8040334">
                   <a:extLst>
                     <a:ext uri="{9D8B030D-6E8A-4147-A177-3AD203B41FA5}">
-                      <a16:colId xmlns:a16="http://schemas.microsoft.com/office/drawing/2014/main" xmlns="" val="20000"/>
+                      <a16:colId xmlns="" xmlns:a16="http://schemas.microsoft.com/office/drawing/2014/main" val="20000"/>
                     </a:ext>
                   </a:extLst>
                 </a:gridCol>
@@ -6563,7 +6564,7 @@
                 </a:tc>
                 <a:extLst>
                   <a:ext uri="{0D108BD9-81ED-4DB2-BD59-A6C34878D82A}">
-                    <a16:rowId xmlns:a16="http://schemas.microsoft.com/office/drawing/2014/main" xmlns="" val="10000"/>
+                    <a16:rowId xmlns="" xmlns:a16="http://schemas.microsoft.com/office/drawing/2014/main" val="10000"/>
                   </a:ext>
                 </a:extLst>
               </a:tr>
@@ -6627,7 +6628,7 @@
                 </a:tc>
                 <a:extLst>
                   <a:ext uri="{0D108BD9-81ED-4DB2-BD59-A6C34878D82A}">
-                    <a16:rowId xmlns:a16="http://schemas.microsoft.com/office/drawing/2014/main" xmlns="" val="10001"/>
+                    <a16:rowId xmlns="" xmlns:a16="http://schemas.microsoft.com/office/drawing/2014/main" val="10001"/>
                   </a:ext>
                 </a:extLst>
               </a:tr>
@@ -6919,7 +6920,7 @@
                 <a:gridCol w="2204380">
                   <a:extLst>
                     <a:ext uri="{9D8B030D-6E8A-4147-A177-3AD203B41FA5}">
-                      <a16:colId xmlns:a16="http://schemas.microsoft.com/office/drawing/2014/main" xmlns="" val="20000"/>
+                      <a16:colId xmlns="" xmlns:a16="http://schemas.microsoft.com/office/drawing/2014/main" val="20000"/>
                     </a:ext>
                   </a:extLst>
                 </a:gridCol>
@@ -6978,7 +6979,7 @@
                 </a:tc>
                 <a:extLst>
                   <a:ext uri="{0D108BD9-81ED-4DB2-BD59-A6C34878D82A}">
-                    <a16:rowId xmlns:a16="http://schemas.microsoft.com/office/drawing/2014/main" xmlns="" val="10000"/>
+                    <a16:rowId xmlns="" xmlns:a16="http://schemas.microsoft.com/office/drawing/2014/main" val="10000"/>
                   </a:ext>
                 </a:extLst>
               </a:tr>
@@ -8618,6 +8619,394 @@
       </p:grpSpPr>
       <p:pic>
         <p:nvPicPr>
+          <p:cNvPr id="1026" name="Picture 2"/>
+          <p:cNvPicPr>
+            <a:picLocks noChangeAspect="1" noChangeArrowheads="1"/>
+          </p:cNvPicPr>
+          <p:nvPr/>
+        </p:nvPicPr>
+        <p:blipFill>
+          <a:blip r:embed="rId2">
+            <a:extLst>
+              <a:ext uri="{28A0092B-C50C-407E-A947-70E740481C1C}">
+                <a14:useLocalDpi xmlns:a14="http://schemas.microsoft.com/office/drawing/2010/main" val="0"/>
+              </a:ext>
+            </a:extLst>
+          </a:blip>
+          <a:srcRect/>
+          <a:stretch>
+            <a:fillRect/>
+          </a:stretch>
+        </p:blipFill>
+        <p:spPr bwMode="auto">
+          <a:xfrm>
+            <a:off x="94415" y="4035812"/>
+            <a:ext cx="11974513" cy="666750"/>
+          </a:xfrm>
+          <a:prstGeom prst="rect">
+            <a:avLst/>
+          </a:prstGeom>
+          <a:noFill/>
+          <a:ln w="9525">
+            <a:solidFill>
+              <a:schemeClr val="tx1"/>
+            </a:solidFill>
+            <a:miter lim="800000"/>
+            <a:headEnd/>
+            <a:tailEnd/>
+          </a:ln>
+          <a:effectLst/>
+          <a:extLst>
+            <a:ext uri="{909E8E84-426E-40DD-AFC4-6F175D3DCCD1}">
+              <a14:hiddenFill xmlns:a14="http://schemas.microsoft.com/office/drawing/2010/main">
+                <a:solidFill>
+                  <a:schemeClr val="accent1"/>
+                </a:solidFill>
+              </a14:hiddenFill>
+            </a:ext>
+            <a:ext uri="{AF507438-7753-43E0-B8FC-AC1667EBCBE1}">
+              <a14:hiddenEffects xmlns:a14="http://schemas.microsoft.com/office/drawing/2010/main">
+                <a:effectLst>
+                  <a:outerShdw dist="35921" dir="2700000" algn="ctr" rotWithShape="0">
+                    <a:schemeClr val="bg2"/>
+                  </a:outerShdw>
+                </a:effectLst>
+              </a14:hiddenEffects>
+            </a:ext>
+          </a:extLst>
+        </p:spPr>
+      </p:pic>
+      <p:sp>
+        <p:nvSpPr>
+          <p:cNvPr id="5" name="직사각형 4"/>
+          <p:cNvSpPr/>
+          <p:nvPr/>
+        </p:nvSpPr>
+        <p:spPr>
+          <a:xfrm>
+            <a:off x="193271" y="2622156"/>
+            <a:ext cx="7509031" cy="461319"/>
+          </a:xfrm>
+          <a:prstGeom prst="rect">
+            <a:avLst/>
+          </a:prstGeom>
+          <a:noFill/>
+          <a:ln>
+            <a:solidFill>
+              <a:schemeClr val="bg1"/>
+            </a:solidFill>
+          </a:ln>
+        </p:spPr>
+        <p:style>
+          <a:lnRef idx="2">
+            <a:schemeClr val="accent1">
+              <a:shade val="50000"/>
+            </a:schemeClr>
+          </a:lnRef>
+          <a:fillRef idx="1">
+            <a:schemeClr val="accent1"/>
+          </a:fillRef>
+          <a:effectRef idx="0">
+            <a:schemeClr val="accent1"/>
+          </a:effectRef>
+          <a:fontRef idx="minor">
+            <a:schemeClr val="lt1"/>
+          </a:fontRef>
+        </p:style>
+        <p:txBody>
+          <a:bodyPr rtlCol="0" anchor="ctr"/>
+          <a:lstStyle/>
+          <a:p>
+            <a:r>
+              <a:rPr lang="en-US" altLang="ko-KR" sz="1500" dirty="0" smtClean="0">
+                <a:solidFill>
+                  <a:schemeClr val="tx1"/>
+                </a:solidFill>
+              </a:rPr>
+              <a:t>P5SEMIBOOK</a:t>
+            </a:r>
+            <a:r>
+              <a:rPr lang="ko-KR" altLang="en-US" sz="1500" dirty="0" smtClean="0">
+                <a:solidFill>
+                  <a:schemeClr val="tx1"/>
+                </a:solidFill>
+              </a:rPr>
+              <a:t>과 </a:t>
+            </a:r>
+            <a:r>
+              <a:rPr lang="en-US" altLang="ko-KR" sz="1500" dirty="0" smtClean="0">
+                <a:solidFill>
+                  <a:schemeClr val="tx1"/>
+                </a:solidFill>
+              </a:rPr>
+              <a:t>P5SEMIZONE</a:t>
+            </a:r>
+            <a:r>
+              <a:rPr lang="ko-KR" altLang="en-US" sz="1500" dirty="0" smtClean="0">
+                <a:solidFill>
+                  <a:schemeClr val="tx1"/>
+                </a:solidFill>
+              </a:rPr>
+              <a:t>을 </a:t>
+            </a:r>
+            <a:r>
+              <a:rPr lang="en-US" altLang="ko-KR" sz="1500" dirty="0" smtClean="0">
+                <a:solidFill>
+                  <a:schemeClr val="tx1"/>
+                </a:solidFill>
+              </a:rPr>
+              <a:t>LEFT JOIN</a:t>
+            </a:r>
+            <a:r>
+              <a:rPr lang="ko-KR" altLang="en-US" sz="1500" dirty="0">
+                <a:solidFill>
+                  <a:schemeClr val="tx1"/>
+                </a:solidFill>
+              </a:rPr>
+              <a:t> </a:t>
+            </a:r>
+            <a:endParaRPr lang="en-US" altLang="ko-KR" sz="1500" dirty="0" smtClean="0">
+              <a:solidFill>
+                <a:schemeClr val="tx1"/>
+              </a:solidFill>
+            </a:endParaRPr>
+          </a:p>
+          <a:p>
+            <a:endParaRPr lang="en-US" altLang="ko-KR" sz="1500" dirty="0" smtClean="0">
+              <a:solidFill>
+                <a:schemeClr val="tx1"/>
+              </a:solidFill>
+            </a:endParaRPr>
+          </a:p>
+          <a:p>
+            <a:r>
+              <a:rPr lang="en-US" altLang="ko-KR" sz="1500" dirty="0" smtClean="0">
+                <a:solidFill>
+                  <a:schemeClr val="tx1"/>
+                </a:solidFill>
+                <a:sym typeface="Wingdings" panose="05000000000000000000" pitchFamily="2" charset="2"/>
+              </a:rPr>
+              <a:t> parameter</a:t>
+            </a:r>
+            <a:r>
+              <a:rPr lang="ko-KR" altLang="en-US" sz="1500" dirty="0" smtClean="0">
+                <a:solidFill>
+                  <a:schemeClr val="tx1"/>
+                </a:solidFill>
+                <a:sym typeface="Wingdings" panose="05000000000000000000" pitchFamily="2" charset="2"/>
+              </a:rPr>
+              <a:t>로 들어온 </a:t>
+            </a:r>
+            <a:r>
+              <a:rPr lang="en-US" altLang="ko-KR" sz="1500" dirty="0" smtClean="0">
+                <a:solidFill>
+                  <a:schemeClr val="tx1"/>
+                </a:solidFill>
+                <a:sym typeface="Wingdings" panose="05000000000000000000" pitchFamily="2" charset="2"/>
+              </a:rPr>
+              <a:t>SEMI_CODE</a:t>
+            </a:r>
+            <a:r>
+              <a:rPr lang="ko-KR" altLang="en-US" sz="1500" dirty="0" smtClean="0">
+                <a:solidFill>
+                  <a:schemeClr val="tx1"/>
+                </a:solidFill>
+                <a:sym typeface="Wingdings" panose="05000000000000000000" pitchFamily="2" charset="2"/>
+              </a:rPr>
+              <a:t>를 </a:t>
+            </a:r>
+            <a:r>
+              <a:rPr lang="en-US" altLang="ko-KR" sz="1500" dirty="0" smtClean="0">
+                <a:solidFill>
+                  <a:schemeClr val="tx1"/>
+                </a:solidFill>
+                <a:sym typeface="Wingdings" panose="05000000000000000000" pitchFamily="2" charset="2"/>
+              </a:rPr>
+              <a:t>Prepared Statement</a:t>
+            </a:r>
+            <a:r>
+              <a:rPr lang="ko-KR" altLang="en-US" sz="1500" dirty="0" smtClean="0">
+                <a:solidFill>
+                  <a:schemeClr val="tx1"/>
+                </a:solidFill>
+                <a:sym typeface="Wingdings" panose="05000000000000000000" pitchFamily="2" charset="2"/>
+              </a:rPr>
+              <a:t>를 이용하여 </a:t>
+            </a:r>
+            <a:r>
+              <a:rPr lang="en-US" altLang="ko-KR" sz="1500" dirty="0" err="1" smtClean="0">
+                <a:solidFill>
+                  <a:schemeClr val="tx1"/>
+                </a:solidFill>
+                <a:sym typeface="Wingdings" panose="05000000000000000000" pitchFamily="2" charset="2"/>
+              </a:rPr>
+              <a:t>vo</a:t>
+            </a:r>
+            <a:r>
+              <a:rPr lang="ko-KR" altLang="en-US" sz="1500" dirty="0" smtClean="0">
+                <a:solidFill>
+                  <a:schemeClr val="tx1"/>
+                </a:solidFill>
+                <a:sym typeface="Wingdings" panose="05000000000000000000" pitchFamily="2" charset="2"/>
+              </a:rPr>
+              <a:t>에 전달</a:t>
+            </a:r>
+            <a:endParaRPr lang="en-US" altLang="ko-KR" sz="1500" dirty="0" smtClean="0">
+              <a:solidFill>
+                <a:schemeClr val="tx1"/>
+              </a:solidFill>
+            </a:endParaRPr>
+          </a:p>
+        </p:txBody>
+      </p:sp>
+      <p:sp>
+        <p:nvSpPr>
+          <p:cNvPr id="6" name="직사각형 5"/>
+          <p:cNvSpPr/>
+          <p:nvPr/>
+        </p:nvSpPr>
+        <p:spPr>
+          <a:xfrm>
+            <a:off x="354828" y="245240"/>
+            <a:ext cx="6591868" cy="477054"/>
+          </a:xfrm>
+          <a:prstGeom prst="rect">
+            <a:avLst/>
+          </a:prstGeom>
+        </p:spPr>
+        <p:txBody>
+          <a:bodyPr wrap="none">
+            <a:spAutoFit/>
+          </a:bodyPr>
+          <a:lstStyle/>
+          <a:p>
+            <a:pPr lvl="0" algn="ctr">
+              <a:buClr>
+                <a:srgbClr val="000000"/>
+              </a:buClr>
+              <a:buSzPts val="1500"/>
+              <a:defRPr/>
+            </a:pPr>
+            <a:r>
+              <a:rPr lang="en-US" altLang="ko-KR" sz="2500" dirty="0" smtClean="0">
+                <a:solidFill>
+                  <a:schemeClr val="bg1"/>
+                </a:solidFill>
+                <a:latin typeface="+mj-lt"/>
+              </a:rPr>
+              <a:t>[</a:t>
+            </a:r>
+            <a:r>
+              <a:rPr lang="ko-KR" altLang="en-US" sz="2500" dirty="0" smtClean="0">
+                <a:solidFill>
+                  <a:schemeClr val="bg1"/>
+                </a:solidFill>
+                <a:latin typeface="+mj-lt"/>
+              </a:rPr>
+              <a:t>화면 구현</a:t>
+            </a:r>
+            <a:r>
+              <a:rPr lang="en-US" altLang="ko-KR" sz="2500" dirty="0" smtClean="0">
+                <a:solidFill>
+                  <a:schemeClr val="bg1"/>
+                </a:solidFill>
+                <a:latin typeface="+mj-lt"/>
+              </a:rPr>
+              <a:t>]</a:t>
+            </a:r>
+            <a:r>
+              <a:rPr lang="ko-KR" altLang="en-US" sz="2500" dirty="0" smtClean="0">
+                <a:solidFill>
+                  <a:schemeClr val="bg1"/>
+                </a:solidFill>
+                <a:latin typeface="+mj-lt"/>
+              </a:rPr>
+              <a:t>사용자</a:t>
+            </a:r>
+            <a:r>
+              <a:rPr lang="en-US" altLang="ko-KR" sz="2500" dirty="0">
+                <a:solidFill>
+                  <a:schemeClr val="bg1"/>
+                </a:solidFill>
+              </a:rPr>
+              <a:t> - </a:t>
+            </a:r>
+            <a:r>
+              <a:rPr lang="ko-KR" altLang="en-US" sz="2500" dirty="0">
+                <a:solidFill>
+                  <a:schemeClr val="bg1"/>
+                </a:solidFill>
+              </a:rPr>
+              <a:t>웹</a:t>
+            </a:r>
+            <a:r>
+              <a:rPr lang="ko-KR" altLang="en-US" sz="2500" dirty="0" smtClean="0">
+                <a:solidFill>
+                  <a:schemeClr val="bg1"/>
+                </a:solidFill>
+                <a:latin typeface="+mj-lt"/>
+              </a:rPr>
+              <a:t> </a:t>
+            </a:r>
+            <a:r>
+              <a:rPr lang="en-US" altLang="ko-KR" sz="2500" dirty="0" smtClean="0">
+                <a:solidFill>
+                  <a:schemeClr val="bg1"/>
+                </a:solidFill>
+                <a:latin typeface="+mj-lt"/>
+              </a:rPr>
+              <a:t>– </a:t>
+            </a:r>
+            <a:r>
+              <a:rPr lang="ko-KR" altLang="en-US" sz="2500" dirty="0" smtClean="0">
+                <a:solidFill>
+                  <a:schemeClr val="bg1"/>
+                </a:solidFill>
+                <a:latin typeface="+mj-lt"/>
+              </a:rPr>
+              <a:t>세미나 상세페이지</a:t>
+            </a:r>
+            <a:endParaRPr lang="ko-KR" altLang="en-US" sz="2500" dirty="0">
+              <a:solidFill>
+                <a:schemeClr val="bg1"/>
+              </a:solidFill>
+              <a:latin typeface="+mj-lt"/>
+            </a:endParaRPr>
+          </a:p>
+        </p:txBody>
+      </p:sp>
+    </p:spTree>
+    <p:extLst>
+      <p:ext uri="{BB962C8B-B14F-4D97-AF65-F5344CB8AC3E}">
+        <p14:creationId xmlns:p14="http://schemas.microsoft.com/office/powerpoint/2010/main" val="1677048366"/>
+      </p:ext>
+    </p:extLst>
+  </p:cSld>
+  <p:clrMapOvr>
+    <a:masterClrMapping/>
+  </p:clrMapOvr>
+</p:sld>
+</file>
+
+<file path=ppt/slides/slide7.xml><?xml version="1.0" encoding="utf-8"?>
+<p:sld xmlns:a="http://schemas.openxmlformats.org/drawingml/2006/main" xmlns:r="http://schemas.openxmlformats.org/officeDocument/2006/relationships" xmlns:p="http://schemas.openxmlformats.org/presentationml/2006/main">
+  <p:cSld>
+    <p:spTree>
+      <p:nvGrpSpPr>
+        <p:cNvPr id="1" name=""/>
+        <p:cNvGrpSpPr/>
+        <p:nvPr/>
+      </p:nvGrpSpPr>
+      <p:grpSpPr>
+        <a:xfrm>
+          <a:off x="0" y="0"/>
+          <a:ext cx="0" cy="0"/>
+          <a:chOff x="0" y="0"/>
+          <a:chExt cx="0" cy="0"/>
+        </a:xfrm>
+      </p:grpSpPr>
+      <p:pic>
+        <p:nvPicPr>
           <p:cNvPr id="3074" name="Picture 2"/>
           <p:cNvPicPr>
             <a:picLocks noChangeAspect="1" noChangeArrowheads="1"/>
@@ -8910,7 +9299,7 @@
 </p:sld>
 </file>
 
-<file path=ppt/slides/slide7.xml><?xml version="1.0" encoding="utf-8"?>
+<file path=ppt/slides/slide8.xml><?xml version="1.0" encoding="utf-8"?>
 <p:sld xmlns:a="http://schemas.openxmlformats.org/drawingml/2006/main" xmlns:r="http://schemas.openxmlformats.org/officeDocument/2006/relationships" xmlns:p="http://schemas.openxmlformats.org/presentationml/2006/main">
   <p:cSld>
     <p:spTree>
@@ -9488,7 +9877,7 @@
   <a:extraClrSchemeLst/>
   <a:extLst>
     <a:ext uri="{05A4C25C-085E-4340-85A3-A5531E510DB2}">
-      <thm15:themeFamily xmlns="" xmlns:thm15="http://schemas.microsoft.com/office/thememl/2012/main" name="Office Theme" id="{62F939B6-93AF-4DB8-9C6B-D6C7DFDC589F}" vid="{4A3C46E8-61CC-4603-A589-7422A47A8E4A}"/>
+      <thm15:themeFamily xmlns:thm15="http://schemas.microsoft.com/office/thememl/2012/main" xmlns="" name="Office Theme" id="{62F939B6-93AF-4DB8-9C6B-D6C7DFDC589F}" vid="{4A3C46E8-61CC-4603-A589-7422A47A8E4A}"/>
     </a:ext>
   </a:extLst>
 </a:theme>
@@ -9749,7 +10138,7 @@
   <a:extraClrSchemeLst/>
   <a:extLst>
     <a:ext uri="{05A4C25C-085E-4340-85A3-A5531E510DB2}">
-      <thm15:themeFamily xmlns="" xmlns:thm15="http://schemas.microsoft.com/office/thememl/2012/main" name="Office Theme" id="{62F939B6-93AF-4DB8-9C6B-D6C7DFDC589F}" vid="{4A3C46E8-61CC-4603-A589-7422A47A8E4A}"/>
+      <thm15:themeFamily xmlns:thm15="http://schemas.microsoft.com/office/thememl/2012/main" xmlns="" name="Office Theme" id="{62F939B6-93AF-4DB8-9C6B-D6C7DFDC589F}" vid="{4A3C46E8-61CC-4603-A589-7422A47A8E4A}"/>
     </a:ext>
   </a:extLst>
 </a:theme>
